--- a/A3-ER_modeling-DB_vs_Spredsheets_Normalization.pptx
+++ b/A3-ER_modeling-DB_vs_Spredsheets_Normalization.pptx
@@ -5,21 +5,23 @@
     <p:sldMasterId id="2147483654" r:id="rId1"/>
   </p:sldMasterIdLst>
   <p:notesMasterIdLst>
-    <p:notesMasterId r:id="rId11"/>
+    <p:notesMasterId r:id="rId13"/>
   </p:notesMasterIdLst>
   <p:handoutMasterIdLst>
-    <p:handoutMasterId r:id="rId12"/>
+    <p:handoutMasterId r:id="rId14"/>
   </p:handoutMasterIdLst>
   <p:sldIdLst>
     <p:sldId id="256" r:id="rId2"/>
     <p:sldId id="312" r:id="rId3"/>
     <p:sldId id="317" r:id="rId4"/>
     <p:sldId id="318" r:id="rId5"/>
-    <p:sldId id="319" r:id="rId6"/>
-    <p:sldId id="320" r:id="rId7"/>
-    <p:sldId id="321" r:id="rId8"/>
-    <p:sldId id="323" r:id="rId9"/>
-    <p:sldId id="417" r:id="rId10"/>
+    <p:sldId id="418" r:id="rId6"/>
+    <p:sldId id="319" r:id="rId7"/>
+    <p:sldId id="320" r:id="rId8"/>
+    <p:sldId id="419" r:id="rId9"/>
+    <p:sldId id="321" r:id="rId10"/>
+    <p:sldId id="323" r:id="rId11"/>
+    <p:sldId id="417" r:id="rId12"/>
   </p:sldIdLst>
   <p:sldSz cx="9144000" cy="6858000" type="screen4x3"/>
   <p:notesSz cx="7010400" cy="9296400"/>
@@ -249,7 +251,7 @@
                 <a:ea typeface="Arial Unicode MS" panose="020B0604020202020204" pitchFamily="34" charset="-128"/>
                 <a:cs typeface="Arial Unicode MS" panose="020B0604020202020204" pitchFamily="34" charset="-128"/>
               </a:rPr>
-              <a:t>4/11/2019</a:t>
+              <a:t>5/26/2019</a:t>
             </a:fld>
             <a:endParaRPr lang="en-US" dirty="0">
               <a:latin typeface="Arial Unicode MS" panose="020B0604020202020204" pitchFamily="34" charset="-128"/>
@@ -636,6 +638,148 @@
 </p:notes>
 </file>
 
+<file path=ppt/notesSlides/notesSlide10.xml><?xml version="1.0" encoding="utf-8"?>
+<p:notes xmlns:a="http://schemas.openxmlformats.org/drawingml/2006/main" xmlns:r="http://schemas.openxmlformats.org/officeDocument/2006/relationships" xmlns:p="http://schemas.openxmlformats.org/presentationml/2006/main">
+  <p:cSld>
+    <p:spTree>
+      <p:nvGrpSpPr>
+        <p:cNvPr id="1" name=""/>
+        <p:cNvGrpSpPr/>
+        <p:nvPr/>
+      </p:nvGrpSpPr>
+      <p:grpSpPr>
+        <a:xfrm>
+          <a:off x="0" y="0"/>
+          <a:ext cx="0" cy="0"/>
+          <a:chOff x="0" y="0"/>
+          <a:chExt cx="0" cy="0"/>
+        </a:xfrm>
+      </p:grpSpPr>
+      <p:sp>
+        <p:nvSpPr>
+          <p:cNvPr id="64515" name="Rectangle 2"/>
+          <p:cNvSpPr>
+            <a:spLocks noGrp="1" noRot="1" noChangeAspect="1" noChangeArrowheads="1" noTextEdit="1"/>
+          </p:cNvSpPr>
+          <p:nvPr>
+            <p:ph type="sldImg"/>
+          </p:nvPr>
+        </p:nvSpPr>
+        <p:spPr>
+          <a:xfrm>
+            <a:off x="1301750" y="733425"/>
+            <a:ext cx="4876800" cy="3657600"/>
+          </a:xfrm>
+          <a:ln/>
+        </p:spPr>
+      </p:sp>
+      <p:sp>
+        <p:nvSpPr>
+          <p:cNvPr id="64516" name="Rectangle 3"/>
+          <p:cNvSpPr>
+            <a:spLocks noGrp="1" noChangeArrowheads="1"/>
+          </p:cNvSpPr>
+          <p:nvPr>
+            <p:ph type="body" idx="1"/>
+          </p:nvPr>
+        </p:nvSpPr>
+        <p:spPr>
+          <a:xfrm>
+            <a:off x="748102" y="4636903"/>
+            <a:ext cx="5981559" cy="4391580"/>
+          </a:xfrm>
+          <a:noFill/>
+          <a:ln/>
+        </p:spPr>
+        <p:txBody>
+          <a:bodyPr lIns="95427" tIns="47714" rIns="95427" bIns="47714"/>
+          <a:lstStyle/>
+          <a:p>
+            <a:pPr eaLnBrk="1" hangingPunct="1"/>
+            <a:endParaRPr lang="el-GR"/>
+          </a:p>
+        </p:txBody>
+      </p:sp>
+    </p:spTree>
+    <p:extLst>
+      <p:ext uri="{BB962C8B-B14F-4D97-AF65-F5344CB8AC3E}">
+        <p14:creationId xmlns:p14="http://schemas.microsoft.com/office/powerpoint/2010/main" val="3096653881"/>
+      </p:ext>
+    </p:extLst>
+  </p:cSld>
+  <p:clrMapOvr>
+    <a:masterClrMapping/>
+  </p:clrMapOvr>
+</p:notes>
+</file>
+
+<file path=ppt/notesSlides/notesSlide11.xml><?xml version="1.0" encoding="utf-8"?>
+<p:notes xmlns:a="http://schemas.openxmlformats.org/drawingml/2006/main" xmlns:r="http://schemas.openxmlformats.org/officeDocument/2006/relationships" xmlns:p="http://schemas.openxmlformats.org/presentationml/2006/main">
+  <p:cSld>
+    <p:spTree>
+      <p:nvGrpSpPr>
+        <p:cNvPr id="1" name=""/>
+        <p:cNvGrpSpPr/>
+        <p:nvPr/>
+      </p:nvGrpSpPr>
+      <p:grpSpPr>
+        <a:xfrm>
+          <a:off x="0" y="0"/>
+          <a:ext cx="0" cy="0"/>
+          <a:chOff x="0" y="0"/>
+          <a:chExt cx="0" cy="0"/>
+        </a:xfrm>
+      </p:grpSpPr>
+      <p:sp>
+        <p:nvSpPr>
+          <p:cNvPr id="65539" name="Rectangle 2"/>
+          <p:cNvSpPr>
+            <a:spLocks noGrp="1" noRot="1" noChangeAspect="1" noChangeArrowheads="1" noTextEdit="1"/>
+          </p:cNvSpPr>
+          <p:nvPr>
+            <p:ph type="sldImg"/>
+          </p:nvPr>
+        </p:nvSpPr>
+        <p:spPr>
+          <a:ln/>
+        </p:spPr>
+      </p:sp>
+      <p:sp>
+        <p:nvSpPr>
+          <p:cNvPr id="65540" name="Rectangle 3"/>
+          <p:cNvSpPr>
+            <a:spLocks noGrp="1" noChangeArrowheads="1"/>
+          </p:cNvSpPr>
+          <p:nvPr>
+            <p:ph type="body" idx="1"/>
+          </p:nvPr>
+        </p:nvSpPr>
+        <p:spPr>
+          <a:noFill/>
+          <a:ln/>
+        </p:spPr>
+        <p:txBody>
+          <a:bodyPr/>
+          <a:lstStyle/>
+          <a:p>
+            <a:pPr eaLnBrk="1" hangingPunct="1"/>
+            <a:endParaRPr lang="el-GR"/>
+          </a:p>
+        </p:txBody>
+      </p:sp>
+    </p:spTree>
+    <p:extLst>
+      <p:ext uri="{BB962C8B-B14F-4D97-AF65-F5344CB8AC3E}">
+        <p14:creationId xmlns:p14="http://schemas.microsoft.com/office/powerpoint/2010/main" val="1132985331"/>
+      </p:ext>
+    </p:extLst>
+  </p:cSld>
+  <p:clrMapOvr>
+    <a:masterClrMapping/>
+  </p:clrMapOvr>
+</p:notes>
+</file>
+
 <file path=ppt/notesSlides/notesSlide2.xml><?xml version="1.0" encoding="utf-8"?>
 <p:notes xmlns:a="http://schemas.openxmlformats.org/drawingml/2006/main" xmlns:r="http://schemas.openxmlformats.org/officeDocument/2006/relationships" xmlns:p="http://schemas.openxmlformats.org/presentationml/2006/main">
   <p:cSld>
@@ -904,6 +1048,98 @@
       </p:grpSpPr>
       <p:sp>
         <p:nvSpPr>
+          <p:cNvPr id="59395" name="Rectangle 2"/>
+          <p:cNvSpPr>
+            <a:spLocks noGrp="1" noRot="1" noChangeAspect="1" noChangeArrowheads="1" noTextEdit="1"/>
+          </p:cNvSpPr>
+          <p:nvPr>
+            <p:ph type="sldImg"/>
+          </p:nvPr>
+        </p:nvSpPr>
+        <p:spPr>
+          <a:xfrm>
+            <a:off x="1300163" y="733425"/>
+            <a:ext cx="4878387" cy="3659188"/>
+          </a:xfrm>
+          <a:ln/>
+        </p:spPr>
+      </p:sp>
+      <p:sp>
+        <p:nvSpPr>
+          <p:cNvPr id="59396" name="Rectangle 3"/>
+          <p:cNvSpPr>
+            <a:spLocks noGrp="1" noChangeArrowheads="1"/>
+          </p:cNvSpPr>
+          <p:nvPr>
+            <p:ph type="body" idx="1"/>
+          </p:nvPr>
+        </p:nvSpPr>
+        <p:spPr>
+          <a:xfrm>
+            <a:off x="748102" y="4636903"/>
+            <a:ext cx="5981559" cy="4391580"/>
+          </a:xfrm>
+          <a:noFill/>
+          <a:ln/>
+        </p:spPr>
+        <p:txBody>
+          <a:bodyPr lIns="93153" tIns="46576" rIns="93153" bIns="46576"/>
+          <a:lstStyle/>
+          <a:p>
+            <a:pPr eaLnBrk="1" hangingPunct="1"/>
+            <a:r>
+              <a:rPr lang="en-US"/>
+              <a:t>Go through the table in the previous slide and find the problems encountered when one wants to insert, delete, or update data in it. </a:t>
+            </a:r>
+          </a:p>
+          <a:p>
+            <a:pPr eaLnBrk="1" hangingPunct="1"/>
+            <a:r>
+              <a:rPr lang="en-US"/>
+              <a:t>Talk about Anomalies</a:t>
+            </a:r>
+          </a:p>
+          <a:p>
+            <a:pPr eaLnBrk="1" hangingPunct="1"/>
+            <a:r>
+              <a:rPr lang="en-US"/>
+              <a:t>Write down an example of one anomaly (individual then consult pairs). </a:t>
+            </a:r>
+          </a:p>
+        </p:txBody>
+      </p:sp>
+    </p:spTree>
+    <p:extLst>
+      <p:ext uri="{BB962C8B-B14F-4D97-AF65-F5344CB8AC3E}">
+        <p14:creationId xmlns:p14="http://schemas.microsoft.com/office/powerpoint/2010/main" val="764428564"/>
+      </p:ext>
+    </p:extLst>
+  </p:cSld>
+  <p:clrMapOvr>
+    <a:masterClrMapping/>
+  </p:clrMapOvr>
+</p:notes>
+</file>
+
+<file path=ppt/notesSlides/notesSlide6.xml><?xml version="1.0" encoding="utf-8"?>
+<p:notes xmlns:a="http://schemas.openxmlformats.org/drawingml/2006/main" xmlns:r="http://schemas.openxmlformats.org/officeDocument/2006/relationships" xmlns:p="http://schemas.openxmlformats.org/presentationml/2006/main">
+  <p:cSld>
+    <p:spTree>
+      <p:nvGrpSpPr>
+        <p:cNvPr id="1" name=""/>
+        <p:cNvGrpSpPr/>
+        <p:nvPr/>
+      </p:nvGrpSpPr>
+      <p:grpSpPr>
+        <a:xfrm>
+          <a:off x="0" y="0"/>
+          <a:ext cx="0" cy="0"/>
+          <a:chOff x="0" y="0"/>
+          <a:chExt cx="0" cy="0"/>
+        </a:xfrm>
+      </p:grpSpPr>
+      <p:sp>
+        <p:nvSpPr>
           <p:cNvPr id="60419" name="Rectangle 2"/>
           <p:cNvSpPr>
             <a:spLocks noGrp="1" noRot="1" noChangeAspect="1" noChangeArrowheads="1" noTextEdit="1"/>
@@ -977,7 +1213,7 @@
 </p:notes>
 </file>
 
-<file path=ppt/notesSlides/notesSlide6.xml><?xml version="1.0" encoding="utf-8"?>
+<file path=ppt/notesSlides/notesSlide7.xml><?xml version="1.0" encoding="utf-8"?>
 <p:notes xmlns:a="http://schemas.openxmlformats.org/drawingml/2006/main" xmlns:r="http://schemas.openxmlformats.org/officeDocument/2006/relationships" xmlns:p="http://schemas.openxmlformats.org/presentationml/2006/main">
   <p:cSld>
     <p:spTree>
@@ -1069,7 +1305,7 @@
 </p:notes>
 </file>
 
-<file path=ppt/notesSlides/notesSlide7.xml><?xml version="1.0" encoding="utf-8"?>
+<file path=ppt/notesSlides/notesSlide8.xml><?xml version="1.0" encoding="utf-8"?>
 <p:notes xmlns:a="http://schemas.openxmlformats.org/drawingml/2006/main" xmlns:r="http://schemas.openxmlformats.org/officeDocument/2006/relationships" xmlns:p="http://schemas.openxmlformats.org/presentationml/2006/main">
   <p:cSld>
     <p:spTree>
@@ -1151,82 +1387,7 @@
     </p:spTree>
     <p:extLst>
       <p:ext uri="{BB962C8B-B14F-4D97-AF65-F5344CB8AC3E}">
-        <p14:creationId xmlns:p14="http://schemas.microsoft.com/office/powerpoint/2010/main" val="214845308"/>
-      </p:ext>
-    </p:extLst>
-  </p:cSld>
-  <p:clrMapOvr>
-    <a:masterClrMapping/>
-  </p:clrMapOvr>
-</p:notes>
-</file>
-
-<file path=ppt/notesSlides/notesSlide8.xml><?xml version="1.0" encoding="utf-8"?>
-<p:notes xmlns:a="http://schemas.openxmlformats.org/drawingml/2006/main" xmlns:r="http://schemas.openxmlformats.org/officeDocument/2006/relationships" xmlns:p="http://schemas.openxmlformats.org/presentationml/2006/main">
-  <p:cSld>
-    <p:spTree>
-      <p:nvGrpSpPr>
-        <p:cNvPr id="1" name=""/>
-        <p:cNvGrpSpPr/>
-        <p:nvPr/>
-      </p:nvGrpSpPr>
-      <p:grpSpPr>
-        <a:xfrm>
-          <a:off x="0" y="0"/>
-          <a:ext cx="0" cy="0"/>
-          <a:chOff x="0" y="0"/>
-          <a:chExt cx="0" cy="0"/>
-        </a:xfrm>
-      </p:grpSpPr>
-      <p:sp>
-        <p:nvSpPr>
-          <p:cNvPr id="64515" name="Rectangle 2"/>
-          <p:cNvSpPr>
-            <a:spLocks noGrp="1" noRot="1" noChangeAspect="1" noChangeArrowheads="1" noTextEdit="1"/>
-          </p:cNvSpPr>
-          <p:nvPr>
-            <p:ph type="sldImg"/>
-          </p:nvPr>
-        </p:nvSpPr>
-        <p:spPr>
-          <a:xfrm>
-            <a:off x="1301750" y="733425"/>
-            <a:ext cx="4876800" cy="3657600"/>
-          </a:xfrm>
-          <a:ln/>
-        </p:spPr>
-      </p:sp>
-      <p:sp>
-        <p:nvSpPr>
-          <p:cNvPr id="64516" name="Rectangle 3"/>
-          <p:cNvSpPr>
-            <a:spLocks noGrp="1" noChangeArrowheads="1"/>
-          </p:cNvSpPr>
-          <p:nvPr>
-            <p:ph type="body" idx="1"/>
-          </p:nvPr>
-        </p:nvSpPr>
-        <p:spPr>
-          <a:xfrm>
-            <a:off x="748102" y="4636903"/>
-            <a:ext cx="5981559" cy="4391580"/>
-          </a:xfrm>
-          <a:noFill/>
-          <a:ln/>
-        </p:spPr>
-        <p:txBody>
-          <a:bodyPr lIns="95427" tIns="47714" rIns="95427" bIns="47714"/>
-          <a:lstStyle/>
-          <a:p>
-            <a:pPr eaLnBrk="1" hangingPunct="1"/>
-            <a:endParaRPr lang="el-GR"/>
-          </a:p>
-        </p:txBody>
-      </p:sp>
-    </p:spTree>
-    <p:extLst>
-      <p:ext uri="{BB962C8B-B14F-4D97-AF65-F5344CB8AC3E}">
-        <p14:creationId xmlns:p14="http://schemas.microsoft.com/office/powerpoint/2010/main" val="3096653881"/>
+        <p14:creationId xmlns:p14="http://schemas.microsoft.com/office/powerpoint/2010/main" val="2842631059"/>
       </p:ext>
     </p:extLst>
   </p:cSld>
@@ -1255,7 +1416,7 @@
       </p:grpSpPr>
       <p:sp>
         <p:nvSpPr>
-          <p:cNvPr id="65539" name="Rectangle 2"/>
+          <p:cNvPr id="62467" name="Rectangle 2"/>
           <p:cNvSpPr>
             <a:spLocks noGrp="1" noRot="1" noChangeAspect="1" noChangeArrowheads="1" noTextEdit="1"/>
           </p:cNvSpPr>
@@ -1264,12 +1425,16 @@
           </p:nvPr>
         </p:nvSpPr>
         <p:spPr>
+          <a:xfrm>
+            <a:off x="1300163" y="733425"/>
+            <a:ext cx="4878387" cy="3659188"/>
+          </a:xfrm>
           <a:ln/>
         </p:spPr>
       </p:sp>
       <p:sp>
         <p:nvSpPr>
-          <p:cNvPr id="65540" name="Rectangle 3"/>
+          <p:cNvPr id="62468" name="Rectangle 3"/>
           <p:cNvSpPr>
             <a:spLocks noGrp="1" noChangeArrowheads="1"/>
           </p:cNvSpPr>
@@ -1278,22 +1443,43 @@
           </p:nvPr>
         </p:nvSpPr>
         <p:spPr>
+          <a:xfrm>
+            <a:off x="748102" y="4636903"/>
+            <a:ext cx="5981559" cy="4391580"/>
+          </a:xfrm>
           <a:noFill/>
           <a:ln/>
         </p:spPr>
         <p:txBody>
-          <a:bodyPr/>
+          <a:bodyPr lIns="93153" tIns="46576" rIns="93153" bIns="46576"/>
           <a:lstStyle/>
           <a:p>
             <a:pPr eaLnBrk="1" hangingPunct="1"/>
-            <a:endParaRPr lang="el-GR"/>
+            <a:r>
+              <a:rPr lang="en-US"/>
+              <a:t>Go through the table in the previous slide and find the problems encountered when one wants to insert, delete, or update data in it. </a:t>
+            </a:r>
+          </a:p>
+          <a:p>
+            <a:pPr eaLnBrk="1" hangingPunct="1"/>
+            <a:r>
+              <a:rPr lang="en-US"/>
+              <a:t>Talk about Anomalies</a:t>
+            </a:r>
+          </a:p>
+          <a:p>
+            <a:pPr eaLnBrk="1" hangingPunct="1"/>
+            <a:r>
+              <a:rPr lang="en-US"/>
+              <a:t>Write down an example of one anomaly (individual then consult pairs). </a:t>
+            </a:r>
           </a:p>
         </p:txBody>
       </p:sp>
     </p:spTree>
     <p:extLst>
       <p:ext uri="{BB962C8B-B14F-4D97-AF65-F5344CB8AC3E}">
-        <p14:creationId xmlns:p14="http://schemas.microsoft.com/office/powerpoint/2010/main" val="1132985331"/>
+        <p14:creationId xmlns:p14="http://schemas.microsoft.com/office/powerpoint/2010/main" val="214845308"/>
       </p:ext>
     </p:extLst>
   </p:cSld>
@@ -1432,7 +1618,7 @@
           <a:p>
             <a:fld id="{E9385586-C094-4874-A3EB-1898CF456001}" type="datetimeFigureOut">
               <a:rPr lang="en-US" smtClean="0"/>
-              <a:t>4/11/2019</a:t>
+              <a:t>5/26/2019</a:t>
             </a:fld>
             <a:endParaRPr lang="en-US"/>
           </a:p>
@@ -1601,7 +1787,7 @@
           <a:p>
             <a:fld id="{E9385586-C094-4874-A3EB-1898CF456001}" type="datetimeFigureOut">
               <a:rPr lang="en-US" smtClean="0"/>
-              <a:t>4/11/2019</a:t>
+              <a:t>5/26/2019</a:t>
             </a:fld>
             <a:endParaRPr lang="en-US"/>
           </a:p>
@@ -1780,7 +1966,7 @@
           <a:p>
             <a:fld id="{E9385586-C094-4874-A3EB-1898CF456001}" type="datetimeFigureOut">
               <a:rPr lang="en-US" smtClean="0"/>
-              <a:t>4/11/2019</a:t>
+              <a:t>5/26/2019</a:t>
             </a:fld>
             <a:endParaRPr lang="en-US"/>
           </a:p>
@@ -2159,7 +2345,7 @@
           <a:p>
             <a:fld id="{E9385586-C094-4874-A3EB-1898CF456001}" type="datetimeFigureOut">
               <a:rPr lang="en-US" smtClean="0"/>
-              <a:t>4/11/2019</a:t>
+              <a:t>5/26/2019</a:t>
             </a:fld>
             <a:endParaRPr lang="en-US"/>
           </a:p>
@@ -2404,7 +2590,7 @@
           <a:p>
             <a:fld id="{E9385586-C094-4874-A3EB-1898CF456001}" type="datetimeFigureOut">
               <a:rPr lang="en-US" smtClean="0"/>
-              <a:t>4/11/2019</a:t>
+              <a:t>5/26/2019</a:t>
             </a:fld>
             <a:endParaRPr lang="en-US"/>
           </a:p>
@@ -2634,7 +2820,7 @@
           <a:p>
             <a:fld id="{E9385586-C094-4874-A3EB-1898CF456001}" type="datetimeFigureOut">
               <a:rPr lang="en-US" smtClean="0"/>
-              <a:t>4/11/2019</a:t>
+              <a:t>5/26/2019</a:t>
             </a:fld>
             <a:endParaRPr lang="en-US"/>
           </a:p>
@@ -2999,7 +3185,7 @@
           <a:p>
             <a:fld id="{E9385586-C094-4874-A3EB-1898CF456001}" type="datetimeFigureOut">
               <a:rPr lang="en-US" smtClean="0"/>
-              <a:t>4/11/2019</a:t>
+              <a:t>5/26/2019</a:t>
             </a:fld>
             <a:endParaRPr lang="en-US"/>
           </a:p>
@@ -3117,7 +3303,7 @@
           <a:p>
             <a:fld id="{E9385586-C094-4874-A3EB-1898CF456001}" type="datetimeFigureOut">
               <a:rPr lang="en-US" smtClean="0"/>
-              <a:t>4/11/2019</a:t>
+              <a:t>5/26/2019</a:t>
             </a:fld>
             <a:endParaRPr lang="en-US"/>
           </a:p>
@@ -3212,7 +3398,7 @@
           <a:p>
             <a:fld id="{E9385586-C094-4874-A3EB-1898CF456001}" type="datetimeFigureOut">
               <a:rPr lang="en-US" smtClean="0"/>
-              <a:t>4/11/2019</a:t>
+              <a:t>5/26/2019</a:t>
             </a:fld>
             <a:endParaRPr lang="en-US"/>
           </a:p>
@@ -3488,7 +3674,7 @@
           <a:p>
             <a:fld id="{E9385586-C094-4874-A3EB-1898CF456001}" type="datetimeFigureOut">
               <a:rPr lang="en-US" smtClean="0"/>
-              <a:t>4/11/2019</a:t>
+              <a:t>5/26/2019</a:t>
             </a:fld>
             <a:endParaRPr lang="en-US"/>
           </a:p>
@@ -3741,7 +3927,7 @@
           <a:p>
             <a:fld id="{E9385586-C094-4874-A3EB-1898CF456001}" type="datetimeFigureOut">
               <a:rPr lang="en-US" smtClean="0"/>
-              <a:t>4/11/2019</a:t>
+              <a:t>5/26/2019</a:t>
             </a:fld>
             <a:endParaRPr lang="en-US"/>
           </a:p>
@@ -3957,7 +4143,7 @@
             <a:fld id="{E9385586-C094-4874-A3EB-1898CF456001}" type="datetimeFigureOut">
               <a:rPr lang="en-US" smtClean="0"/>
               <a:pPr/>
-              <a:t>4/11/2019</a:t>
+              <a:t>5/26/2019</a:t>
             </a:fld>
             <a:endParaRPr lang="en-US" dirty="0"/>
           </a:p>
@@ -4390,7 +4576,7 @@
           </a:ln>
           <a:extLst>
             <a:ext uri="{C572A759-6A51-4108-AA02-DFA0A04FC94B}">
-              <ma14:wrappingTextBoxFlag xmlns="" xmlns:ma14="http://schemas.microsoft.com/office/mac/drawingml/2011/main" val="1"/>
+              <ma14:wrappingTextBoxFlag xmlns:ma14="http://schemas.microsoft.com/office/mac/drawingml/2011/main" xmlns="" val="1"/>
             </a:ext>
           </a:extLst>
         </p:spPr>
@@ -4470,2528 +4656,7 @@
 </p:sld>
 </file>
 
-<file path=ppt/slides/slide2.xml><?xml version="1.0" encoding="utf-8"?>
-<p:sld xmlns:a="http://schemas.openxmlformats.org/drawingml/2006/main" xmlns:r="http://schemas.openxmlformats.org/officeDocument/2006/relationships" xmlns:p="http://schemas.openxmlformats.org/presentationml/2006/main">
-  <p:cSld>
-    <p:spTree>
-      <p:nvGrpSpPr>
-        <p:cNvPr id="1" name=""/>
-        <p:cNvGrpSpPr/>
-        <p:nvPr/>
-      </p:nvGrpSpPr>
-      <p:grpSpPr>
-        <a:xfrm>
-          <a:off x="0" y="0"/>
-          <a:ext cx="0" cy="0"/>
-          <a:chOff x="0" y="0"/>
-          <a:chExt cx="0" cy="0"/>
-        </a:xfrm>
-      </p:grpSpPr>
-      <p:sp>
-        <p:nvSpPr>
-          <p:cNvPr id="1065986" name="Rectangle 2"/>
-          <p:cNvSpPr>
-            <a:spLocks noGrp="1" noChangeArrowheads="1"/>
-          </p:cNvSpPr>
-          <p:nvPr>
-            <p:ph type="title"/>
-          </p:nvPr>
-        </p:nvSpPr>
-        <p:spPr>
-          <a:xfrm>
-            <a:off x="228600" y="76200"/>
-            <a:ext cx="8458200" cy="990600"/>
-          </a:xfrm>
-        </p:spPr>
-        <p:txBody>
-          <a:bodyPr/>
-          <a:lstStyle/>
-          <a:p>
-            <a:pPr eaLnBrk="1" hangingPunct="1">
-              <a:defRPr/>
-            </a:pPr>
-            <a:r>
-              <a:rPr lang="en-US" dirty="0">
-                <a:solidFill>
-                  <a:srgbClr val="57068C"/>
-                </a:solidFill>
-              </a:rPr>
-              <a:t>Why do we need databases?</a:t>
-            </a:r>
-          </a:p>
-        </p:txBody>
-      </p:sp>
-      <p:pic>
-        <p:nvPicPr>
-          <p:cNvPr id="4100" name="Picture 8"/>
-          <p:cNvPicPr>
-            <a:picLocks noChangeAspect="1" noChangeArrowheads="1"/>
-          </p:cNvPicPr>
-          <p:nvPr/>
-        </p:nvPicPr>
-        <p:blipFill>
-          <a:blip r:embed="rId3" cstate="print"/>
-          <a:srcRect/>
-          <a:stretch>
-            <a:fillRect/>
-          </a:stretch>
-        </p:blipFill>
-        <p:spPr bwMode="auto">
-          <a:xfrm>
-            <a:off x="0" y="1828800"/>
-            <a:ext cx="9144000" cy="2911475"/>
-          </a:xfrm>
-          <a:prstGeom prst="rect">
-            <a:avLst/>
-          </a:prstGeom>
-          <a:noFill/>
-          <a:ln w="38100">
-            <a:noFill/>
-            <a:miter lim="800000"/>
-            <a:headEnd/>
-            <a:tailEnd/>
-          </a:ln>
-        </p:spPr>
-      </p:pic>
-    </p:spTree>
-    <p:extLst>
-      <p:ext uri="{BB962C8B-B14F-4D97-AF65-F5344CB8AC3E}">
-        <p14:creationId xmlns:p14="http://schemas.microsoft.com/office/powerpoint/2010/main" val="3313630892"/>
-      </p:ext>
-    </p:extLst>
-  </p:cSld>
-  <p:clrMapOvr>
-    <a:masterClrMapping/>
-  </p:clrMapOvr>
-</p:sld>
-</file>
-
-<file path=ppt/slides/slide3.xml><?xml version="1.0" encoding="utf-8"?>
-<p:sld xmlns:a="http://schemas.openxmlformats.org/drawingml/2006/main" xmlns:r="http://schemas.openxmlformats.org/officeDocument/2006/relationships" xmlns:p="http://schemas.openxmlformats.org/presentationml/2006/main">
-  <p:cSld>
-    <p:spTree>
-      <p:nvGrpSpPr>
-        <p:cNvPr id="1" name=""/>
-        <p:cNvGrpSpPr/>
-        <p:nvPr/>
-      </p:nvGrpSpPr>
-      <p:grpSpPr>
-        <a:xfrm>
-          <a:off x="0" y="0"/>
-          <a:ext cx="0" cy="0"/>
-          <a:chOff x="0" y="0"/>
-          <a:chExt cx="0" cy="0"/>
-        </a:xfrm>
-      </p:grpSpPr>
-      <p:sp>
-        <p:nvSpPr>
-          <p:cNvPr id="1070082" name="Rectangle 2"/>
-          <p:cNvSpPr>
-            <a:spLocks noGrp="1" noChangeArrowheads="1"/>
-          </p:cNvSpPr>
-          <p:nvPr>
-            <p:ph type="title"/>
-          </p:nvPr>
-        </p:nvSpPr>
-        <p:spPr>
-          <a:xfrm>
-            <a:off x="228600" y="76200"/>
-            <a:ext cx="8458200" cy="990600"/>
-          </a:xfrm>
-        </p:spPr>
-        <p:txBody>
-          <a:bodyPr/>
-          <a:lstStyle/>
-          <a:p>
-            <a:pPr eaLnBrk="1" hangingPunct="1">
-              <a:defRPr/>
-            </a:pPr>
-            <a:r>
-              <a:rPr lang="en-US" dirty="0">
-                <a:solidFill>
-                  <a:srgbClr val="57068C"/>
-                </a:solidFill>
-              </a:rPr>
-              <a:t>Databases vs. Spreadsheets</a:t>
-            </a:r>
-          </a:p>
-        </p:txBody>
-      </p:sp>
-      <p:grpSp>
-        <p:nvGrpSpPr>
-          <p:cNvPr id="2" name="Group 3"/>
-          <p:cNvGrpSpPr>
-            <a:grpSpLocks/>
-          </p:cNvGrpSpPr>
-          <p:nvPr/>
-        </p:nvGrpSpPr>
-        <p:grpSpPr bwMode="auto">
-          <a:xfrm>
-            <a:off x="533400" y="1447800"/>
-            <a:ext cx="8229600" cy="1295400"/>
-            <a:chOff x="384" y="768"/>
-            <a:chExt cx="5184" cy="816"/>
-          </a:xfrm>
-        </p:grpSpPr>
-        <p:grpSp>
-          <p:nvGrpSpPr>
-            <p:cNvPr id="9220" name="Group 4"/>
-            <p:cNvGrpSpPr>
-              <a:grpSpLocks/>
-            </p:cNvGrpSpPr>
-            <p:nvPr/>
-          </p:nvGrpSpPr>
-          <p:grpSpPr bwMode="auto">
-            <a:xfrm>
-              <a:off x="384" y="768"/>
-              <a:ext cx="5184" cy="284"/>
-              <a:chOff x="384" y="768"/>
-              <a:chExt cx="5184" cy="284"/>
-            </a:xfrm>
-          </p:grpSpPr>
-          <p:sp>
-            <p:nvSpPr>
-              <p:cNvPr id="9222" name="Text Box 5"/>
-              <p:cNvSpPr txBox="1">
-                <a:spLocks noChangeArrowheads="1"/>
-              </p:cNvSpPr>
-              <p:nvPr/>
-            </p:nvSpPr>
-            <p:spPr bwMode="auto">
-              <a:xfrm>
-                <a:off x="384" y="768"/>
-                <a:ext cx="5184" cy="250"/>
-              </a:xfrm>
-              <a:prstGeom prst="rect">
-                <a:avLst/>
-              </a:prstGeom>
-              <a:noFill/>
-              <a:ln w="19050">
-                <a:noFill/>
-                <a:miter lim="800000"/>
-                <a:headEnd/>
-                <a:tailEnd type="none" w="lg" len="med"/>
-              </a:ln>
-            </p:spPr>
-            <p:txBody>
-              <a:bodyPr>
-                <a:spAutoFit/>
-              </a:bodyPr>
-              <a:lstStyle/>
-              <a:p>
-                <a:pPr>
-                  <a:spcBef>
-                    <a:spcPct val="20000"/>
-                  </a:spcBef>
-                </a:pPr>
-                <a:r>
-                  <a:rPr lang="en-US" sz="2000" b="1" i="1" dirty="0">
-                    <a:solidFill>
-                      <a:schemeClr val="tx1"/>
-                    </a:solidFill>
-                    <a:latin typeface="Arial Unicode MS" panose="020B0604020202020204" pitchFamily="34" charset="-128"/>
-                    <a:ea typeface="Arial Unicode MS" panose="020B0604020202020204" pitchFamily="34" charset="-128"/>
-                    <a:cs typeface="Arial Unicode MS" panose="020B0604020202020204" pitchFamily="34" charset="-128"/>
-                  </a:rPr>
-                  <a:t>When should you use a database instead of Excel?</a:t>
-                </a:r>
-                <a:endParaRPr lang="en-US" sz="1800" b="1" i="1" dirty="0">
-                  <a:solidFill>
-                    <a:schemeClr val="tx1"/>
-                  </a:solidFill>
-                  <a:latin typeface="Arial Unicode MS" panose="020B0604020202020204" pitchFamily="34" charset="-128"/>
-                  <a:ea typeface="Arial Unicode MS" panose="020B0604020202020204" pitchFamily="34" charset="-128"/>
-                  <a:cs typeface="Arial Unicode MS" panose="020B0604020202020204" pitchFamily="34" charset="-128"/>
-                </a:endParaRPr>
-              </a:p>
-            </p:txBody>
-          </p:sp>
-          <p:sp>
-            <p:nvSpPr>
-              <p:cNvPr id="9223" name="Line 6"/>
-              <p:cNvSpPr>
-                <a:spLocks noChangeShapeType="1"/>
-              </p:cNvSpPr>
-              <p:nvPr/>
-            </p:nvSpPr>
-            <p:spPr bwMode="auto">
-              <a:xfrm>
-                <a:off x="394" y="1052"/>
-                <a:ext cx="4906" cy="0"/>
-              </a:xfrm>
-              <a:prstGeom prst="line">
-                <a:avLst/>
-              </a:prstGeom>
-              <a:noFill/>
-              <a:ln w="28575">
-                <a:solidFill>
-                  <a:srgbClr val="000066"/>
-                </a:solidFill>
-                <a:round/>
-                <a:headEnd/>
-                <a:tailEnd type="none" w="lg" len="med"/>
-              </a:ln>
-            </p:spPr>
-            <p:txBody>
-              <a:bodyPr/>
-              <a:lstStyle/>
-              <a:p>
-                <a:endParaRPr lang="en-US" dirty="0">
-                  <a:solidFill>
-                    <a:schemeClr val="tx1"/>
-                  </a:solidFill>
-                  <a:latin typeface="Arial Unicode MS" panose="020B0604020202020204" pitchFamily="34" charset="-128"/>
-                  <a:ea typeface="Arial Unicode MS" panose="020B0604020202020204" pitchFamily="34" charset="-128"/>
-                  <a:cs typeface="Arial Unicode MS" panose="020B0604020202020204" pitchFamily="34" charset="-128"/>
-                </a:endParaRPr>
-              </a:p>
-            </p:txBody>
-          </p:sp>
-        </p:grpSp>
-        <p:sp>
-          <p:nvSpPr>
-            <p:cNvPr id="9221" name="Rectangle 7"/>
-            <p:cNvSpPr>
-              <a:spLocks noChangeArrowheads="1"/>
-            </p:cNvSpPr>
-            <p:nvPr/>
-          </p:nvSpPr>
-          <p:spPr bwMode="auto">
-            <a:xfrm>
-              <a:off x="384" y="1104"/>
-              <a:ext cx="5184" cy="480"/>
-            </a:xfrm>
-            <a:prstGeom prst="rect">
-              <a:avLst/>
-            </a:prstGeom>
-            <a:solidFill>
-              <a:schemeClr val="bg1"/>
-            </a:solidFill>
-            <a:ln w="9525">
-              <a:noFill/>
-              <a:miter lim="800000"/>
-              <a:headEnd/>
-              <a:tailEnd/>
-            </a:ln>
-          </p:spPr>
-          <p:txBody>
-            <a:bodyPr/>
-            <a:lstStyle/>
-            <a:p>
-              <a:pPr marL="457200" indent="-457200">
-                <a:spcBef>
-                  <a:spcPct val="50000"/>
-                </a:spcBef>
-                <a:buClr>
-                  <a:srgbClr val="000066"/>
-                </a:buClr>
-                <a:buFontTx/>
-                <a:buChar char="–"/>
-              </a:pPr>
-              <a:r>
-                <a:rPr lang="en-US" sz="1800" dirty="0">
-                  <a:solidFill>
-                    <a:schemeClr val="tx1"/>
-                  </a:solidFill>
-                  <a:latin typeface="Arial Unicode MS" panose="020B0604020202020204" pitchFamily="34" charset="-128"/>
-                  <a:ea typeface="Arial Unicode MS" panose="020B0604020202020204" pitchFamily="34" charset="-128"/>
-                  <a:cs typeface="Arial Unicode MS" panose="020B0604020202020204" pitchFamily="34" charset="-128"/>
-                </a:rPr>
-                <a:t>Insertion anomalies</a:t>
-              </a:r>
-            </a:p>
-            <a:p>
-              <a:pPr marL="457200" indent="-457200">
-                <a:spcBef>
-                  <a:spcPct val="50000"/>
-                </a:spcBef>
-                <a:buClr>
-                  <a:srgbClr val="000066"/>
-                </a:buClr>
-                <a:buFontTx/>
-                <a:buChar char="–"/>
-              </a:pPr>
-              <a:r>
-                <a:rPr lang="en-US" sz="1800" dirty="0">
-                  <a:solidFill>
-                    <a:schemeClr val="tx1"/>
-                  </a:solidFill>
-                  <a:latin typeface="Arial Unicode MS" panose="020B0604020202020204" pitchFamily="34" charset="-128"/>
-                  <a:ea typeface="Arial Unicode MS" panose="020B0604020202020204" pitchFamily="34" charset="-128"/>
-                  <a:cs typeface="Arial Unicode MS" panose="020B0604020202020204" pitchFamily="34" charset="-128"/>
-                </a:rPr>
-                <a:t>Deletion anomalies</a:t>
-              </a:r>
-            </a:p>
-            <a:p>
-              <a:pPr marL="457200" indent="-457200">
-                <a:spcBef>
-                  <a:spcPct val="50000"/>
-                </a:spcBef>
-                <a:buClr>
-                  <a:srgbClr val="000066"/>
-                </a:buClr>
-                <a:buFontTx/>
-                <a:buChar char="–"/>
-              </a:pPr>
-              <a:r>
-                <a:rPr lang="en-US" sz="1800" dirty="0">
-                  <a:solidFill>
-                    <a:schemeClr val="tx1"/>
-                  </a:solidFill>
-                  <a:latin typeface="Arial Unicode MS" panose="020B0604020202020204" pitchFamily="34" charset="-128"/>
-                  <a:ea typeface="Arial Unicode MS" panose="020B0604020202020204" pitchFamily="34" charset="-128"/>
-                  <a:cs typeface="Arial Unicode MS" panose="020B0604020202020204" pitchFamily="34" charset="-128"/>
-                </a:rPr>
-                <a:t>Update anomalies</a:t>
-              </a:r>
-            </a:p>
-          </p:txBody>
-        </p:sp>
-      </p:grpSp>
-    </p:spTree>
-    <p:extLst>
-      <p:ext uri="{BB962C8B-B14F-4D97-AF65-F5344CB8AC3E}">
-        <p14:creationId xmlns:p14="http://schemas.microsoft.com/office/powerpoint/2010/main" val="4189648146"/>
-      </p:ext>
-    </p:extLst>
-  </p:cSld>
-  <p:clrMapOvr>
-    <a:masterClrMapping/>
-  </p:clrMapOvr>
-  <p:timing>
-    <p:tnLst>
-      <p:par>
-        <p:cTn id="1" dur="indefinite" restart="never" nodeType="tmRoot">
-          <p:childTnLst>
-            <p:seq concurrent="1" nextAc="seek">
-              <p:cTn id="2" dur="indefinite" nodeType="mainSeq">
-                <p:childTnLst>
-                  <p:par>
-                    <p:cTn id="3" fill="hold">
-                      <p:stCondLst>
-                        <p:cond delay="indefinite"/>
-                      </p:stCondLst>
-                      <p:childTnLst>
-                        <p:par>
-                          <p:cTn id="4" fill="hold">
-                            <p:stCondLst>
-                              <p:cond delay="0"/>
-                            </p:stCondLst>
-                            <p:childTnLst>
-                              <p:par>
-                                <p:cTn id="5" presetID="1" presetClass="entr" presetSubtype="0" fill="hold" nodeType="clickEffect">
-                                  <p:stCondLst>
-                                    <p:cond delay="0"/>
-                                  </p:stCondLst>
-                                  <p:childTnLst>
-                                    <p:set>
-                                      <p:cBhvr>
-                                        <p:cTn id="6" dur="1" fill="hold">
-                                          <p:stCondLst>
-                                            <p:cond delay="0"/>
-                                          </p:stCondLst>
-                                        </p:cTn>
-                                        <p:tgtEl>
-                                          <p:spTgt spid="2"/>
-                                        </p:tgtEl>
-                                        <p:attrNameLst>
-                                          <p:attrName>style.visibility</p:attrName>
-                                        </p:attrNameLst>
-                                      </p:cBhvr>
-                                      <p:to>
-                                        <p:strVal val="visible"/>
-                                      </p:to>
-                                    </p:set>
-                                  </p:childTnLst>
-                                </p:cTn>
-                              </p:par>
-                            </p:childTnLst>
-                          </p:cTn>
-                        </p:par>
-                      </p:childTnLst>
-                    </p:cTn>
-                  </p:par>
-                </p:childTnLst>
-              </p:cTn>
-              <p:prevCondLst>
-                <p:cond evt="onPrev" delay="0">
-                  <p:tgtEl>
-                    <p:sldTgt/>
-                  </p:tgtEl>
-                </p:cond>
-              </p:prevCondLst>
-              <p:nextCondLst>
-                <p:cond evt="onNext" delay="0">
-                  <p:tgtEl>
-                    <p:sldTgt/>
-                  </p:tgtEl>
-                </p:cond>
-              </p:nextCondLst>
-            </p:seq>
-          </p:childTnLst>
-        </p:cTn>
-      </p:par>
-    </p:tnLst>
-  </p:timing>
-</p:sld>
-</file>
-
-<file path=ppt/slides/slide4.xml><?xml version="1.0" encoding="utf-8"?>
-<p:sld xmlns:a="http://schemas.openxmlformats.org/drawingml/2006/main" xmlns:r="http://schemas.openxmlformats.org/officeDocument/2006/relationships" xmlns:p="http://schemas.openxmlformats.org/presentationml/2006/main">
-  <p:cSld>
-    <p:spTree>
-      <p:nvGrpSpPr>
-        <p:cNvPr id="1" name=""/>
-        <p:cNvGrpSpPr/>
-        <p:nvPr/>
-      </p:nvGrpSpPr>
-      <p:grpSpPr>
-        <a:xfrm>
-          <a:off x="0" y="0"/>
-          <a:ext cx="0" cy="0"/>
-          <a:chOff x="0" y="0"/>
-          <a:chExt cx="0" cy="0"/>
-        </a:xfrm>
-      </p:grpSpPr>
-      <p:sp>
-        <p:nvSpPr>
-          <p:cNvPr id="1072130" name="Rectangle 2"/>
-          <p:cNvSpPr>
-            <a:spLocks noGrp="1" noChangeArrowheads="1"/>
-          </p:cNvSpPr>
-          <p:nvPr>
-            <p:ph type="title"/>
-          </p:nvPr>
-        </p:nvSpPr>
-        <p:spPr>
-          <a:xfrm>
-            <a:off x="704851" y="57717"/>
-            <a:ext cx="7886700" cy="720158"/>
-          </a:xfrm>
-        </p:spPr>
-        <p:txBody>
-          <a:bodyPr/>
-          <a:lstStyle/>
-          <a:p>
-            <a:pPr eaLnBrk="1" hangingPunct="1">
-              <a:defRPr/>
-            </a:pPr>
-            <a:r>
-              <a:rPr lang="en-US" dirty="0">
-                <a:solidFill>
-                  <a:srgbClr val="57068C"/>
-                </a:solidFill>
-              </a:rPr>
-              <a:t>Anomalies in un-normalized data</a:t>
-            </a:r>
-          </a:p>
-        </p:txBody>
-      </p:sp>
-      <p:grpSp>
-        <p:nvGrpSpPr>
-          <p:cNvPr id="10243" name="Group 4"/>
-          <p:cNvGrpSpPr>
-            <a:grpSpLocks/>
-          </p:cNvGrpSpPr>
-          <p:nvPr/>
-        </p:nvGrpSpPr>
-        <p:grpSpPr bwMode="auto">
-          <a:xfrm>
-            <a:off x="381000" y="1143000"/>
-            <a:ext cx="8534400" cy="450850"/>
-            <a:chOff x="384" y="768"/>
-            <a:chExt cx="5184" cy="284"/>
-          </a:xfrm>
-        </p:grpSpPr>
-        <p:sp>
-          <p:nvSpPr>
-            <p:cNvPr id="10246" name="Text Box 5"/>
-            <p:cNvSpPr txBox="1">
-              <a:spLocks noChangeArrowheads="1"/>
-            </p:cNvSpPr>
-            <p:nvPr/>
-          </p:nvSpPr>
-          <p:spPr bwMode="auto">
-            <a:xfrm>
-              <a:off x="384" y="768"/>
-              <a:ext cx="5184" cy="250"/>
-            </a:xfrm>
-            <a:prstGeom prst="rect">
-              <a:avLst/>
-            </a:prstGeom>
-            <a:noFill/>
-            <a:ln w="19050">
-              <a:noFill/>
-              <a:miter lim="800000"/>
-              <a:headEnd/>
-              <a:tailEnd type="none" w="lg" len="med"/>
-            </a:ln>
-          </p:spPr>
-          <p:txBody>
-            <a:bodyPr>
-              <a:spAutoFit/>
-            </a:bodyPr>
-            <a:lstStyle/>
-            <a:p>
-              <a:pPr>
-                <a:spcBef>
-                  <a:spcPct val="20000"/>
-                </a:spcBef>
-              </a:pPr>
-              <a:r>
-                <a:rPr lang="en-US" sz="2000" b="1" i="1" dirty="0">
-                  <a:solidFill>
-                    <a:schemeClr val="tx1"/>
-                  </a:solidFill>
-                  <a:latin typeface="Arial Unicode MS" panose="020B0604020202020204" pitchFamily="34" charset="-128"/>
-                  <a:ea typeface="Arial Unicode MS" panose="020B0604020202020204" pitchFamily="34" charset="-128"/>
-                  <a:cs typeface="Arial Unicode MS" panose="020B0604020202020204" pitchFamily="34" charset="-128"/>
-                </a:rPr>
-                <a:t>Insertion anomalies</a:t>
-              </a:r>
-            </a:p>
-          </p:txBody>
-        </p:sp>
-        <p:sp>
-          <p:nvSpPr>
-            <p:cNvPr id="10247" name="Line 6"/>
-            <p:cNvSpPr>
-              <a:spLocks noChangeShapeType="1"/>
-            </p:cNvSpPr>
-            <p:nvPr/>
-          </p:nvSpPr>
-          <p:spPr bwMode="auto">
-            <a:xfrm>
-              <a:off x="394" y="1052"/>
-              <a:ext cx="4906" cy="0"/>
-            </a:xfrm>
-            <a:prstGeom prst="line">
-              <a:avLst/>
-            </a:prstGeom>
-            <a:noFill/>
-            <a:ln w="28575">
-              <a:solidFill>
-                <a:srgbClr val="000066"/>
-              </a:solidFill>
-              <a:round/>
-              <a:headEnd/>
-              <a:tailEnd type="none" w="lg" len="med"/>
-            </a:ln>
-          </p:spPr>
-          <p:txBody>
-            <a:bodyPr/>
-            <a:lstStyle/>
-            <a:p>
-              <a:endParaRPr lang="en-US" dirty="0">
-                <a:solidFill>
-                  <a:schemeClr val="tx1"/>
-                </a:solidFill>
-                <a:latin typeface="Arial Unicode MS" panose="020B0604020202020204" pitchFamily="34" charset="-128"/>
-                <a:ea typeface="Arial Unicode MS" panose="020B0604020202020204" pitchFamily="34" charset="-128"/>
-                <a:cs typeface="Arial Unicode MS" panose="020B0604020202020204" pitchFamily="34" charset="-128"/>
-              </a:endParaRPr>
-            </a:p>
-          </p:txBody>
-        </p:sp>
-      </p:grpSp>
-      <p:sp>
-        <p:nvSpPr>
-          <p:cNvPr id="1072135" name="Rectangle 7"/>
-          <p:cNvSpPr>
-            <a:spLocks noChangeArrowheads="1"/>
-          </p:cNvSpPr>
-          <p:nvPr/>
-        </p:nvSpPr>
-        <p:spPr bwMode="auto">
-          <a:xfrm>
-            <a:off x="228600" y="1752600"/>
-            <a:ext cx="8763000" cy="762000"/>
-          </a:xfrm>
-          <a:prstGeom prst="rect">
-            <a:avLst/>
-          </a:prstGeom>
-          <a:solidFill>
-            <a:schemeClr val="bg1"/>
-          </a:solidFill>
-          <a:ln w="9525">
-            <a:noFill/>
-            <a:miter lim="800000"/>
-            <a:headEnd/>
-            <a:tailEnd/>
-          </a:ln>
-        </p:spPr>
-        <p:txBody>
-          <a:bodyPr/>
-          <a:lstStyle/>
-          <a:p>
-            <a:pPr marL="457200" indent="-457200">
-              <a:spcBef>
-                <a:spcPct val="50000"/>
-              </a:spcBef>
-              <a:buClr>
-                <a:srgbClr val="000066"/>
-              </a:buClr>
-              <a:buFontTx/>
-              <a:buChar char="–"/>
-            </a:pPr>
-            <a:r>
-              <a:rPr lang="en-US" sz="1800" dirty="0">
-                <a:solidFill>
-                  <a:schemeClr val="tx1"/>
-                </a:solidFill>
-                <a:latin typeface="Arial Unicode MS" panose="020B0604020202020204" pitchFamily="34" charset="-128"/>
-                <a:ea typeface="Arial Unicode MS" panose="020B0604020202020204" pitchFamily="34" charset="-128"/>
-                <a:cs typeface="Arial Unicode MS" panose="020B0604020202020204" pitchFamily="34" charset="-128"/>
-              </a:rPr>
-              <a:t>Inability to insert a piece of information about an object without having to insert a (bogus) piece of information about something else</a:t>
-            </a:r>
-          </a:p>
-          <a:p>
-            <a:pPr marL="457200" indent="-457200">
-              <a:spcBef>
-                <a:spcPct val="50000"/>
-              </a:spcBef>
-              <a:buClr>
-                <a:srgbClr val="000066"/>
-              </a:buClr>
-              <a:buFontTx/>
-              <a:buChar char="–"/>
-            </a:pPr>
-            <a:r>
-              <a:rPr lang="en-US" sz="1800" dirty="0">
-                <a:solidFill>
-                  <a:schemeClr val="tx1"/>
-                </a:solidFill>
-                <a:latin typeface="Arial Unicode MS" panose="020B0604020202020204" pitchFamily="34" charset="-128"/>
-                <a:ea typeface="Arial Unicode MS" panose="020B0604020202020204" pitchFamily="34" charset="-128"/>
-                <a:cs typeface="Arial Unicode MS" panose="020B0604020202020204" pitchFamily="34" charset="-128"/>
-              </a:rPr>
-              <a:t>Example: Adding a new customer/book before it is ordered</a:t>
-            </a:r>
-            <a:br>
-              <a:rPr lang="en-US" sz="1800" dirty="0">
-                <a:solidFill>
-                  <a:schemeClr val="tx1"/>
-                </a:solidFill>
-                <a:latin typeface="Arial Unicode MS" panose="020B0604020202020204" pitchFamily="34" charset="-128"/>
-                <a:ea typeface="Arial Unicode MS" panose="020B0604020202020204" pitchFamily="34" charset="-128"/>
-                <a:cs typeface="Arial Unicode MS" panose="020B0604020202020204" pitchFamily="34" charset="-128"/>
-              </a:rPr>
-            </a:br>
-            <a:r>
-              <a:rPr lang="en-US" sz="1800" i="1" dirty="0">
-                <a:solidFill>
-                  <a:schemeClr val="tx1"/>
-                </a:solidFill>
-                <a:latin typeface="Arial Unicode MS" panose="020B0604020202020204" pitchFamily="34" charset="-128"/>
-                <a:ea typeface="Arial Unicode MS" panose="020B0604020202020204" pitchFamily="34" charset="-128"/>
-                <a:cs typeface="Arial Unicode MS" panose="020B0604020202020204" pitchFamily="34" charset="-128"/>
-              </a:rPr>
-              <a:t>How can you add the book “Harry Potter” in the file below?</a:t>
-            </a:r>
-          </a:p>
-          <a:p>
-            <a:pPr marL="457200" indent="-457200">
-              <a:spcBef>
-                <a:spcPct val="50000"/>
-              </a:spcBef>
-              <a:buClr>
-                <a:srgbClr val="000066"/>
-              </a:buClr>
-              <a:buFontTx/>
-              <a:buChar char="–"/>
-            </a:pPr>
-            <a:endParaRPr lang="en-US" sz="1800" dirty="0">
-              <a:solidFill>
-                <a:schemeClr val="tx1"/>
-              </a:solidFill>
-              <a:latin typeface="Arial Unicode MS" panose="020B0604020202020204" pitchFamily="34" charset="-128"/>
-              <a:ea typeface="Arial Unicode MS" panose="020B0604020202020204" pitchFamily="34" charset="-128"/>
-              <a:cs typeface="Arial Unicode MS" panose="020B0604020202020204" pitchFamily="34" charset="-128"/>
-            </a:endParaRPr>
-          </a:p>
-        </p:txBody>
-      </p:sp>
-      <p:pic>
-        <p:nvPicPr>
-          <p:cNvPr id="10245" name="Picture 21"/>
-          <p:cNvPicPr>
-            <a:picLocks noChangeAspect="1" noChangeArrowheads="1"/>
-          </p:cNvPicPr>
-          <p:nvPr/>
-        </p:nvPicPr>
-        <p:blipFill>
-          <a:blip r:embed="rId3" cstate="print"/>
-          <a:srcRect/>
-          <a:stretch>
-            <a:fillRect/>
-          </a:stretch>
-        </p:blipFill>
-        <p:spPr bwMode="auto">
-          <a:xfrm>
-            <a:off x="0" y="3489325"/>
-            <a:ext cx="9144000" cy="2911475"/>
-          </a:xfrm>
-          <a:prstGeom prst="rect">
-            <a:avLst/>
-          </a:prstGeom>
-          <a:noFill/>
-          <a:ln w="38100">
-            <a:noFill/>
-            <a:miter lim="800000"/>
-            <a:headEnd/>
-            <a:tailEnd/>
-          </a:ln>
-        </p:spPr>
-      </p:pic>
-    </p:spTree>
-    <p:extLst>
-      <p:ext uri="{BB962C8B-B14F-4D97-AF65-F5344CB8AC3E}">
-        <p14:creationId xmlns:p14="http://schemas.microsoft.com/office/powerpoint/2010/main" val="1834913302"/>
-      </p:ext>
-    </p:extLst>
-  </p:cSld>
-  <p:clrMapOvr>
-    <a:masterClrMapping/>
-  </p:clrMapOvr>
-  <p:timing>
-    <p:tnLst>
-      <p:par>
-        <p:cTn id="1" dur="indefinite" restart="never" nodeType="tmRoot">
-          <p:childTnLst>
-            <p:seq concurrent="1" nextAc="seek">
-              <p:cTn id="2" dur="indefinite" nodeType="mainSeq">
-                <p:childTnLst>
-                  <p:par>
-                    <p:cTn id="3" fill="hold">
-                      <p:stCondLst>
-                        <p:cond delay="indefinite"/>
-                      </p:stCondLst>
-                      <p:childTnLst>
-                        <p:par>
-                          <p:cTn id="4" fill="hold">
-                            <p:stCondLst>
-                              <p:cond delay="0"/>
-                            </p:stCondLst>
-                            <p:childTnLst>
-                              <p:par>
-                                <p:cTn id="5" presetID="1" presetClass="entr" presetSubtype="0" fill="hold" nodeType="clickEffect">
-                                  <p:stCondLst>
-                                    <p:cond delay="0"/>
-                                  </p:stCondLst>
-                                  <p:childTnLst>
-                                    <p:set>
-                                      <p:cBhvr>
-                                        <p:cTn id="6" dur="1" fill="hold">
-                                          <p:stCondLst>
-                                            <p:cond delay="0"/>
-                                          </p:stCondLst>
-                                        </p:cTn>
-                                        <p:tgtEl>
-                                          <p:spTgt spid="1072135">
-                                            <p:txEl>
-                                              <p:pRg st="1" end="1"/>
-                                            </p:txEl>
-                                          </p:spTgt>
-                                        </p:tgtEl>
-                                        <p:attrNameLst>
-                                          <p:attrName>style.visibility</p:attrName>
-                                        </p:attrNameLst>
-                                      </p:cBhvr>
-                                      <p:to>
-                                        <p:strVal val="visible"/>
-                                      </p:to>
-                                    </p:set>
-                                  </p:childTnLst>
-                                </p:cTn>
-                              </p:par>
-                            </p:childTnLst>
-                          </p:cTn>
-                        </p:par>
-                      </p:childTnLst>
-                    </p:cTn>
-                  </p:par>
-                </p:childTnLst>
-              </p:cTn>
-              <p:prevCondLst>
-                <p:cond evt="onPrev" delay="0">
-                  <p:tgtEl>
-                    <p:sldTgt/>
-                  </p:tgtEl>
-                </p:cond>
-              </p:prevCondLst>
-              <p:nextCondLst>
-                <p:cond evt="onNext" delay="0">
-                  <p:tgtEl>
-                    <p:sldTgt/>
-                  </p:tgtEl>
-                </p:cond>
-              </p:nextCondLst>
-            </p:seq>
-          </p:childTnLst>
-        </p:cTn>
-      </p:par>
-    </p:tnLst>
-  </p:timing>
-</p:sld>
-</file>
-
-<file path=ppt/slides/slide5.xml><?xml version="1.0" encoding="utf-8"?>
-<p:sld xmlns:a="http://schemas.openxmlformats.org/drawingml/2006/main" xmlns:r="http://schemas.openxmlformats.org/officeDocument/2006/relationships" xmlns:p="http://schemas.openxmlformats.org/presentationml/2006/main">
-  <p:cSld>
-    <p:spTree>
-      <p:nvGrpSpPr>
-        <p:cNvPr id="1" name=""/>
-        <p:cNvGrpSpPr/>
-        <p:nvPr/>
-      </p:nvGrpSpPr>
-      <p:grpSpPr>
-        <a:xfrm>
-          <a:off x="0" y="0"/>
-          <a:ext cx="0" cy="0"/>
-          <a:chOff x="0" y="0"/>
-          <a:chExt cx="0" cy="0"/>
-        </a:xfrm>
-      </p:grpSpPr>
-      <p:sp>
-        <p:nvSpPr>
-          <p:cNvPr id="1074178" name="Rectangle 2"/>
-          <p:cNvSpPr>
-            <a:spLocks noGrp="1" noChangeArrowheads="1"/>
-          </p:cNvSpPr>
-          <p:nvPr>
-            <p:ph type="title"/>
-          </p:nvPr>
-        </p:nvSpPr>
-        <p:spPr>
-          <a:xfrm>
-            <a:off x="704850" y="32543"/>
-            <a:ext cx="7886700" cy="832871"/>
-          </a:xfrm>
-        </p:spPr>
-        <p:txBody>
-          <a:bodyPr/>
-          <a:lstStyle/>
-          <a:p>
-            <a:pPr eaLnBrk="1" hangingPunct="1">
-              <a:defRPr/>
-            </a:pPr>
-            <a:r>
-              <a:rPr lang="en-US" dirty="0">
-                <a:solidFill>
-                  <a:srgbClr val="57068C"/>
-                </a:solidFill>
-              </a:rPr>
-              <a:t>Anomalies in un-normalized data</a:t>
-            </a:r>
-          </a:p>
-        </p:txBody>
-      </p:sp>
-      <p:grpSp>
-        <p:nvGrpSpPr>
-          <p:cNvPr id="11267" name="Group 8"/>
-          <p:cNvGrpSpPr>
-            <a:grpSpLocks/>
-          </p:cNvGrpSpPr>
-          <p:nvPr/>
-        </p:nvGrpSpPr>
-        <p:grpSpPr bwMode="auto">
-          <a:xfrm>
-            <a:off x="609600" y="1219200"/>
-            <a:ext cx="8077200" cy="1295400"/>
-            <a:chOff x="384" y="768"/>
-            <a:chExt cx="5184" cy="816"/>
-          </a:xfrm>
-        </p:grpSpPr>
-        <p:grpSp>
-          <p:nvGrpSpPr>
-            <p:cNvPr id="11270" name="Group 9"/>
-            <p:cNvGrpSpPr>
-              <a:grpSpLocks/>
-            </p:cNvGrpSpPr>
-            <p:nvPr/>
-          </p:nvGrpSpPr>
-          <p:grpSpPr bwMode="auto">
-            <a:xfrm>
-              <a:off x="384" y="768"/>
-              <a:ext cx="5184" cy="284"/>
-              <a:chOff x="384" y="768"/>
-              <a:chExt cx="5184" cy="284"/>
-            </a:xfrm>
-          </p:grpSpPr>
-          <p:sp>
-            <p:nvSpPr>
-              <p:cNvPr id="11272" name="Text Box 10"/>
-              <p:cNvSpPr txBox="1">
-                <a:spLocks noChangeArrowheads="1"/>
-              </p:cNvSpPr>
-              <p:nvPr/>
-            </p:nvSpPr>
-            <p:spPr bwMode="auto">
-              <a:xfrm>
-                <a:off x="384" y="768"/>
-                <a:ext cx="5184" cy="250"/>
-              </a:xfrm>
-              <a:prstGeom prst="rect">
-                <a:avLst/>
-              </a:prstGeom>
-              <a:noFill/>
-              <a:ln w="19050">
-                <a:noFill/>
-                <a:miter lim="800000"/>
-                <a:headEnd/>
-                <a:tailEnd type="none" w="lg" len="med"/>
-              </a:ln>
-            </p:spPr>
-            <p:txBody>
-              <a:bodyPr>
-                <a:spAutoFit/>
-              </a:bodyPr>
-              <a:lstStyle/>
-              <a:p>
-                <a:pPr>
-                  <a:spcBef>
-                    <a:spcPct val="20000"/>
-                  </a:spcBef>
-                </a:pPr>
-                <a:r>
-                  <a:rPr lang="en-US" sz="2000" b="1" i="1" dirty="0">
-                    <a:solidFill>
-                      <a:schemeClr val="tx1"/>
-                    </a:solidFill>
-                    <a:latin typeface="Arial Unicode MS" panose="020B0604020202020204" pitchFamily="34" charset="-128"/>
-                    <a:ea typeface="Arial Unicode MS" panose="020B0604020202020204" pitchFamily="34" charset="-128"/>
-                    <a:cs typeface="Arial Unicode MS" panose="020B0604020202020204" pitchFamily="34" charset="-128"/>
-                  </a:rPr>
-                  <a:t>Deletion anomalies</a:t>
-                </a:r>
-              </a:p>
-            </p:txBody>
-          </p:sp>
-          <p:sp>
-            <p:nvSpPr>
-              <p:cNvPr id="11273" name="Line 11"/>
-              <p:cNvSpPr>
-                <a:spLocks noChangeShapeType="1"/>
-              </p:cNvSpPr>
-              <p:nvPr/>
-            </p:nvSpPr>
-            <p:spPr bwMode="auto">
-              <a:xfrm>
-                <a:off x="394" y="1052"/>
-                <a:ext cx="4906" cy="0"/>
-              </a:xfrm>
-              <a:prstGeom prst="line">
-                <a:avLst/>
-              </a:prstGeom>
-              <a:noFill/>
-              <a:ln w="28575">
-                <a:solidFill>
-                  <a:srgbClr val="000066"/>
-                </a:solidFill>
-                <a:round/>
-                <a:headEnd/>
-                <a:tailEnd type="none" w="lg" len="med"/>
-              </a:ln>
-            </p:spPr>
-            <p:txBody>
-              <a:bodyPr/>
-              <a:lstStyle/>
-              <a:p>
-                <a:endParaRPr lang="en-US" dirty="0">
-                  <a:solidFill>
-                    <a:schemeClr val="tx1"/>
-                  </a:solidFill>
-                  <a:latin typeface="Arial Unicode MS" panose="020B0604020202020204" pitchFamily="34" charset="-128"/>
-                  <a:ea typeface="Arial Unicode MS" panose="020B0604020202020204" pitchFamily="34" charset="-128"/>
-                  <a:cs typeface="Arial Unicode MS" panose="020B0604020202020204" pitchFamily="34" charset="-128"/>
-                </a:endParaRPr>
-              </a:p>
-            </p:txBody>
-          </p:sp>
-        </p:grpSp>
-        <p:sp>
-          <p:nvSpPr>
-            <p:cNvPr id="11271" name="Rectangle 12"/>
-            <p:cNvSpPr>
-              <a:spLocks noChangeArrowheads="1"/>
-            </p:cNvSpPr>
-            <p:nvPr/>
-          </p:nvSpPr>
-          <p:spPr bwMode="auto">
-            <a:xfrm>
-              <a:off x="384" y="1104"/>
-              <a:ext cx="5184" cy="480"/>
-            </a:xfrm>
-            <a:prstGeom prst="rect">
-              <a:avLst/>
-            </a:prstGeom>
-            <a:solidFill>
-              <a:schemeClr val="bg1"/>
-            </a:solidFill>
-            <a:ln w="9525">
-              <a:noFill/>
-              <a:miter lim="800000"/>
-              <a:headEnd/>
-              <a:tailEnd/>
-            </a:ln>
-          </p:spPr>
-          <p:txBody>
-            <a:bodyPr/>
-            <a:lstStyle/>
-            <a:p>
-              <a:pPr marL="457200" indent="-457200">
-                <a:spcBef>
-                  <a:spcPct val="50000"/>
-                </a:spcBef>
-                <a:buClr>
-                  <a:srgbClr val="000066"/>
-                </a:buClr>
-                <a:buFontTx/>
-                <a:buChar char="–"/>
-              </a:pPr>
-              <a:r>
-                <a:rPr lang="en-US" sz="1800" dirty="0">
-                  <a:solidFill>
-                    <a:schemeClr val="tx1"/>
-                  </a:solidFill>
-                  <a:latin typeface="Arial Unicode MS" panose="020B0604020202020204" pitchFamily="34" charset="-128"/>
-                  <a:ea typeface="Arial Unicode MS" panose="020B0604020202020204" pitchFamily="34" charset="-128"/>
-                  <a:cs typeface="Arial Unicode MS" panose="020B0604020202020204" pitchFamily="34" charset="-128"/>
-                </a:rPr>
-                <a:t>The loss of a piece of information about one object when a piece of information about a different object is deleted</a:t>
-              </a:r>
-            </a:p>
-            <a:p>
-              <a:pPr marL="457200" indent="-457200">
-                <a:spcBef>
-                  <a:spcPct val="50000"/>
-                </a:spcBef>
-                <a:buClr>
-                  <a:srgbClr val="000066"/>
-                </a:buClr>
-                <a:buFontTx/>
-                <a:buChar char="–"/>
-              </a:pPr>
-              <a:endParaRPr lang="en-US" sz="1800" dirty="0">
-                <a:solidFill>
-                  <a:schemeClr val="tx1"/>
-                </a:solidFill>
-                <a:latin typeface="Arial Unicode MS" panose="020B0604020202020204" pitchFamily="34" charset="-128"/>
-                <a:ea typeface="Arial Unicode MS" panose="020B0604020202020204" pitchFamily="34" charset="-128"/>
-                <a:cs typeface="Arial Unicode MS" panose="020B0604020202020204" pitchFamily="34" charset="-128"/>
-              </a:endParaRPr>
-            </a:p>
-          </p:txBody>
-        </p:sp>
-      </p:grpSp>
-      <p:sp>
-        <p:nvSpPr>
-          <p:cNvPr id="1074195" name="Rectangle 19"/>
-          <p:cNvSpPr>
-            <a:spLocks noChangeArrowheads="1"/>
-          </p:cNvSpPr>
-          <p:nvPr/>
-        </p:nvSpPr>
-        <p:spPr bwMode="auto">
-          <a:xfrm>
-            <a:off x="914400" y="2455863"/>
-            <a:ext cx="6415209" cy="782259"/>
-          </a:xfrm>
-          <a:prstGeom prst="rect">
-            <a:avLst/>
-          </a:prstGeom>
-          <a:noFill/>
-          <a:ln w="38100">
-            <a:noFill/>
-            <a:miter lim="800000"/>
-            <a:headEnd/>
-            <a:tailEnd/>
-          </a:ln>
-        </p:spPr>
-        <p:txBody>
-          <a:bodyPr wrap="none" lIns="90483" tIns="44447" rIns="90483" bIns="44447">
-            <a:spAutoFit/>
-          </a:bodyPr>
-          <a:lstStyle/>
-          <a:p>
-            <a:pPr>
-              <a:spcBef>
-                <a:spcPct val="50000"/>
-              </a:spcBef>
-              <a:buClr>
-                <a:srgbClr val="000066"/>
-              </a:buClr>
-              <a:buFontTx/>
-              <a:buChar char="–"/>
-            </a:pPr>
-            <a:r>
-              <a:rPr lang="en-US" sz="1800" dirty="0">
-                <a:solidFill>
-                  <a:schemeClr val="tx1"/>
-                </a:solidFill>
-                <a:latin typeface="Arial Unicode MS" panose="020B0604020202020204" pitchFamily="34" charset="-128"/>
-                <a:ea typeface="Arial Unicode MS" panose="020B0604020202020204" pitchFamily="34" charset="-128"/>
-                <a:cs typeface="Arial Unicode MS" panose="020B0604020202020204" pitchFamily="34" charset="-128"/>
-              </a:rPr>
-              <a:t>Example: Deleting order 2 =&gt; deleting customer Lee </a:t>
-            </a:r>
-            <a:r>
-              <a:rPr lang="en-US" sz="1800" dirty="0" err="1">
-                <a:solidFill>
-                  <a:schemeClr val="tx1"/>
-                </a:solidFill>
-                <a:latin typeface="Arial Unicode MS" panose="020B0604020202020204" pitchFamily="34" charset="-128"/>
-                <a:ea typeface="Arial Unicode MS" panose="020B0604020202020204" pitchFamily="34" charset="-128"/>
-                <a:cs typeface="Arial Unicode MS" panose="020B0604020202020204" pitchFamily="34" charset="-128"/>
-              </a:rPr>
-              <a:t>Sproull</a:t>
-            </a:r>
-            <a:endParaRPr lang="en-US" sz="1800" dirty="0">
-              <a:solidFill>
-                <a:schemeClr val="tx1"/>
-              </a:solidFill>
-              <a:latin typeface="Arial Unicode MS" panose="020B0604020202020204" pitchFamily="34" charset="-128"/>
-              <a:ea typeface="Arial Unicode MS" panose="020B0604020202020204" pitchFamily="34" charset="-128"/>
-              <a:cs typeface="Arial Unicode MS" panose="020B0604020202020204" pitchFamily="34" charset="-128"/>
-            </a:endParaRPr>
-          </a:p>
-          <a:p>
-            <a:pPr>
-              <a:spcBef>
-                <a:spcPct val="50000"/>
-              </a:spcBef>
-              <a:buClr>
-                <a:srgbClr val="000066"/>
-              </a:buClr>
-              <a:buFontTx/>
-              <a:buChar char="–"/>
-            </a:pPr>
-            <a:r>
-              <a:rPr lang="en-US" sz="1800" dirty="0">
-                <a:solidFill>
-                  <a:schemeClr val="tx1"/>
-                </a:solidFill>
-                <a:latin typeface="Arial Unicode MS" panose="020B0604020202020204" pitchFamily="34" charset="-128"/>
-                <a:ea typeface="Arial Unicode MS" panose="020B0604020202020204" pitchFamily="34" charset="-128"/>
-                <a:cs typeface="Arial Unicode MS" panose="020B0604020202020204" pitchFamily="34" charset="-128"/>
-              </a:rPr>
-              <a:t>Example: Deleting order 1 =&gt; deleting book “Code…”</a:t>
-            </a:r>
-          </a:p>
-        </p:txBody>
-      </p:sp>
-      <p:pic>
-        <p:nvPicPr>
-          <p:cNvPr id="11269" name="Picture 21"/>
-          <p:cNvPicPr>
-            <a:picLocks noChangeAspect="1" noChangeArrowheads="1"/>
-          </p:cNvPicPr>
-          <p:nvPr/>
-        </p:nvPicPr>
-        <p:blipFill>
-          <a:blip r:embed="rId3" cstate="print"/>
-          <a:srcRect/>
-          <a:stretch>
-            <a:fillRect/>
-          </a:stretch>
-        </p:blipFill>
-        <p:spPr bwMode="auto">
-          <a:xfrm>
-            <a:off x="0" y="3489325"/>
-            <a:ext cx="9144000" cy="2911475"/>
-          </a:xfrm>
-          <a:prstGeom prst="rect">
-            <a:avLst/>
-          </a:prstGeom>
-          <a:noFill/>
-          <a:ln w="38100">
-            <a:noFill/>
-            <a:miter lim="800000"/>
-            <a:headEnd/>
-            <a:tailEnd/>
-          </a:ln>
-        </p:spPr>
-      </p:pic>
-    </p:spTree>
-    <p:extLst>
-      <p:ext uri="{BB962C8B-B14F-4D97-AF65-F5344CB8AC3E}">
-        <p14:creationId xmlns:p14="http://schemas.microsoft.com/office/powerpoint/2010/main" val="1121618336"/>
-      </p:ext>
-    </p:extLst>
-  </p:cSld>
-  <p:clrMapOvr>
-    <a:masterClrMapping/>
-  </p:clrMapOvr>
-  <p:timing>
-    <p:tnLst>
-      <p:par>
-        <p:cTn id="1" dur="indefinite" restart="never" nodeType="tmRoot">
-          <p:childTnLst>
-            <p:seq concurrent="1" nextAc="seek">
-              <p:cTn id="2" dur="indefinite" nodeType="mainSeq">
-                <p:childTnLst>
-                  <p:par>
-                    <p:cTn id="3" fill="hold">
-                      <p:stCondLst>
-                        <p:cond delay="indefinite"/>
-                      </p:stCondLst>
-                      <p:childTnLst>
-                        <p:par>
-                          <p:cTn id="4" fill="hold">
-                            <p:stCondLst>
-                              <p:cond delay="0"/>
-                            </p:stCondLst>
-                            <p:childTnLst>
-                              <p:par>
-                                <p:cTn id="5" presetID="1" presetClass="entr" presetSubtype="0" fill="hold" grpId="0" nodeType="clickEffect">
-                                  <p:stCondLst>
-                                    <p:cond delay="0"/>
-                                  </p:stCondLst>
-                                  <p:childTnLst>
-                                    <p:set>
-                                      <p:cBhvr>
-                                        <p:cTn id="6" dur="1" fill="hold">
-                                          <p:stCondLst>
-                                            <p:cond delay="499"/>
-                                          </p:stCondLst>
-                                        </p:cTn>
-                                        <p:tgtEl>
-                                          <p:spTgt spid="1074195"/>
-                                        </p:tgtEl>
-                                        <p:attrNameLst>
-                                          <p:attrName>style.visibility</p:attrName>
-                                        </p:attrNameLst>
-                                      </p:cBhvr>
-                                      <p:to>
-                                        <p:strVal val="visible"/>
-                                      </p:to>
-                                    </p:set>
-                                  </p:childTnLst>
-                                </p:cTn>
-                              </p:par>
-                            </p:childTnLst>
-                          </p:cTn>
-                        </p:par>
-                      </p:childTnLst>
-                    </p:cTn>
-                  </p:par>
-                </p:childTnLst>
-              </p:cTn>
-              <p:prevCondLst>
-                <p:cond evt="onPrev" delay="0">
-                  <p:tgtEl>
-                    <p:sldTgt/>
-                  </p:tgtEl>
-                </p:cond>
-              </p:prevCondLst>
-              <p:nextCondLst>
-                <p:cond evt="onNext" delay="0">
-                  <p:tgtEl>
-                    <p:sldTgt/>
-                  </p:tgtEl>
-                </p:cond>
-              </p:nextCondLst>
-            </p:seq>
-          </p:childTnLst>
-        </p:cTn>
-      </p:par>
-    </p:tnLst>
-    <p:bldLst>
-      <p:bldP spid="1074195" grpId="0" autoUpdateAnimBg="0"/>
-    </p:bldLst>
-  </p:timing>
-</p:sld>
-</file>
-
-<file path=ppt/slides/slide6.xml><?xml version="1.0" encoding="utf-8"?>
-<p:sld xmlns:a="http://schemas.openxmlformats.org/drawingml/2006/main" xmlns:r="http://schemas.openxmlformats.org/officeDocument/2006/relationships" xmlns:p="http://schemas.openxmlformats.org/presentationml/2006/main">
-  <p:cSld>
-    <p:spTree>
-      <p:nvGrpSpPr>
-        <p:cNvPr id="1" name=""/>
-        <p:cNvGrpSpPr/>
-        <p:nvPr/>
-      </p:nvGrpSpPr>
-      <p:grpSpPr>
-        <a:xfrm>
-          <a:off x="0" y="0"/>
-          <a:ext cx="0" cy="0"/>
-          <a:chOff x="0" y="0"/>
-          <a:chExt cx="0" cy="0"/>
-        </a:xfrm>
-      </p:grpSpPr>
-      <p:sp>
-        <p:nvSpPr>
-          <p:cNvPr id="1076226" name="Rectangle 2"/>
-          <p:cNvSpPr>
-            <a:spLocks noGrp="1" noChangeArrowheads="1"/>
-          </p:cNvSpPr>
-          <p:nvPr>
-            <p:ph type="title"/>
-          </p:nvPr>
-        </p:nvSpPr>
-        <p:spPr>
-          <a:xfrm>
-            <a:off x="628650" y="0"/>
-            <a:ext cx="7886700" cy="755641"/>
-          </a:xfrm>
-        </p:spPr>
-        <p:txBody>
-          <a:bodyPr/>
-          <a:lstStyle/>
-          <a:p>
-            <a:pPr eaLnBrk="1" hangingPunct="1">
-              <a:defRPr/>
-            </a:pPr>
-            <a:r>
-              <a:rPr lang="en-US" dirty="0">
-                <a:solidFill>
-                  <a:srgbClr val="57068C"/>
-                </a:solidFill>
-              </a:rPr>
-              <a:t>Anomalies in un-normalized data</a:t>
-            </a:r>
-          </a:p>
-        </p:txBody>
-      </p:sp>
-      <p:grpSp>
-        <p:nvGrpSpPr>
-          <p:cNvPr id="12294" name="Group 14"/>
-          <p:cNvGrpSpPr>
-            <a:grpSpLocks/>
-          </p:cNvGrpSpPr>
-          <p:nvPr/>
-        </p:nvGrpSpPr>
-        <p:grpSpPr bwMode="auto">
-          <a:xfrm>
-            <a:off x="685800" y="1143000"/>
-            <a:ext cx="8077200" cy="450850"/>
-            <a:chOff x="384" y="768"/>
-            <a:chExt cx="5184" cy="284"/>
-          </a:xfrm>
-        </p:grpSpPr>
-        <p:sp>
-          <p:nvSpPr>
-            <p:cNvPr id="12296" name="Text Box 15"/>
-            <p:cNvSpPr txBox="1">
-              <a:spLocks noChangeArrowheads="1"/>
-            </p:cNvSpPr>
-            <p:nvPr/>
-          </p:nvSpPr>
-          <p:spPr bwMode="auto">
-            <a:xfrm>
-              <a:off x="384" y="768"/>
-              <a:ext cx="5184" cy="250"/>
-            </a:xfrm>
-            <a:prstGeom prst="rect">
-              <a:avLst/>
-            </a:prstGeom>
-            <a:noFill/>
-            <a:ln w="19050">
-              <a:noFill/>
-              <a:miter lim="800000"/>
-              <a:headEnd/>
-              <a:tailEnd type="none" w="lg" len="med"/>
-            </a:ln>
-          </p:spPr>
-          <p:txBody>
-            <a:bodyPr>
-              <a:spAutoFit/>
-            </a:bodyPr>
-            <a:lstStyle/>
-            <a:p>
-              <a:pPr>
-                <a:spcBef>
-                  <a:spcPct val="20000"/>
-                </a:spcBef>
-              </a:pPr>
-              <a:r>
-                <a:rPr lang="en-US" sz="2000" b="1" i="1" dirty="0">
-                  <a:solidFill>
-                    <a:schemeClr val="tx1"/>
-                  </a:solidFill>
-                  <a:latin typeface="Arial Unicode MS" panose="020B0604020202020204" pitchFamily="34" charset="-128"/>
-                  <a:ea typeface="Arial Unicode MS" panose="020B0604020202020204" pitchFamily="34" charset="-128"/>
-                  <a:cs typeface="Arial Unicode MS" panose="020B0604020202020204" pitchFamily="34" charset="-128"/>
-                </a:rPr>
-                <a:t>Update anomalies</a:t>
-              </a:r>
-            </a:p>
-          </p:txBody>
-        </p:sp>
-        <p:sp>
-          <p:nvSpPr>
-            <p:cNvPr id="12297" name="Line 16"/>
-            <p:cNvSpPr>
-              <a:spLocks noChangeShapeType="1"/>
-            </p:cNvSpPr>
-            <p:nvPr/>
-          </p:nvSpPr>
-          <p:spPr bwMode="auto">
-            <a:xfrm>
-              <a:off x="394" y="1052"/>
-              <a:ext cx="4906" cy="0"/>
-            </a:xfrm>
-            <a:prstGeom prst="line">
-              <a:avLst/>
-            </a:prstGeom>
-            <a:noFill/>
-            <a:ln w="28575">
-              <a:solidFill>
-                <a:srgbClr val="000066"/>
-              </a:solidFill>
-              <a:round/>
-              <a:headEnd/>
-              <a:tailEnd type="none" w="lg" len="med"/>
-            </a:ln>
-          </p:spPr>
-          <p:txBody>
-            <a:bodyPr/>
-            <a:lstStyle/>
-            <a:p>
-              <a:endParaRPr lang="en-US" dirty="0">
-                <a:solidFill>
-                  <a:schemeClr val="tx1"/>
-                </a:solidFill>
-                <a:latin typeface="Arial Unicode MS" panose="020B0604020202020204" pitchFamily="34" charset="-128"/>
-                <a:ea typeface="Arial Unicode MS" panose="020B0604020202020204" pitchFamily="34" charset="-128"/>
-                <a:cs typeface="Arial Unicode MS" panose="020B0604020202020204" pitchFamily="34" charset="-128"/>
-              </a:endParaRPr>
-            </a:p>
-          </p:txBody>
-        </p:sp>
-      </p:grpSp>
-      <p:sp>
-        <p:nvSpPr>
-          <p:cNvPr id="12295" name="Rectangle 17"/>
-          <p:cNvSpPr>
-            <a:spLocks noChangeArrowheads="1"/>
-          </p:cNvSpPr>
-          <p:nvPr/>
-        </p:nvSpPr>
-        <p:spPr bwMode="auto">
-          <a:xfrm>
-            <a:off x="685800" y="1676400"/>
-            <a:ext cx="8077200" cy="762000"/>
-          </a:xfrm>
-          <a:prstGeom prst="rect">
-            <a:avLst/>
-          </a:prstGeom>
-          <a:solidFill>
-            <a:schemeClr val="bg1"/>
-          </a:solidFill>
-          <a:ln w="9525">
-            <a:noFill/>
-            <a:miter lim="800000"/>
-            <a:headEnd/>
-            <a:tailEnd/>
-          </a:ln>
-        </p:spPr>
-        <p:txBody>
-          <a:bodyPr/>
-          <a:lstStyle/>
-          <a:p>
-            <a:pPr marL="457200" indent="-457200">
-              <a:spcBef>
-                <a:spcPct val="50000"/>
-              </a:spcBef>
-              <a:buClr>
-                <a:srgbClr val="000066"/>
-              </a:buClr>
-              <a:buFontTx/>
-              <a:buChar char="–"/>
-            </a:pPr>
-            <a:r>
-              <a:rPr lang="en-US" sz="1800" dirty="0">
-                <a:solidFill>
-                  <a:schemeClr val="tx1"/>
-                </a:solidFill>
-                <a:latin typeface="Arial Unicode MS" panose="020B0604020202020204" pitchFamily="34" charset="-128"/>
-                <a:ea typeface="Arial Unicode MS" panose="020B0604020202020204" pitchFamily="34" charset="-128"/>
-                <a:cs typeface="Arial Unicode MS" panose="020B0604020202020204" pitchFamily="34" charset="-128"/>
-              </a:rPr>
-              <a:t>Need to change multiple times the same piece of information about an object</a:t>
-            </a:r>
-          </a:p>
-          <a:p>
-            <a:pPr marL="457200" indent="-457200">
-              <a:spcBef>
-                <a:spcPct val="50000"/>
-              </a:spcBef>
-              <a:buClr>
-                <a:srgbClr val="000066"/>
-              </a:buClr>
-              <a:buFontTx/>
-              <a:buChar char="–"/>
-            </a:pPr>
-            <a:r>
-              <a:rPr lang="en-US" sz="1800" dirty="0">
-                <a:solidFill>
-                  <a:schemeClr val="tx1"/>
-                </a:solidFill>
-                <a:latin typeface="Arial Unicode MS" panose="020B0604020202020204" pitchFamily="34" charset="-128"/>
-                <a:ea typeface="Arial Unicode MS" panose="020B0604020202020204" pitchFamily="34" charset="-128"/>
-                <a:cs typeface="Arial Unicode MS" panose="020B0604020202020204" pitchFamily="34" charset="-128"/>
-              </a:rPr>
-              <a:t>Example: Changing Jeff Bezos address in order 1 leaves orders 6 and 8 unchanged…</a:t>
-            </a:r>
-          </a:p>
-        </p:txBody>
-      </p:sp>
-      <p:pic>
-        <p:nvPicPr>
-          <p:cNvPr id="12293" name="Picture 21"/>
-          <p:cNvPicPr>
-            <a:picLocks noChangeAspect="1" noChangeArrowheads="1"/>
-          </p:cNvPicPr>
-          <p:nvPr/>
-        </p:nvPicPr>
-        <p:blipFill>
-          <a:blip r:embed="rId3" cstate="print"/>
-          <a:srcRect/>
-          <a:stretch>
-            <a:fillRect/>
-          </a:stretch>
-        </p:blipFill>
-        <p:spPr bwMode="auto">
-          <a:xfrm>
-            <a:off x="0" y="3489325"/>
-            <a:ext cx="9144000" cy="2911475"/>
-          </a:xfrm>
-          <a:prstGeom prst="rect">
-            <a:avLst/>
-          </a:prstGeom>
-          <a:noFill/>
-          <a:ln w="38100">
-            <a:noFill/>
-            <a:miter lim="800000"/>
-            <a:headEnd/>
-            <a:tailEnd/>
-          </a:ln>
-        </p:spPr>
-      </p:pic>
-    </p:spTree>
-    <p:extLst>
-      <p:ext uri="{BB962C8B-B14F-4D97-AF65-F5344CB8AC3E}">
-        <p14:creationId xmlns:p14="http://schemas.microsoft.com/office/powerpoint/2010/main" val="3527174803"/>
-      </p:ext>
-    </p:extLst>
-  </p:cSld>
-  <p:clrMapOvr>
-    <a:masterClrMapping/>
-  </p:clrMapOvr>
-</p:sld>
-</file>
-
-<file path=ppt/slides/slide7.xml><?xml version="1.0" encoding="utf-8"?>
-<p:sld xmlns:a="http://schemas.openxmlformats.org/drawingml/2006/main" xmlns:r="http://schemas.openxmlformats.org/officeDocument/2006/relationships" xmlns:p="http://schemas.openxmlformats.org/presentationml/2006/main">
-  <p:cSld>
-    <p:spTree>
-      <p:nvGrpSpPr>
-        <p:cNvPr id="1" name=""/>
-        <p:cNvGrpSpPr/>
-        <p:nvPr/>
-      </p:nvGrpSpPr>
-      <p:grpSpPr>
-        <a:xfrm>
-          <a:off x="0" y="0"/>
-          <a:ext cx="0" cy="0"/>
-          <a:chOff x="0" y="0"/>
-          <a:chExt cx="0" cy="0"/>
-        </a:xfrm>
-      </p:grpSpPr>
-      <p:sp>
-        <p:nvSpPr>
-          <p:cNvPr id="971778" name="Rectangle 2"/>
-          <p:cNvSpPr>
-            <a:spLocks noGrp="1" noChangeArrowheads="1"/>
-          </p:cNvSpPr>
-          <p:nvPr>
-            <p:ph type="title"/>
-          </p:nvPr>
-        </p:nvSpPr>
-        <p:spPr>
-          <a:xfrm>
-            <a:off x="695668" y="133806"/>
-            <a:ext cx="7886700" cy="619124"/>
-          </a:xfrm>
-        </p:spPr>
-        <p:txBody>
-          <a:bodyPr>
-            <a:normAutofit fontScale="90000"/>
-          </a:bodyPr>
-          <a:lstStyle/>
-          <a:p>
-            <a:pPr eaLnBrk="1" hangingPunct="1">
-              <a:defRPr/>
-            </a:pPr>
-            <a:r>
-              <a:rPr lang="en-US" dirty="0">
-                <a:solidFill>
-                  <a:srgbClr val="57068C"/>
-                </a:solidFill>
-              </a:rPr>
-              <a:t>The “normalized” version of the spreadsheet</a:t>
-            </a:r>
-          </a:p>
-        </p:txBody>
-      </p:sp>
-      <p:pic>
-        <p:nvPicPr>
-          <p:cNvPr id="13315" name="Picture 3" descr="book"/>
-          <p:cNvPicPr>
-            <a:picLocks noChangeAspect="1" noChangeArrowheads="1"/>
-          </p:cNvPicPr>
-          <p:nvPr/>
-        </p:nvPicPr>
-        <p:blipFill>
-          <a:blip r:embed="rId3" cstate="print"/>
-          <a:srcRect/>
-          <a:stretch>
-            <a:fillRect/>
-          </a:stretch>
-        </p:blipFill>
-        <p:spPr bwMode="auto">
-          <a:xfrm>
-            <a:off x="1447800" y="3048000"/>
-            <a:ext cx="2760663" cy="1482725"/>
-          </a:xfrm>
-          <a:prstGeom prst="rect">
-            <a:avLst/>
-          </a:prstGeom>
-          <a:noFill/>
-          <a:ln w="9525">
-            <a:noFill/>
-            <a:miter lim="800000"/>
-            <a:headEnd/>
-            <a:tailEnd/>
-          </a:ln>
-        </p:spPr>
-      </p:pic>
-      <p:pic>
-        <p:nvPicPr>
-          <p:cNvPr id="13316" name="Picture 4" descr="customer"/>
-          <p:cNvPicPr>
-            <a:picLocks noChangeAspect="1" noChangeArrowheads="1"/>
-          </p:cNvPicPr>
-          <p:nvPr/>
-        </p:nvPicPr>
-        <p:blipFill>
-          <a:blip r:embed="rId4" cstate="print"/>
-          <a:srcRect/>
-          <a:stretch>
-            <a:fillRect/>
-          </a:stretch>
-        </p:blipFill>
-        <p:spPr bwMode="auto">
-          <a:xfrm>
-            <a:off x="5105400" y="3022600"/>
-            <a:ext cx="2778125" cy="1485900"/>
-          </a:xfrm>
-          <a:prstGeom prst="rect">
-            <a:avLst/>
-          </a:prstGeom>
-          <a:noFill/>
-          <a:ln w="9525">
-            <a:noFill/>
-            <a:miter lim="800000"/>
-            <a:headEnd/>
-            <a:tailEnd/>
-          </a:ln>
-        </p:spPr>
-      </p:pic>
-      <p:pic>
-        <p:nvPicPr>
-          <p:cNvPr id="13317" name="Picture 5" descr="orders"/>
-          <p:cNvPicPr>
-            <a:picLocks noChangeAspect="1" noChangeArrowheads="1"/>
-          </p:cNvPicPr>
-          <p:nvPr/>
-        </p:nvPicPr>
-        <p:blipFill>
-          <a:blip r:embed="rId5" cstate="print"/>
-          <a:srcRect/>
-          <a:stretch>
-            <a:fillRect/>
-          </a:stretch>
-        </p:blipFill>
-        <p:spPr bwMode="auto">
-          <a:xfrm>
-            <a:off x="3143250" y="4953000"/>
-            <a:ext cx="2724150" cy="1482725"/>
-          </a:xfrm>
-          <a:prstGeom prst="rect">
-            <a:avLst/>
-          </a:prstGeom>
-          <a:noFill/>
-          <a:ln w="9525">
-            <a:noFill/>
-            <a:miter lim="800000"/>
-            <a:headEnd/>
-            <a:tailEnd/>
-          </a:ln>
-        </p:spPr>
-      </p:pic>
-      <p:grpSp>
-        <p:nvGrpSpPr>
-          <p:cNvPr id="2" name="Group 6"/>
-          <p:cNvGrpSpPr>
-            <a:grpSpLocks/>
-          </p:cNvGrpSpPr>
-          <p:nvPr/>
-        </p:nvGrpSpPr>
-        <p:grpSpPr bwMode="auto">
-          <a:xfrm>
-            <a:off x="914400" y="3708400"/>
-            <a:ext cx="2514600" cy="2324100"/>
-            <a:chOff x="144" y="1488"/>
-            <a:chExt cx="1776" cy="2016"/>
-          </a:xfrm>
-        </p:grpSpPr>
-        <p:sp>
-          <p:nvSpPr>
-            <p:cNvPr id="13330" name="Line 7"/>
-            <p:cNvSpPr>
-              <a:spLocks noChangeShapeType="1"/>
-            </p:cNvSpPr>
-            <p:nvPr/>
-          </p:nvSpPr>
-          <p:spPr bwMode="auto">
-            <a:xfrm flipH="1">
-              <a:off x="144" y="3504"/>
-              <a:ext cx="1776" cy="0"/>
-            </a:xfrm>
-            <a:prstGeom prst="line">
-              <a:avLst/>
-            </a:prstGeom>
-            <a:noFill/>
-            <a:ln w="38100">
-              <a:solidFill>
-                <a:schemeClr val="tx1"/>
-              </a:solidFill>
-              <a:round/>
-              <a:headEnd/>
-              <a:tailEnd/>
-            </a:ln>
-          </p:spPr>
-          <p:txBody>
-            <a:bodyPr lIns="90483" tIns="44447" rIns="90483" bIns="44447"/>
-            <a:lstStyle/>
-            <a:p>
-              <a:endParaRPr lang="en-US" dirty="0">
-                <a:solidFill>
-                  <a:schemeClr val="tx1"/>
-                </a:solidFill>
-                <a:latin typeface="Arial Unicode MS" panose="020B0604020202020204" pitchFamily="34" charset="-128"/>
-                <a:ea typeface="Arial Unicode MS" panose="020B0604020202020204" pitchFamily="34" charset="-128"/>
-                <a:cs typeface="Arial Unicode MS" panose="020B0604020202020204" pitchFamily="34" charset="-128"/>
-              </a:endParaRPr>
-            </a:p>
-          </p:txBody>
-        </p:sp>
-        <p:sp>
-          <p:nvSpPr>
-            <p:cNvPr id="13331" name="Line 8"/>
-            <p:cNvSpPr>
-              <a:spLocks noChangeShapeType="1"/>
-            </p:cNvSpPr>
-            <p:nvPr/>
-          </p:nvSpPr>
-          <p:spPr bwMode="auto">
-            <a:xfrm flipV="1">
-              <a:off x="144" y="1488"/>
-              <a:ext cx="0" cy="2016"/>
-            </a:xfrm>
-            <a:prstGeom prst="line">
-              <a:avLst/>
-            </a:prstGeom>
-            <a:noFill/>
-            <a:ln w="38100">
-              <a:solidFill>
-                <a:schemeClr val="tx1"/>
-              </a:solidFill>
-              <a:round/>
-              <a:headEnd/>
-              <a:tailEnd/>
-            </a:ln>
-          </p:spPr>
-          <p:txBody>
-            <a:bodyPr lIns="90483" tIns="44447" rIns="90483" bIns="44447"/>
-            <a:lstStyle/>
-            <a:p>
-              <a:endParaRPr lang="en-US" dirty="0">
-                <a:solidFill>
-                  <a:schemeClr val="tx1"/>
-                </a:solidFill>
-                <a:latin typeface="Arial Unicode MS" panose="020B0604020202020204" pitchFamily="34" charset="-128"/>
-                <a:ea typeface="Arial Unicode MS" panose="020B0604020202020204" pitchFamily="34" charset="-128"/>
-                <a:cs typeface="Arial Unicode MS" panose="020B0604020202020204" pitchFamily="34" charset="-128"/>
-              </a:endParaRPr>
-            </a:p>
-          </p:txBody>
-        </p:sp>
-        <p:sp>
-          <p:nvSpPr>
-            <p:cNvPr id="13332" name="Line 9"/>
-            <p:cNvSpPr>
-              <a:spLocks noChangeShapeType="1"/>
-            </p:cNvSpPr>
-            <p:nvPr/>
-          </p:nvSpPr>
-          <p:spPr bwMode="auto">
-            <a:xfrm>
-              <a:off x="144" y="1488"/>
-              <a:ext cx="576" cy="0"/>
-            </a:xfrm>
-            <a:prstGeom prst="line">
-              <a:avLst/>
-            </a:prstGeom>
-            <a:noFill/>
-            <a:ln w="38100">
-              <a:solidFill>
-                <a:schemeClr val="tx1"/>
-              </a:solidFill>
-              <a:round/>
-              <a:headEnd/>
-              <a:tailEnd/>
-            </a:ln>
-          </p:spPr>
-          <p:txBody>
-            <a:bodyPr lIns="90483" tIns="44447" rIns="90483" bIns="44447"/>
-            <a:lstStyle/>
-            <a:p>
-              <a:endParaRPr lang="en-US" dirty="0">
-                <a:solidFill>
-                  <a:schemeClr val="tx1"/>
-                </a:solidFill>
-                <a:latin typeface="Arial Unicode MS" panose="020B0604020202020204" pitchFamily="34" charset="-128"/>
-                <a:ea typeface="Arial Unicode MS" panose="020B0604020202020204" pitchFamily="34" charset="-128"/>
-                <a:cs typeface="Arial Unicode MS" panose="020B0604020202020204" pitchFamily="34" charset="-128"/>
-              </a:endParaRPr>
-            </a:p>
-          </p:txBody>
-        </p:sp>
-      </p:grpSp>
-      <p:grpSp>
-        <p:nvGrpSpPr>
-          <p:cNvPr id="3" name="Group 10"/>
-          <p:cNvGrpSpPr>
-            <a:grpSpLocks/>
-          </p:cNvGrpSpPr>
-          <p:nvPr/>
-        </p:nvGrpSpPr>
-        <p:grpSpPr bwMode="auto">
-          <a:xfrm>
-            <a:off x="2438400" y="3695700"/>
-            <a:ext cx="2921000" cy="2133600"/>
-            <a:chOff x="1048" y="1504"/>
-            <a:chExt cx="2368" cy="1808"/>
-          </a:xfrm>
-        </p:grpSpPr>
-        <p:sp>
-          <p:nvSpPr>
-            <p:cNvPr id="13325" name="Line 11"/>
-            <p:cNvSpPr>
-              <a:spLocks noChangeShapeType="1"/>
-            </p:cNvSpPr>
-            <p:nvPr/>
-          </p:nvSpPr>
-          <p:spPr bwMode="auto">
-            <a:xfrm flipH="1">
-              <a:off x="1048" y="2304"/>
-              <a:ext cx="1776" cy="0"/>
-            </a:xfrm>
-            <a:prstGeom prst="line">
-              <a:avLst/>
-            </a:prstGeom>
-            <a:noFill/>
-            <a:ln w="38100">
-              <a:solidFill>
-                <a:schemeClr val="tx1"/>
-              </a:solidFill>
-              <a:round/>
-              <a:headEnd/>
-              <a:tailEnd/>
-            </a:ln>
-          </p:spPr>
-          <p:txBody>
-            <a:bodyPr lIns="90483" tIns="44447" rIns="90483" bIns="44447"/>
-            <a:lstStyle/>
-            <a:p>
-              <a:endParaRPr lang="en-US" dirty="0">
-                <a:solidFill>
-                  <a:schemeClr val="tx1"/>
-                </a:solidFill>
-                <a:latin typeface="Arial Unicode MS" panose="020B0604020202020204" pitchFamily="34" charset="-128"/>
-                <a:ea typeface="Arial Unicode MS" panose="020B0604020202020204" pitchFamily="34" charset="-128"/>
-                <a:cs typeface="Arial Unicode MS" panose="020B0604020202020204" pitchFamily="34" charset="-128"/>
-              </a:endParaRPr>
-            </a:p>
-          </p:txBody>
-        </p:sp>
-        <p:sp>
-          <p:nvSpPr>
-            <p:cNvPr id="13326" name="Line 12"/>
-            <p:cNvSpPr>
-              <a:spLocks noChangeShapeType="1"/>
-            </p:cNvSpPr>
-            <p:nvPr/>
-          </p:nvSpPr>
-          <p:spPr bwMode="auto">
-            <a:xfrm flipV="1">
-              <a:off x="2832" y="1504"/>
-              <a:ext cx="0" cy="816"/>
-            </a:xfrm>
-            <a:prstGeom prst="line">
-              <a:avLst/>
-            </a:prstGeom>
-            <a:noFill/>
-            <a:ln w="38100">
-              <a:solidFill>
-                <a:schemeClr val="tx1"/>
-              </a:solidFill>
-              <a:round/>
-              <a:headEnd/>
-              <a:tailEnd/>
-            </a:ln>
-          </p:spPr>
-          <p:txBody>
-            <a:bodyPr lIns="90483" tIns="44447" rIns="90483" bIns="44447"/>
-            <a:lstStyle/>
-            <a:p>
-              <a:endParaRPr lang="en-US" dirty="0">
-                <a:solidFill>
-                  <a:schemeClr val="tx1"/>
-                </a:solidFill>
-                <a:latin typeface="Arial Unicode MS" panose="020B0604020202020204" pitchFamily="34" charset="-128"/>
-                <a:ea typeface="Arial Unicode MS" panose="020B0604020202020204" pitchFamily="34" charset="-128"/>
-                <a:cs typeface="Arial Unicode MS" panose="020B0604020202020204" pitchFamily="34" charset="-128"/>
-              </a:endParaRPr>
-            </a:p>
-          </p:txBody>
-        </p:sp>
-        <p:sp>
-          <p:nvSpPr>
-            <p:cNvPr id="13327" name="Line 13"/>
-            <p:cNvSpPr>
-              <a:spLocks noChangeShapeType="1"/>
-            </p:cNvSpPr>
-            <p:nvPr/>
-          </p:nvSpPr>
-          <p:spPr bwMode="auto">
-            <a:xfrm>
-              <a:off x="1056" y="2304"/>
-              <a:ext cx="0" cy="1008"/>
-            </a:xfrm>
-            <a:prstGeom prst="line">
-              <a:avLst/>
-            </a:prstGeom>
-            <a:noFill/>
-            <a:ln w="38100">
-              <a:solidFill>
-                <a:schemeClr val="tx1"/>
-              </a:solidFill>
-              <a:round/>
-              <a:headEnd/>
-              <a:tailEnd/>
-            </a:ln>
-          </p:spPr>
-          <p:txBody>
-            <a:bodyPr lIns="90483" tIns="44447" rIns="90483" bIns="44447"/>
-            <a:lstStyle/>
-            <a:p>
-              <a:endParaRPr lang="en-US" dirty="0">
-                <a:solidFill>
-                  <a:schemeClr val="tx1"/>
-                </a:solidFill>
-                <a:latin typeface="Arial Unicode MS" panose="020B0604020202020204" pitchFamily="34" charset="-128"/>
-                <a:ea typeface="Arial Unicode MS" panose="020B0604020202020204" pitchFamily="34" charset="-128"/>
-                <a:cs typeface="Arial Unicode MS" panose="020B0604020202020204" pitchFamily="34" charset="-128"/>
-              </a:endParaRPr>
-            </a:p>
-          </p:txBody>
-        </p:sp>
-        <p:sp>
-          <p:nvSpPr>
-            <p:cNvPr id="13328" name="Line 14"/>
-            <p:cNvSpPr>
-              <a:spLocks noChangeShapeType="1"/>
-            </p:cNvSpPr>
-            <p:nvPr/>
-          </p:nvSpPr>
-          <p:spPr bwMode="auto">
-            <a:xfrm flipV="1">
-              <a:off x="2840" y="1512"/>
-              <a:ext cx="576" cy="0"/>
-            </a:xfrm>
-            <a:prstGeom prst="line">
-              <a:avLst/>
-            </a:prstGeom>
-            <a:noFill/>
-            <a:ln w="38100">
-              <a:solidFill>
-                <a:schemeClr val="tx1"/>
-              </a:solidFill>
-              <a:round/>
-              <a:headEnd/>
-              <a:tailEnd/>
-            </a:ln>
-          </p:spPr>
-          <p:txBody>
-            <a:bodyPr lIns="90483" tIns="44447" rIns="90483" bIns="44447"/>
-            <a:lstStyle/>
-            <a:p>
-              <a:endParaRPr lang="en-US" dirty="0">
-                <a:solidFill>
-                  <a:schemeClr val="tx1"/>
-                </a:solidFill>
-                <a:latin typeface="Arial Unicode MS" panose="020B0604020202020204" pitchFamily="34" charset="-128"/>
-                <a:ea typeface="Arial Unicode MS" panose="020B0604020202020204" pitchFamily="34" charset="-128"/>
-                <a:cs typeface="Arial Unicode MS" panose="020B0604020202020204" pitchFamily="34" charset="-128"/>
-              </a:endParaRPr>
-            </a:p>
-          </p:txBody>
-        </p:sp>
-        <p:sp>
-          <p:nvSpPr>
-            <p:cNvPr id="13329" name="Line 15"/>
-            <p:cNvSpPr>
-              <a:spLocks noChangeShapeType="1"/>
-            </p:cNvSpPr>
-            <p:nvPr/>
-          </p:nvSpPr>
-          <p:spPr bwMode="auto">
-            <a:xfrm flipH="1" flipV="1">
-              <a:off x="1048" y="3312"/>
-              <a:ext cx="816" cy="0"/>
-            </a:xfrm>
-            <a:prstGeom prst="line">
-              <a:avLst/>
-            </a:prstGeom>
-            <a:noFill/>
-            <a:ln w="38100">
-              <a:solidFill>
-                <a:schemeClr val="tx1"/>
-              </a:solidFill>
-              <a:round/>
-              <a:headEnd/>
-              <a:tailEnd/>
-            </a:ln>
-          </p:spPr>
-          <p:txBody>
-            <a:bodyPr lIns="90483" tIns="44447" rIns="90483" bIns="44447"/>
-            <a:lstStyle/>
-            <a:p>
-              <a:endParaRPr lang="en-US" dirty="0">
-                <a:solidFill>
-                  <a:schemeClr val="tx1"/>
-                </a:solidFill>
-                <a:latin typeface="Arial Unicode MS" panose="020B0604020202020204" pitchFamily="34" charset="-128"/>
-                <a:ea typeface="Arial Unicode MS" panose="020B0604020202020204" pitchFamily="34" charset="-128"/>
-                <a:cs typeface="Arial Unicode MS" panose="020B0604020202020204" pitchFamily="34" charset="-128"/>
-              </a:endParaRPr>
-            </a:p>
-          </p:txBody>
-        </p:sp>
-      </p:grpSp>
-      <p:grpSp>
-        <p:nvGrpSpPr>
-          <p:cNvPr id="13320" name="Group 16"/>
-          <p:cNvGrpSpPr>
-            <a:grpSpLocks/>
-          </p:cNvGrpSpPr>
-          <p:nvPr/>
-        </p:nvGrpSpPr>
-        <p:grpSpPr bwMode="auto">
-          <a:xfrm>
-            <a:off x="136071" y="1142999"/>
-            <a:ext cx="8779329" cy="1676401"/>
-            <a:chOff x="384" y="768"/>
-            <a:chExt cx="5184" cy="816"/>
-          </a:xfrm>
-        </p:grpSpPr>
-        <p:grpSp>
-          <p:nvGrpSpPr>
-            <p:cNvPr id="13321" name="Group 17"/>
-            <p:cNvGrpSpPr>
-              <a:grpSpLocks/>
-            </p:cNvGrpSpPr>
-            <p:nvPr/>
-          </p:nvGrpSpPr>
-          <p:grpSpPr bwMode="auto">
-            <a:xfrm>
-              <a:off x="384" y="768"/>
-              <a:ext cx="5184" cy="284"/>
-              <a:chOff x="384" y="768"/>
-              <a:chExt cx="5184" cy="284"/>
-            </a:xfrm>
-          </p:grpSpPr>
-          <p:sp>
-            <p:nvSpPr>
-              <p:cNvPr id="13323" name="Text Box 18"/>
-              <p:cNvSpPr txBox="1">
-                <a:spLocks noChangeArrowheads="1"/>
-              </p:cNvSpPr>
-              <p:nvPr/>
-            </p:nvSpPr>
-            <p:spPr bwMode="auto">
-              <a:xfrm>
-                <a:off x="384" y="768"/>
-                <a:ext cx="5184" cy="250"/>
-              </a:xfrm>
-              <a:prstGeom prst="rect">
-                <a:avLst/>
-              </a:prstGeom>
-              <a:noFill/>
-              <a:ln w="19050">
-                <a:noFill/>
-                <a:miter lim="800000"/>
-                <a:headEnd/>
-                <a:tailEnd type="none" w="lg" len="med"/>
-              </a:ln>
-            </p:spPr>
-            <p:txBody>
-              <a:bodyPr>
-                <a:spAutoFit/>
-              </a:bodyPr>
-              <a:lstStyle/>
-              <a:p>
-                <a:pPr>
-                  <a:spcBef>
-                    <a:spcPct val="20000"/>
-                  </a:spcBef>
-                </a:pPr>
-                <a:r>
-                  <a:rPr lang="en-US" sz="2000" b="1" i="1" dirty="0">
-                    <a:solidFill>
-                      <a:schemeClr val="tx1"/>
-                    </a:solidFill>
-                    <a:latin typeface="Arial Unicode MS" panose="020B0604020202020204" pitchFamily="34" charset="-128"/>
-                    <a:ea typeface="Arial Unicode MS" panose="020B0604020202020204" pitchFamily="34" charset="-128"/>
-                    <a:cs typeface="Arial Unicode MS" panose="020B0604020202020204" pitchFamily="34" charset="-128"/>
-                  </a:rPr>
-                  <a:t>Normalization</a:t>
-                </a:r>
-              </a:p>
-            </p:txBody>
-          </p:sp>
-          <p:sp>
-            <p:nvSpPr>
-              <p:cNvPr id="13324" name="Line 19"/>
-              <p:cNvSpPr>
-                <a:spLocks noChangeShapeType="1"/>
-              </p:cNvSpPr>
-              <p:nvPr/>
-            </p:nvSpPr>
-            <p:spPr bwMode="auto">
-              <a:xfrm>
-                <a:off x="394" y="1052"/>
-                <a:ext cx="4906" cy="0"/>
-              </a:xfrm>
-              <a:prstGeom prst="line">
-                <a:avLst/>
-              </a:prstGeom>
-              <a:noFill/>
-              <a:ln w="28575">
-                <a:solidFill>
-                  <a:srgbClr val="000066"/>
-                </a:solidFill>
-                <a:round/>
-                <a:headEnd/>
-                <a:tailEnd type="none" w="lg" len="med"/>
-              </a:ln>
-            </p:spPr>
-            <p:txBody>
-              <a:bodyPr/>
-              <a:lstStyle/>
-              <a:p>
-                <a:endParaRPr lang="en-US" dirty="0">
-                  <a:solidFill>
-                    <a:schemeClr val="tx1"/>
-                  </a:solidFill>
-                  <a:latin typeface="Arial Unicode MS" panose="020B0604020202020204" pitchFamily="34" charset="-128"/>
-                  <a:ea typeface="Arial Unicode MS" panose="020B0604020202020204" pitchFamily="34" charset="-128"/>
-                  <a:cs typeface="Arial Unicode MS" panose="020B0604020202020204" pitchFamily="34" charset="-128"/>
-                </a:endParaRPr>
-              </a:p>
-            </p:txBody>
-          </p:sp>
-        </p:grpSp>
-        <p:sp>
-          <p:nvSpPr>
-            <p:cNvPr id="13322" name="Rectangle 20"/>
-            <p:cNvSpPr>
-              <a:spLocks noChangeArrowheads="1"/>
-            </p:cNvSpPr>
-            <p:nvPr/>
-          </p:nvSpPr>
-          <p:spPr bwMode="auto">
-            <a:xfrm>
-              <a:off x="384" y="1104"/>
-              <a:ext cx="5184" cy="480"/>
-            </a:xfrm>
-            <a:prstGeom prst="rect">
-              <a:avLst/>
-            </a:prstGeom>
-            <a:solidFill>
-              <a:schemeClr val="bg1"/>
-            </a:solidFill>
-            <a:ln w="9525">
-              <a:noFill/>
-              <a:miter lim="800000"/>
-              <a:headEnd/>
-              <a:tailEnd/>
-            </a:ln>
-          </p:spPr>
-          <p:txBody>
-            <a:bodyPr/>
-            <a:lstStyle/>
-            <a:p>
-              <a:pPr marL="457200" indent="-457200">
-                <a:spcBef>
-                  <a:spcPct val="50000"/>
-                </a:spcBef>
-                <a:buClr>
-                  <a:srgbClr val="000066"/>
-                </a:buClr>
-                <a:buFontTx/>
-                <a:buChar char="–"/>
-              </a:pPr>
-              <a:r>
-                <a:rPr lang="en-US" sz="1800" dirty="0">
-                  <a:solidFill>
-                    <a:schemeClr val="tx1"/>
-                  </a:solidFill>
-                  <a:latin typeface="Arial Unicode MS" panose="020B0604020202020204" pitchFamily="34" charset="-128"/>
-                  <a:ea typeface="Arial Unicode MS" panose="020B0604020202020204" pitchFamily="34" charset="-128"/>
-                  <a:cs typeface="Arial Unicode MS" panose="020B0604020202020204" pitchFamily="34" charset="-128"/>
-                </a:rPr>
-                <a:t>All data stored in “tables” (similar to spreadsheet “worksheets” but more rigid)</a:t>
-              </a:r>
-            </a:p>
-            <a:p>
-              <a:pPr marL="457200" indent="-457200">
-                <a:spcBef>
-                  <a:spcPct val="50000"/>
-                </a:spcBef>
-                <a:buClr>
-                  <a:srgbClr val="000066"/>
-                </a:buClr>
-                <a:buFontTx/>
-                <a:buChar char="–"/>
-              </a:pPr>
-              <a:r>
-                <a:rPr lang="en-US" sz="1800" dirty="0">
-                  <a:solidFill>
-                    <a:schemeClr val="tx1"/>
-                  </a:solidFill>
-                  <a:latin typeface="Arial Unicode MS" panose="020B0604020202020204" pitchFamily="34" charset="-128"/>
-                  <a:ea typeface="Arial Unicode MS" panose="020B0604020202020204" pitchFamily="34" charset="-128"/>
-                  <a:cs typeface="Arial Unicode MS" panose="020B0604020202020204" pitchFamily="34" charset="-128"/>
-                </a:rPr>
-                <a:t>Each cell contains a </a:t>
-              </a:r>
-              <a:r>
-                <a:rPr lang="en-US" sz="1800" b="1" dirty="0">
-                  <a:solidFill>
-                    <a:schemeClr val="tx1"/>
-                  </a:solidFill>
-                  <a:latin typeface="Arial Unicode MS" panose="020B0604020202020204" pitchFamily="34" charset="-128"/>
-                  <a:ea typeface="Arial Unicode MS" panose="020B0604020202020204" pitchFamily="34" charset="-128"/>
-                  <a:cs typeface="Arial Unicode MS" panose="020B0604020202020204" pitchFamily="34" charset="-128"/>
-                </a:rPr>
-                <a:t>single</a:t>
-              </a:r>
-              <a:r>
-                <a:rPr lang="en-US" sz="1800" dirty="0">
-                  <a:solidFill>
-                    <a:schemeClr val="tx1"/>
-                  </a:solidFill>
-                  <a:latin typeface="Arial Unicode MS" panose="020B0604020202020204" pitchFamily="34" charset="-128"/>
-                  <a:ea typeface="Arial Unicode MS" panose="020B0604020202020204" pitchFamily="34" charset="-128"/>
-                  <a:cs typeface="Arial Unicode MS" panose="020B0604020202020204" pitchFamily="34" charset="-128"/>
-                </a:rPr>
-                <a:t> value (e.g., no list of “orders” in cell)</a:t>
-              </a:r>
-            </a:p>
-            <a:p>
-              <a:pPr marL="457200" indent="-457200">
-                <a:spcBef>
-                  <a:spcPct val="50000"/>
-                </a:spcBef>
-                <a:buClr>
-                  <a:srgbClr val="000066"/>
-                </a:buClr>
-                <a:buFontTx/>
-                <a:buChar char="–"/>
-              </a:pPr>
-              <a:r>
-                <a:rPr lang="en-US" sz="1800" dirty="0">
-                  <a:solidFill>
-                    <a:schemeClr val="tx1"/>
-                  </a:solidFill>
-                  <a:latin typeface="Arial Unicode MS" panose="020B0604020202020204" pitchFamily="34" charset="-128"/>
-                  <a:ea typeface="Arial Unicode MS" panose="020B0604020202020204" pitchFamily="34" charset="-128"/>
-                  <a:cs typeface="Arial Unicode MS" panose="020B0604020202020204" pitchFamily="34" charset="-128"/>
-                </a:rPr>
-                <a:t>Prevents insertion, deletion and update anomalies</a:t>
-              </a:r>
-            </a:p>
-          </p:txBody>
-        </p:sp>
-      </p:grpSp>
-    </p:spTree>
-    <p:extLst>
-      <p:ext uri="{BB962C8B-B14F-4D97-AF65-F5344CB8AC3E}">
-        <p14:creationId xmlns:p14="http://schemas.microsoft.com/office/powerpoint/2010/main" val="1645217966"/>
-      </p:ext>
-    </p:extLst>
-  </p:cSld>
-  <p:clrMapOvr>
-    <a:masterClrMapping/>
-  </p:clrMapOvr>
-  <p:timing>
-    <p:tnLst>
-      <p:par>
-        <p:cTn id="1" dur="indefinite" restart="never" nodeType="tmRoot">
-          <p:childTnLst>
-            <p:seq concurrent="1" nextAc="seek">
-              <p:cTn id="2" dur="indefinite" nodeType="mainSeq">
-                <p:childTnLst>
-                  <p:par>
-                    <p:cTn id="3" fill="hold">
-                      <p:stCondLst>
-                        <p:cond delay="indefinite"/>
-                      </p:stCondLst>
-                      <p:childTnLst>
-                        <p:par>
-                          <p:cTn id="4" fill="hold">
-                            <p:stCondLst>
-                              <p:cond delay="0"/>
-                            </p:stCondLst>
-                            <p:childTnLst>
-                              <p:par>
-                                <p:cTn id="5" presetID="9" presetClass="entr" presetSubtype="0" fill="hold" nodeType="clickEffect">
-                                  <p:stCondLst>
-                                    <p:cond delay="0"/>
-                                  </p:stCondLst>
-                                  <p:childTnLst>
-                                    <p:set>
-                                      <p:cBhvr>
-                                        <p:cTn id="6" dur="1" fill="hold">
-                                          <p:stCondLst>
-                                            <p:cond delay="0"/>
-                                          </p:stCondLst>
-                                        </p:cTn>
-                                        <p:tgtEl>
-                                          <p:spTgt spid="2"/>
-                                        </p:tgtEl>
-                                        <p:attrNameLst>
-                                          <p:attrName>style.visibility</p:attrName>
-                                        </p:attrNameLst>
-                                      </p:cBhvr>
-                                      <p:to>
-                                        <p:strVal val="visible"/>
-                                      </p:to>
-                                    </p:set>
-                                    <p:animEffect transition="in" filter="dissolve">
-                                      <p:cBhvr>
-                                        <p:cTn id="7" dur="500"/>
-                                        <p:tgtEl>
-                                          <p:spTgt spid="2"/>
-                                        </p:tgtEl>
-                                      </p:cBhvr>
-                                    </p:animEffect>
-                                  </p:childTnLst>
-                                </p:cTn>
-                              </p:par>
-                            </p:childTnLst>
-                          </p:cTn>
-                        </p:par>
-                      </p:childTnLst>
-                    </p:cTn>
-                  </p:par>
-                  <p:par>
-                    <p:cTn id="8" fill="hold">
-                      <p:stCondLst>
-                        <p:cond delay="indefinite"/>
-                      </p:stCondLst>
-                      <p:childTnLst>
-                        <p:par>
-                          <p:cTn id="9" fill="hold">
-                            <p:stCondLst>
-                              <p:cond delay="0"/>
-                            </p:stCondLst>
-                            <p:childTnLst>
-                              <p:par>
-                                <p:cTn id="10" presetID="9" presetClass="entr" presetSubtype="0" fill="hold" nodeType="clickEffect">
-                                  <p:stCondLst>
-                                    <p:cond delay="0"/>
-                                  </p:stCondLst>
-                                  <p:childTnLst>
-                                    <p:set>
-                                      <p:cBhvr>
-                                        <p:cTn id="11" dur="1" fill="hold">
-                                          <p:stCondLst>
-                                            <p:cond delay="0"/>
-                                          </p:stCondLst>
-                                        </p:cTn>
-                                        <p:tgtEl>
-                                          <p:spTgt spid="3"/>
-                                        </p:tgtEl>
-                                        <p:attrNameLst>
-                                          <p:attrName>style.visibility</p:attrName>
-                                        </p:attrNameLst>
-                                      </p:cBhvr>
-                                      <p:to>
-                                        <p:strVal val="visible"/>
-                                      </p:to>
-                                    </p:set>
-                                    <p:animEffect transition="in" filter="dissolve">
-                                      <p:cBhvr>
-                                        <p:cTn id="12" dur="500"/>
-                                        <p:tgtEl>
-                                          <p:spTgt spid="3"/>
-                                        </p:tgtEl>
-                                      </p:cBhvr>
-                                    </p:animEffect>
-                                  </p:childTnLst>
-                                </p:cTn>
-                              </p:par>
-                            </p:childTnLst>
-                          </p:cTn>
-                        </p:par>
-                      </p:childTnLst>
-                    </p:cTn>
-                  </p:par>
-                </p:childTnLst>
-              </p:cTn>
-              <p:prevCondLst>
-                <p:cond evt="onPrev" delay="0">
-                  <p:tgtEl>
-                    <p:sldTgt/>
-                  </p:tgtEl>
-                </p:cond>
-              </p:prevCondLst>
-              <p:nextCondLst>
-                <p:cond evt="onNext" delay="0">
-                  <p:tgtEl>
-                    <p:sldTgt/>
-                  </p:tgtEl>
-                </p:cond>
-              </p:nextCondLst>
-            </p:seq>
-          </p:childTnLst>
-        </p:cTn>
-      </p:par>
-    </p:tnLst>
-  </p:timing>
-</p:sld>
-</file>
-
-<file path=ppt/slides/slide8.xml><?xml version="1.0" encoding="utf-8"?>
+<file path=ppt/slides/slide10.xml><?xml version="1.0" encoding="utf-8"?>
 <p:sld xmlns:a="http://schemas.openxmlformats.org/drawingml/2006/main" xmlns:r="http://schemas.openxmlformats.org/officeDocument/2006/relationships" xmlns:p="http://schemas.openxmlformats.org/presentationml/2006/main">
   <p:cSld>
     <p:spTree>
@@ -8569,7 +6234,7 @@
 </p:sld>
 </file>
 
-<file path=ppt/slides/slide9.xml><?xml version="1.0" encoding="utf-8"?>
+<file path=ppt/slides/slide11.xml><?xml version="1.0" encoding="utf-8"?>
 <p:sld xmlns:a="http://schemas.openxmlformats.org/drawingml/2006/main" xmlns:r="http://schemas.openxmlformats.org/officeDocument/2006/relationships" xmlns:p="http://schemas.openxmlformats.org/presentationml/2006/main">
   <p:cSld>
     <p:spTree>
@@ -8707,6 +6372,3341 @@
   <p:clrMapOvr>
     <a:masterClrMapping/>
   </p:clrMapOvr>
+</p:sld>
+</file>
+
+<file path=ppt/slides/slide2.xml><?xml version="1.0" encoding="utf-8"?>
+<p:sld xmlns:a="http://schemas.openxmlformats.org/drawingml/2006/main" xmlns:r="http://schemas.openxmlformats.org/officeDocument/2006/relationships" xmlns:p="http://schemas.openxmlformats.org/presentationml/2006/main">
+  <p:cSld>
+    <p:spTree>
+      <p:nvGrpSpPr>
+        <p:cNvPr id="1" name=""/>
+        <p:cNvGrpSpPr/>
+        <p:nvPr/>
+      </p:nvGrpSpPr>
+      <p:grpSpPr>
+        <a:xfrm>
+          <a:off x="0" y="0"/>
+          <a:ext cx="0" cy="0"/>
+          <a:chOff x="0" y="0"/>
+          <a:chExt cx="0" cy="0"/>
+        </a:xfrm>
+      </p:grpSpPr>
+      <p:sp>
+        <p:nvSpPr>
+          <p:cNvPr id="1065986" name="Rectangle 2"/>
+          <p:cNvSpPr>
+            <a:spLocks noGrp="1" noChangeArrowheads="1"/>
+          </p:cNvSpPr>
+          <p:nvPr>
+            <p:ph type="title"/>
+          </p:nvPr>
+        </p:nvSpPr>
+        <p:spPr>
+          <a:xfrm>
+            <a:off x="228600" y="76200"/>
+            <a:ext cx="8458200" cy="990600"/>
+          </a:xfrm>
+        </p:spPr>
+        <p:txBody>
+          <a:bodyPr/>
+          <a:lstStyle/>
+          <a:p>
+            <a:pPr eaLnBrk="1" hangingPunct="1">
+              <a:defRPr/>
+            </a:pPr>
+            <a:r>
+              <a:rPr lang="en-US" dirty="0">
+                <a:solidFill>
+                  <a:srgbClr val="57068C"/>
+                </a:solidFill>
+              </a:rPr>
+              <a:t>Why do we need databases?</a:t>
+            </a:r>
+          </a:p>
+        </p:txBody>
+      </p:sp>
+      <p:pic>
+        <p:nvPicPr>
+          <p:cNvPr id="4100" name="Picture 8"/>
+          <p:cNvPicPr>
+            <a:picLocks noChangeAspect="1" noChangeArrowheads="1"/>
+          </p:cNvPicPr>
+          <p:nvPr/>
+        </p:nvPicPr>
+        <p:blipFill>
+          <a:blip r:embed="rId3" cstate="print"/>
+          <a:srcRect/>
+          <a:stretch>
+            <a:fillRect/>
+          </a:stretch>
+        </p:blipFill>
+        <p:spPr bwMode="auto">
+          <a:xfrm>
+            <a:off x="0" y="1828800"/>
+            <a:ext cx="9144000" cy="2911475"/>
+          </a:xfrm>
+          <a:prstGeom prst="rect">
+            <a:avLst/>
+          </a:prstGeom>
+          <a:noFill/>
+          <a:ln w="38100">
+            <a:noFill/>
+            <a:miter lim="800000"/>
+            <a:headEnd/>
+            <a:tailEnd/>
+          </a:ln>
+        </p:spPr>
+      </p:pic>
+    </p:spTree>
+    <p:extLst>
+      <p:ext uri="{BB962C8B-B14F-4D97-AF65-F5344CB8AC3E}">
+        <p14:creationId xmlns:p14="http://schemas.microsoft.com/office/powerpoint/2010/main" val="3313630892"/>
+      </p:ext>
+    </p:extLst>
+  </p:cSld>
+  <p:clrMapOvr>
+    <a:masterClrMapping/>
+  </p:clrMapOvr>
+</p:sld>
+</file>
+
+<file path=ppt/slides/slide3.xml><?xml version="1.0" encoding="utf-8"?>
+<p:sld xmlns:a="http://schemas.openxmlformats.org/drawingml/2006/main" xmlns:r="http://schemas.openxmlformats.org/officeDocument/2006/relationships" xmlns:p="http://schemas.openxmlformats.org/presentationml/2006/main">
+  <p:cSld>
+    <p:spTree>
+      <p:nvGrpSpPr>
+        <p:cNvPr id="1" name=""/>
+        <p:cNvGrpSpPr/>
+        <p:nvPr/>
+      </p:nvGrpSpPr>
+      <p:grpSpPr>
+        <a:xfrm>
+          <a:off x="0" y="0"/>
+          <a:ext cx="0" cy="0"/>
+          <a:chOff x="0" y="0"/>
+          <a:chExt cx="0" cy="0"/>
+        </a:xfrm>
+      </p:grpSpPr>
+      <p:sp>
+        <p:nvSpPr>
+          <p:cNvPr id="1070082" name="Rectangle 2"/>
+          <p:cNvSpPr>
+            <a:spLocks noGrp="1" noChangeArrowheads="1"/>
+          </p:cNvSpPr>
+          <p:nvPr>
+            <p:ph type="title"/>
+          </p:nvPr>
+        </p:nvSpPr>
+        <p:spPr>
+          <a:xfrm>
+            <a:off x="228600" y="76200"/>
+            <a:ext cx="8458200" cy="990600"/>
+          </a:xfrm>
+        </p:spPr>
+        <p:txBody>
+          <a:bodyPr/>
+          <a:lstStyle/>
+          <a:p>
+            <a:pPr eaLnBrk="1" hangingPunct="1">
+              <a:defRPr/>
+            </a:pPr>
+            <a:r>
+              <a:rPr lang="en-US" dirty="0">
+                <a:solidFill>
+                  <a:srgbClr val="57068C"/>
+                </a:solidFill>
+              </a:rPr>
+              <a:t>Databases vs. Spreadsheets</a:t>
+            </a:r>
+          </a:p>
+        </p:txBody>
+      </p:sp>
+      <p:grpSp>
+        <p:nvGrpSpPr>
+          <p:cNvPr id="2" name="Group 3"/>
+          <p:cNvGrpSpPr>
+            <a:grpSpLocks/>
+          </p:cNvGrpSpPr>
+          <p:nvPr/>
+        </p:nvGrpSpPr>
+        <p:grpSpPr bwMode="auto">
+          <a:xfrm>
+            <a:off x="533400" y="1447800"/>
+            <a:ext cx="8229600" cy="1295400"/>
+            <a:chOff x="384" y="768"/>
+            <a:chExt cx="5184" cy="816"/>
+          </a:xfrm>
+        </p:grpSpPr>
+        <p:grpSp>
+          <p:nvGrpSpPr>
+            <p:cNvPr id="9220" name="Group 4"/>
+            <p:cNvGrpSpPr>
+              <a:grpSpLocks/>
+            </p:cNvGrpSpPr>
+            <p:nvPr/>
+          </p:nvGrpSpPr>
+          <p:grpSpPr bwMode="auto">
+            <a:xfrm>
+              <a:off x="384" y="768"/>
+              <a:ext cx="5184" cy="284"/>
+              <a:chOff x="384" y="768"/>
+              <a:chExt cx="5184" cy="284"/>
+            </a:xfrm>
+          </p:grpSpPr>
+          <p:sp>
+            <p:nvSpPr>
+              <p:cNvPr id="9222" name="Text Box 5"/>
+              <p:cNvSpPr txBox="1">
+                <a:spLocks noChangeArrowheads="1"/>
+              </p:cNvSpPr>
+              <p:nvPr/>
+            </p:nvSpPr>
+            <p:spPr bwMode="auto">
+              <a:xfrm>
+                <a:off x="384" y="768"/>
+                <a:ext cx="5184" cy="250"/>
+              </a:xfrm>
+              <a:prstGeom prst="rect">
+                <a:avLst/>
+              </a:prstGeom>
+              <a:noFill/>
+              <a:ln w="19050">
+                <a:noFill/>
+                <a:miter lim="800000"/>
+                <a:headEnd/>
+                <a:tailEnd type="none" w="lg" len="med"/>
+              </a:ln>
+            </p:spPr>
+            <p:txBody>
+              <a:bodyPr>
+                <a:spAutoFit/>
+              </a:bodyPr>
+              <a:lstStyle/>
+              <a:p>
+                <a:pPr>
+                  <a:spcBef>
+                    <a:spcPct val="20000"/>
+                  </a:spcBef>
+                </a:pPr>
+                <a:r>
+                  <a:rPr lang="en-US" sz="2000" b="1" i="1" dirty="0">
+                    <a:solidFill>
+                      <a:schemeClr val="tx1"/>
+                    </a:solidFill>
+                    <a:latin typeface="Arial Unicode MS" panose="020B0604020202020204" pitchFamily="34" charset="-128"/>
+                    <a:ea typeface="Arial Unicode MS" panose="020B0604020202020204" pitchFamily="34" charset="-128"/>
+                    <a:cs typeface="Arial Unicode MS" panose="020B0604020202020204" pitchFamily="34" charset="-128"/>
+                  </a:rPr>
+                  <a:t>When should you use a database instead of Excel?</a:t>
+                </a:r>
+                <a:endParaRPr lang="en-US" sz="1800" b="1" i="1" dirty="0">
+                  <a:solidFill>
+                    <a:schemeClr val="tx1"/>
+                  </a:solidFill>
+                  <a:latin typeface="Arial Unicode MS" panose="020B0604020202020204" pitchFamily="34" charset="-128"/>
+                  <a:ea typeface="Arial Unicode MS" panose="020B0604020202020204" pitchFamily="34" charset="-128"/>
+                  <a:cs typeface="Arial Unicode MS" panose="020B0604020202020204" pitchFamily="34" charset="-128"/>
+                </a:endParaRPr>
+              </a:p>
+            </p:txBody>
+          </p:sp>
+          <p:sp>
+            <p:nvSpPr>
+              <p:cNvPr id="9223" name="Line 6"/>
+              <p:cNvSpPr>
+                <a:spLocks noChangeShapeType="1"/>
+              </p:cNvSpPr>
+              <p:nvPr/>
+            </p:nvSpPr>
+            <p:spPr bwMode="auto">
+              <a:xfrm>
+                <a:off x="394" y="1052"/>
+                <a:ext cx="4906" cy="0"/>
+              </a:xfrm>
+              <a:prstGeom prst="line">
+                <a:avLst/>
+              </a:prstGeom>
+              <a:noFill/>
+              <a:ln w="28575">
+                <a:solidFill>
+                  <a:srgbClr val="000066"/>
+                </a:solidFill>
+                <a:round/>
+                <a:headEnd/>
+                <a:tailEnd type="none" w="lg" len="med"/>
+              </a:ln>
+            </p:spPr>
+            <p:txBody>
+              <a:bodyPr/>
+              <a:lstStyle/>
+              <a:p>
+                <a:endParaRPr lang="en-US" dirty="0">
+                  <a:solidFill>
+                    <a:schemeClr val="tx1"/>
+                  </a:solidFill>
+                  <a:latin typeface="Arial Unicode MS" panose="020B0604020202020204" pitchFamily="34" charset="-128"/>
+                  <a:ea typeface="Arial Unicode MS" panose="020B0604020202020204" pitchFamily="34" charset="-128"/>
+                  <a:cs typeface="Arial Unicode MS" panose="020B0604020202020204" pitchFamily="34" charset="-128"/>
+                </a:endParaRPr>
+              </a:p>
+            </p:txBody>
+          </p:sp>
+        </p:grpSp>
+        <p:sp>
+          <p:nvSpPr>
+            <p:cNvPr id="9221" name="Rectangle 7"/>
+            <p:cNvSpPr>
+              <a:spLocks noChangeArrowheads="1"/>
+            </p:cNvSpPr>
+            <p:nvPr/>
+          </p:nvSpPr>
+          <p:spPr bwMode="auto">
+            <a:xfrm>
+              <a:off x="384" y="1104"/>
+              <a:ext cx="5184" cy="480"/>
+            </a:xfrm>
+            <a:prstGeom prst="rect">
+              <a:avLst/>
+            </a:prstGeom>
+            <a:solidFill>
+              <a:schemeClr val="bg1"/>
+            </a:solidFill>
+            <a:ln w="9525">
+              <a:noFill/>
+              <a:miter lim="800000"/>
+              <a:headEnd/>
+              <a:tailEnd/>
+            </a:ln>
+          </p:spPr>
+          <p:txBody>
+            <a:bodyPr/>
+            <a:lstStyle/>
+            <a:p>
+              <a:pPr marL="457200" indent="-457200">
+                <a:spcBef>
+                  <a:spcPct val="50000"/>
+                </a:spcBef>
+                <a:buClr>
+                  <a:srgbClr val="000066"/>
+                </a:buClr>
+                <a:buFontTx/>
+                <a:buChar char="–"/>
+              </a:pPr>
+              <a:r>
+                <a:rPr lang="en-US" sz="1800" dirty="0">
+                  <a:solidFill>
+                    <a:schemeClr val="tx1"/>
+                  </a:solidFill>
+                  <a:latin typeface="Arial Unicode MS" panose="020B0604020202020204" pitchFamily="34" charset="-128"/>
+                  <a:ea typeface="Arial Unicode MS" panose="020B0604020202020204" pitchFamily="34" charset="-128"/>
+                  <a:cs typeface="Arial Unicode MS" panose="020B0604020202020204" pitchFamily="34" charset="-128"/>
+                </a:rPr>
+                <a:t>Insertion anomalies</a:t>
+              </a:r>
+            </a:p>
+            <a:p>
+              <a:pPr marL="457200" indent="-457200">
+                <a:spcBef>
+                  <a:spcPct val="50000"/>
+                </a:spcBef>
+                <a:buClr>
+                  <a:srgbClr val="000066"/>
+                </a:buClr>
+                <a:buFontTx/>
+                <a:buChar char="–"/>
+              </a:pPr>
+              <a:r>
+                <a:rPr lang="en-US" sz="1800" dirty="0">
+                  <a:solidFill>
+                    <a:schemeClr val="tx1"/>
+                  </a:solidFill>
+                  <a:latin typeface="Arial Unicode MS" panose="020B0604020202020204" pitchFamily="34" charset="-128"/>
+                  <a:ea typeface="Arial Unicode MS" panose="020B0604020202020204" pitchFamily="34" charset="-128"/>
+                  <a:cs typeface="Arial Unicode MS" panose="020B0604020202020204" pitchFamily="34" charset="-128"/>
+                </a:rPr>
+                <a:t>Deletion anomalies</a:t>
+              </a:r>
+            </a:p>
+            <a:p>
+              <a:pPr marL="457200" indent="-457200">
+                <a:spcBef>
+                  <a:spcPct val="50000"/>
+                </a:spcBef>
+                <a:buClr>
+                  <a:srgbClr val="000066"/>
+                </a:buClr>
+                <a:buFontTx/>
+                <a:buChar char="–"/>
+              </a:pPr>
+              <a:r>
+                <a:rPr lang="en-US" sz="1800" dirty="0">
+                  <a:solidFill>
+                    <a:schemeClr val="tx1"/>
+                  </a:solidFill>
+                  <a:latin typeface="Arial Unicode MS" panose="020B0604020202020204" pitchFamily="34" charset="-128"/>
+                  <a:ea typeface="Arial Unicode MS" panose="020B0604020202020204" pitchFamily="34" charset="-128"/>
+                  <a:cs typeface="Arial Unicode MS" panose="020B0604020202020204" pitchFamily="34" charset="-128"/>
+                </a:rPr>
+                <a:t>Update anomalies</a:t>
+              </a:r>
+            </a:p>
+          </p:txBody>
+        </p:sp>
+      </p:grpSp>
+    </p:spTree>
+    <p:extLst>
+      <p:ext uri="{BB962C8B-B14F-4D97-AF65-F5344CB8AC3E}">
+        <p14:creationId xmlns:p14="http://schemas.microsoft.com/office/powerpoint/2010/main" val="4189648146"/>
+      </p:ext>
+    </p:extLst>
+  </p:cSld>
+  <p:clrMapOvr>
+    <a:masterClrMapping/>
+  </p:clrMapOvr>
+  <p:timing>
+    <p:tnLst>
+      <p:par>
+        <p:cTn id="1" dur="indefinite" restart="never" nodeType="tmRoot">
+          <p:childTnLst>
+            <p:seq concurrent="1" nextAc="seek">
+              <p:cTn id="2" dur="indefinite" nodeType="mainSeq">
+                <p:childTnLst>
+                  <p:par>
+                    <p:cTn id="3" fill="hold">
+                      <p:stCondLst>
+                        <p:cond delay="indefinite"/>
+                      </p:stCondLst>
+                      <p:childTnLst>
+                        <p:par>
+                          <p:cTn id="4" fill="hold">
+                            <p:stCondLst>
+                              <p:cond delay="0"/>
+                            </p:stCondLst>
+                            <p:childTnLst>
+                              <p:par>
+                                <p:cTn id="5" presetID="1" presetClass="entr" presetSubtype="0" fill="hold" nodeType="clickEffect">
+                                  <p:stCondLst>
+                                    <p:cond delay="0"/>
+                                  </p:stCondLst>
+                                  <p:childTnLst>
+                                    <p:set>
+                                      <p:cBhvr>
+                                        <p:cTn id="6" dur="1" fill="hold">
+                                          <p:stCondLst>
+                                            <p:cond delay="0"/>
+                                          </p:stCondLst>
+                                        </p:cTn>
+                                        <p:tgtEl>
+                                          <p:spTgt spid="2"/>
+                                        </p:tgtEl>
+                                        <p:attrNameLst>
+                                          <p:attrName>style.visibility</p:attrName>
+                                        </p:attrNameLst>
+                                      </p:cBhvr>
+                                      <p:to>
+                                        <p:strVal val="visible"/>
+                                      </p:to>
+                                    </p:set>
+                                  </p:childTnLst>
+                                </p:cTn>
+                              </p:par>
+                            </p:childTnLst>
+                          </p:cTn>
+                        </p:par>
+                      </p:childTnLst>
+                    </p:cTn>
+                  </p:par>
+                </p:childTnLst>
+              </p:cTn>
+              <p:prevCondLst>
+                <p:cond evt="onPrev" delay="0">
+                  <p:tgtEl>
+                    <p:sldTgt/>
+                  </p:tgtEl>
+                </p:cond>
+              </p:prevCondLst>
+              <p:nextCondLst>
+                <p:cond evt="onNext" delay="0">
+                  <p:tgtEl>
+                    <p:sldTgt/>
+                  </p:tgtEl>
+                </p:cond>
+              </p:nextCondLst>
+            </p:seq>
+          </p:childTnLst>
+        </p:cTn>
+      </p:par>
+    </p:tnLst>
+  </p:timing>
+</p:sld>
+</file>
+
+<file path=ppt/slides/slide4.xml><?xml version="1.0" encoding="utf-8"?>
+<p:sld xmlns:a="http://schemas.openxmlformats.org/drawingml/2006/main" xmlns:r="http://schemas.openxmlformats.org/officeDocument/2006/relationships" xmlns:p="http://schemas.openxmlformats.org/presentationml/2006/main">
+  <p:cSld>
+    <p:spTree>
+      <p:nvGrpSpPr>
+        <p:cNvPr id="1" name=""/>
+        <p:cNvGrpSpPr/>
+        <p:nvPr/>
+      </p:nvGrpSpPr>
+      <p:grpSpPr>
+        <a:xfrm>
+          <a:off x="0" y="0"/>
+          <a:ext cx="0" cy="0"/>
+          <a:chOff x="0" y="0"/>
+          <a:chExt cx="0" cy="0"/>
+        </a:xfrm>
+      </p:grpSpPr>
+      <p:sp>
+        <p:nvSpPr>
+          <p:cNvPr id="1072130" name="Rectangle 2"/>
+          <p:cNvSpPr>
+            <a:spLocks noGrp="1" noChangeArrowheads="1"/>
+          </p:cNvSpPr>
+          <p:nvPr>
+            <p:ph type="title"/>
+          </p:nvPr>
+        </p:nvSpPr>
+        <p:spPr>
+          <a:xfrm>
+            <a:off x="704851" y="57717"/>
+            <a:ext cx="7886700" cy="720158"/>
+          </a:xfrm>
+        </p:spPr>
+        <p:txBody>
+          <a:bodyPr/>
+          <a:lstStyle/>
+          <a:p>
+            <a:pPr eaLnBrk="1" hangingPunct="1">
+              <a:defRPr/>
+            </a:pPr>
+            <a:r>
+              <a:rPr lang="en-US" dirty="0">
+                <a:solidFill>
+                  <a:srgbClr val="57068C"/>
+                </a:solidFill>
+              </a:rPr>
+              <a:t>Anomalies in un-normalized data</a:t>
+            </a:r>
+          </a:p>
+        </p:txBody>
+      </p:sp>
+      <p:grpSp>
+        <p:nvGrpSpPr>
+          <p:cNvPr id="10243" name="Group 4"/>
+          <p:cNvGrpSpPr>
+            <a:grpSpLocks/>
+          </p:cNvGrpSpPr>
+          <p:nvPr/>
+        </p:nvGrpSpPr>
+        <p:grpSpPr bwMode="auto">
+          <a:xfrm>
+            <a:off x="381000" y="1143000"/>
+            <a:ext cx="8534400" cy="450850"/>
+            <a:chOff x="384" y="768"/>
+            <a:chExt cx="5184" cy="284"/>
+          </a:xfrm>
+        </p:grpSpPr>
+        <p:sp>
+          <p:nvSpPr>
+            <p:cNvPr id="10246" name="Text Box 5"/>
+            <p:cNvSpPr txBox="1">
+              <a:spLocks noChangeArrowheads="1"/>
+            </p:cNvSpPr>
+            <p:nvPr/>
+          </p:nvSpPr>
+          <p:spPr bwMode="auto">
+            <a:xfrm>
+              <a:off x="384" y="768"/>
+              <a:ext cx="5184" cy="250"/>
+            </a:xfrm>
+            <a:prstGeom prst="rect">
+              <a:avLst/>
+            </a:prstGeom>
+            <a:noFill/>
+            <a:ln w="19050">
+              <a:noFill/>
+              <a:miter lim="800000"/>
+              <a:headEnd/>
+              <a:tailEnd type="none" w="lg" len="med"/>
+            </a:ln>
+          </p:spPr>
+          <p:txBody>
+            <a:bodyPr>
+              <a:spAutoFit/>
+            </a:bodyPr>
+            <a:lstStyle/>
+            <a:p>
+              <a:pPr>
+                <a:spcBef>
+                  <a:spcPct val="20000"/>
+                </a:spcBef>
+              </a:pPr>
+              <a:r>
+                <a:rPr lang="en-US" sz="2000" b="1" i="1" dirty="0">
+                  <a:solidFill>
+                    <a:schemeClr val="tx1"/>
+                  </a:solidFill>
+                  <a:latin typeface="Arial Unicode MS" panose="020B0604020202020204" pitchFamily="34" charset="-128"/>
+                  <a:ea typeface="Arial Unicode MS" panose="020B0604020202020204" pitchFamily="34" charset="-128"/>
+                  <a:cs typeface="Arial Unicode MS" panose="020B0604020202020204" pitchFamily="34" charset="-128"/>
+                </a:rPr>
+                <a:t>Insertion anomalies</a:t>
+              </a:r>
+            </a:p>
+          </p:txBody>
+        </p:sp>
+        <p:sp>
+          <p:nvSpPr>
+            <p:cNvPr id="10247" name="Line 6"/>
+            <p:cNvSpPr>
+              <a:spLocks noChangeShapeType="1"/>
+            </p:cNvSpPr>
+            <p:nvPr/>
+          </p:nvSpPr>
+          <p:spPr bwMode="auto">
+            <a:xfrm>
+              <a:off x="394" y="1052"/>
+              <a:ext cx="4906" cy="0"/>
+            </a:xfrm>
+            <a:prstGeom prst="line">
+              <a:avLst/>
+            </a:prstGeom>
+            <a:noFill/>
+            <a:ln w="28575">
+              <a:solidFill>
+                <a:srgbClr val="000066"/>
+              </a:solidFill>
+              <a:round/>
+              <a:headEnd/>
+              <a:tailEnd type="none" w="lg" len="med"/>
+            </a:ln>
+          </p:spPr>
+          <p:txBody>
+            <a:bodyPr/>
+            <a:lstStyle/>
+            <a:p>
+              <a:endParaRPr lang="en-US" dirty="0">
+                <a:solidFill>
+                  <a:schemeClr val="tx1"/>
+                </a:solidFill>
+                <a:latin typeface="Arial Unicode MS" panose="020B0604020202020204" pitchFamily="34" charset="-128"/>
+                <a:ea typeface="Arial Unicode MS" panose="020B0604020202020204" pitchFamily="34" charset="-128"/>
+                <a:cs typeface="Arial Unicode MS" panose="020B0604020202020204" pitchFamily="34" charset="-128"/>
+              </a:endParaRPr>
+            </a:p>
+          </p:txBody>
+        </p:sp>
+      </p:grpSp>
+      <p:sp>
+        <p:nvSpPr>
+          <p:cNvPr id="1072135" name="Rectangle 7"/>
+          <p:cNvSpPr>
+            <a:spLocks noChangeArrowheads="1"/>
+          </p:cNvSpPr>
+          <p:nvPr/>
+        </p:nvSpPr>
+        <p:spPr bwMode="auto">
+          <a:xfrm>
+            <a:off x="228600" y="1752600"/>
+            <a:ext cx="8763000" cy="762000"/>
+          </a:xfrm>
+          <a:prstGeom prst="rect">
+            <a:avLst/>
+          </a:prstGeom>
+          <a:solidFill>
+            <a:schemeClr val="bg1"/>
+          </a:solidFill>
+          <a:ln w="9525">
+            <a:noFill/>
+            <a:miter lim="800000"/>
+            <a:headEnd/>
+            <a:tailEnd/>
+          </a:ln>
+        </p:spPr>
+        <p:txBody>
+          <a:bodyPr/>
+          <a:lstStyle/>
+          <a:p>
+            <a:pPr marL="457200" indent="-457200">
+              <a:spcBef>
+                <a:spcPct val="50000"/>
+              </a:spcBef>
+              <a:buClr>
+                <a:srgbClr val="000066"/>
+              </a:buClr>
+              <a:buFontTx/>
+              <a:buChar char="–"/>
+            </a:pPr>
+            <a:r>
+              <a:rPr lang="en-US" sz="1800" dirty="0">
+                <a:solidFill>
+                  <a:schemeClr val="tx1"/>
+                </a:solidFill>
+                <a:latin typeface="Arial Unicode MS" panose="020B0604020202020204" pitchFamily="34" charset="-128"/>
+                <a:ea typeface="Arial Unicode MS" panose="020B0604020202020204" pitchFamily="34" charset="-128"/>
+                <a:cs typeface="Arial Unicode MS" panose="020B0604020202020204" pitchFamily="34" charset="-128"/>
+              </a:rPr>
+              <a:t>Inability to insert a piece of information about an object without having to insert a (bogus) piece of information about something else</a:t>
+            </a:r>
+          </a:p>
+          <a:p>
+            <a:pPr marL="457200" indent="-457200">
+              <a:spcBef>
+                <a:spcPct val="50000"/>
+              </a:spcBef>
+              <a:buClr>
+                <a:srgbClr val="000066"/>
+              </a:buClr>
+              <a:buFontTx/>
+              <a:buChar char="–"/>
+            </a:pPr>
+            <a:r>
+              <a:rPr lang="en-US" sz="1800" dirty="0">
+                <a:solidFill>
+                  <a:schemeClr val="tx1"/>
+                </a:solidFill>
+                <a:latin typeface="Arial Unicode MS" panose="020B0604020202020204" pitchFamily="34" charset="-128"/>
+                <a:ea typeface="Arial Unicode MS" panose="020B0604020202020204" pitchFamily="34" charset="-128"/>
+                <a:cs typeface="Arial Unicode MS" panose="020B0604020202020204" pitchFamily="34" charset="-128"/>
+              </a:rPr>
+              <a:t>Example: Adding a new customer/book before it is ordered</a:t>
+            </a:r>
+            <a:br>
+              <a:rPr lang="en-US" sz="1800" dirty="0">
+                <a:solidFill>
+                  <a:schemeClr val="tx1"/>
+                </a:solidFill>
+                <a:latin typeface="Arial Unicode MS" panose="020B0604020202020204" pitchFamily="34" charset="-128"/>
+                <a:ea typeface="Arial Unicode MS" panose="020B0604020202020204" pitchFamily="34" charset="-128"/>
+                <a:cs typeface="Arial Unicode MS" panose="020B0604020202020204" pitchFamily="34" charset="-128"/>
+              </a:rPr>
+            </a:br>
+            <a:r>
+              <a:rPr lang="en-US" sz="1800" i="1" dirty="0">
+                <a:solidFill>
+                  <a:schemeClr val="tx1"/>
+                </a:solidFill>
+                <a:latin typeface="Arial Unicode MS" panose="020B0604020202020204" pitchFamily="34" charset="-128"/>
+                <a:ea typeface="Arial Unicode MS" panose="020B0604020202020204" pitchFamily="34" charset="-128"/>
+                <a:cs typeface="Arial Unicode MS" panose="020B0604020202020204" pitchFamily="34" charset="-128"/>
+              </a:rPr>
+              <a:t>How can you add the book “Harry Potter” in the file below?</a:t>
+            </a:r>
+          </a:p>
+          <a:p>
+            <a:pPr marL="457200" indent="-457200">
+              <a:spcBef>
+                <a:spcPct val="50000"/>
+              </a:spcBef>
+              <a:buClr>
+                <a:srgbClr val="000066"/>
+              </a:buClr>
+              <a:buFontTx/>
+              <a:buChar char="–"/>
+            </a:pPr>
+            <a:endParaRPr lang="en-US" sz="1800" dirty="0">
+              <a:solidFill>
+                <a:schemeClr val="tx1"/>
+              </a:solidFill>
+              <a:latin typeface="Arial Unicode MS" panose="020B0604020202020204" pitchFamily="34" charset="-128"/>
+              <a:ea typeface="Arial Unicode MS" panose="020B0604020202020204" pitchFamily="34" charset="-128"/>
+              <a:cs typeface="Arial Unicode MS" panose="020B0604020202020204" pitchFamily="34" charset="-128"/>
+            </a:endParaRPr>
+          </a:p>
+        </p:txBody>
+      </p:sp>
+      <p:pic>
+        <p:nvPicPr>
+          <p:cNvPr id="10245" name="Picture 21"/>
+          <p:cNvPicPr>
+            <a:picLocks noChangeAspect="1" noChangeArrowheads="1"/>
+          </p:cNvPicPr>
+          <p:nvPr/>
+        </p:nvPicPr>
+        <p:blipFill>
+          <a:blip r:embed="rId3" cstate="print"/>
+          <a:srcRect/>
+          <a:stretch>
+            <a:fillRect/>
+          </a:stretch>
+        </p:blipFill>
+        <p:spPr bwMode="auto">
+          <a:xfrm>
+            <a:off x="0" y="3489325"/>
+            <a:ext cx="9144000" cy="2911475"/>
+          </a:xfrm>
+          <a:prstGeom prst="rect">
+            <a:avLst/>
+          </a:prstGeom>
+          <a:noFill/>
+          <a:ln w="38100">
+            <a:noFill/>
+            <a:miter lim="800000"/>
+            <a:headEnd/>
+            <a:tailEnd/>
+          </a:ln>
+        </p:spPr>
+      </p:pic>
+    </p:spTree>
+    <p:extLst>
+      <p:ext uri="{BB962C8B-B14F-4D97-AF65-F5344CB8AC3E}">
+        <p14:creationId xmlns:p14="http://schemas.microsoft.com/office/powerpoint/2010/main" val="1834913302"/>
+      </p:ext>
+    </p:extLst>
+  </p:cSld>
+  <p:clrMapOvr>
+    <a:masterClrMapping/>
+  </p:clrMapOvr>
+  <p:timing>
+    <p:tnLst>
+      <p:par>
+        <p:cTn id="1" dur="indefinite" restart="never" nodeType="tmRoot">
+          <p:childTnLst>
+            <p:seq concurrent="1" nextAc="seek">
+              <p:cTn id="2" dur="indefinite" nodeType="mainSeq">
+                <p:childTnLst>
+                  <p:par>
+                    <p:cTn id="3" fill="hold">
+                      <p:stCondLst>
+                        <p:cond delay="indefinite"/>
+                      </p:stCondLst>
+                      <p:childTnLst>
+                        <p:par>
+                          <p:cTn id="4" fill="hold">
+                            <p:stCondLst>
+                              <p:cond delay="0"/>
+                            </p:stCondLst>
+                            <p:childTnLst>
+                              <p:par>
+                                <p:cTn id="5" presetID="1" presetClass="entr" presetSubtype="0" fill="hold" nodeType="clickEffect">
+                                  <p:stCondLst>
+                                    <p:cond delay="0"/>
+                                  </p:stCondLst>
+                                  <p:childTnLst>
+                                    <p:set>
+                                      <p:cBhvr>
+                                        <p:cTn id="6" dur="1" fill="hold">
+                                          <p:stCondLst>
+                                            <p:cond delay="0"/>
+                                          </p:stCondLst>
+                                        </p:cTn>
+                                        <p:tgtEl>
+                                          <p:spTgt spid="1072135">
+                                            <p:txEl>
+                                              <p:pRg st="1" end="1"/>
+                                            </p:txEl>
+                                          </p:spTgt>
+                                        </p:tgtEl>
+                                        <p:attrNameLst>
+                                          <p:attrName>style.visibility</p:attrName>
+                                        </p:attrNameLst>
+                                      </p:cBhvr>
+                                      <p:to>
+                                        <p:strVal val="visible"/>
+                                      </p:to>
+                                    </p:set>
+                                  </p:childTnLst>
+                                </p:cTn>
+                              </p:par>
+                            </p:childTnLst>
+                          </p:cTn>
+                        </p:par>
+                      </p:childTnLst>
+                    </p:cTn>
+                  </p:par>
+                </p:childTnLst>
+              </p:cTn>
+              <p:prevCondLst>
+                <p:cond evt="onPrev" delay="0">
+                  <p:tgtEl>
+                    <p:sldTgt/>
+                  </p:tgtEl>
+                </p:cond>
+              </p:prevCondLst>
+              <p:nextCondLst>
+                <p:cond evt="onNext" delay="0">
+                  <p:tgtEl>
+                    <p:sldTgt/>
+                  </p:tgtEl>
+                </p:cond>
+              </p:nextCondLst>
+            </p:seq>
+          </p:childTnLst>
+        </p:cTn>
+      </p:par>
+    </p:tnLst>
+  </p:timing>
+</p:sld>
+</file>
+
+<file path=ppt/slides/slide5.xml><?xml version="1.0" encoding="utf-8"?>
+<p:sld xmlns:a="http://schemas.openxmlformats.org/drawingml/2006/main" xmlns:r="http://schemas.openxmlformats.org/officeDocument/2006/relationships" xmlns:p="http://schemas.openxmlformats.org/presentationml/2006/main">
+  <p:cSld>
+    <p:spTree>
+      <p:nvGrpSpPr>
+        <p:cNvPr id="1" name=""/>
+        <p:cNvGrpSpPr/>
+        <p:nvPr/>
+      </p:nvGrpSpPr>
+      <p:grpSpPr>
+        <a:xfrm>
+          <a:off x="0" y="0"/>
+          <a:ext cx="0" cy="0"/>
+          <a:chOff x="0" y="0"/>
+          <a:chExt cx="0" cy="0"/>
+        </a:xfrm>
+      </p:grpSpPr>
+      <p:sp>
+        <p:nvSpPr>
+          <p:cNvPr id="1072130" name="Rectangle 2"/>
+          <p:cNvSpPr>
+            <a:spLocks noGrp="1" noChangeArrowheads="1"/>
+          </p:cNvSpPr>
+          <p:nvPr>
+            <p:ph type="title"/>
+          </p:nvPr>
+        </p:nvSpPr>
+        <p:spPr>
+          <a:xfrm>
+            <a:off x="704851" y="57717"/>
+            <a:ext cx="7886700" cy="720158"/>
+          </a:xfrm>
+        </p:spPr>
+        <p:txBody>
+          <a:bodyPr>
+            <a:normAutofit/>
+          </a:bodyPr>
+          <a:lstStyle/>
+          <a:p>
+            <a:pPr eaLnBrk="1" hangingPunct="1">
+              <a:defRPr/>
+            </a:pPr>
+            <a:r>
+              <a:rPr lang="en-US" dirty="0">
+                <a:solidFill>
+                  <a:srgbClr val="57068C"/>
+                </a:solidFill>
+              </a:rPr>
+              <a:t>The $3.3 billion insertion anomaly error</a:t>
+            </a:r>
+          </a:p>
+        </p:txBody>
+      </p:sp>
+      <p:grpSp>
+        <p:nvGrpSpPr>
+          <p:cNvPr id="10243" name="Group 4"/>
+          <p:cNvGrpSpPr>
+            <a:grpSpLocks/>
+          </p:cNvGrpSpPr>
+          <p:nvPr/>
+        </p:nvGrpSpPr>
+        <p:grpSpPr bwMode="auto">
+          <a:xfrm>
+            <a:off x="381000" y="1143000"/>
+            <a:ext cx="8534400" cy="450850"/>
+            <a:chOff x="384" y="768"/>
+            <a:chExt cx="5184" cy="284"/>
+          </a:xfrm>
+        </p:grpSpPr>
+        <p:sp>
+          <p:nvSpPr>
+            <p:cNvPr id="10246" name="Text Box 5"/>
+            <p:cNvSpPr txBox="1">
+              <a:spLocks noChangeArrowheads="1"/>
+            </p:cNvSpPr>
+            <p:nvPr/>
+          </p:nvSpPr>
+          <p:spPr bwMode="auto">
+            <a:xfrm>
+              <a:off x="384" y="768"/>
+              <a:ext cx="5184" cy="250"/>
+            </a:xfrm>
+            <a:prstGeom prst="rect">
+              <a:avLst/>
+            </a:prstGeom>
+            <a:noFill/>
+            <a:ln w="19050">
+              <a:noFill/>
+              <a:miter lim="800000"/>
+              <a:headEnd/>
+              <a:tailEnd type="none" w="lg" len="med"/>
+            </a:ln>
+          </p:spPr>
+          <p:txBody>
+            <a:bodyPr>
+              <a:spAutoFit/>
+            </a:bodyPr>
+            <a:lstStyle/>
+            <a:p>
+              <a:pPr>
+                <a:spcBef>
+                  <a:spcPct val="20000"/>
+                </a:spcBef>
+              </a:pPr>
+              <a:r>
+                <a:rPr lang="en-US" sz="2000" b="1" i="1" dirty="0">
+                  <a:solidFill>
+                    <a:schemeClr val="tx1"/>
+                  </a:solidFill>
+                  <a:latin typeface="Arial Unicode MS" panose="020B0604020202020204" pitchFamily="34" charset="-128"/>
+                  <a:ea typeface="Arial Unicode MS" panose="020B0604020202020204" pitchFamily="34" charset="-128"/>
+                  <a:cs typeface="Arial Unicode MS" panose="020B0604020202020204" pitchFamily="34" charset="-128"/>
+                </a:rPr>
+                <a:t>Insertion anomalies</a:t>
+              </a:r>
+            </a:p>
+          </p:txBody>
+        </p:sp>
+        <p:sp>
+          <p:nvSpPr>
+            <p:cNvPr id="10247" name="Line 6"/>
+            <p:cNvSpPr>
+              <a:spLocks noChangeShapeType="1"/>
+            </p:cNvSpPr>
+            <p:nvPr/>
+          </p:nvSpPr>
+          <p:spPr bwMode="auto">
+            <a:xfrm>
+              <a:off x="394" y="1052"/>
+              <a:ext cx="4906" cy="0"/>
+            </a:xfrm>
+            <a:prstGeom prst="line">
+              <a:avLst/>
+            </a:prstGeom>
+            <a:noFill/>
+            <a:ln w="28575">
+              <a:solidFill>
+                <a:srgbClr val="000066"/>
+              </a:solidFill>
+              <a:round/>
+              <a:headEnd/>
+              <a:tailEnd type="none" w="lg" len="med"/>
+            </a:ln>
+          </p:spPr>
+          <p:txBody>
+            <a:bodyPr/>
+            <a:lstStyle/>
+            <a:p>
+              <a:endParaRPr lang="en-US" dirty="0">
+                <a:solidFill>
+                  <a:schemeClr val="tx1"/>
+                </a:solidFill>
+                <a:latin typeface="Arial Unicode MS" panose="020B0604020202020204" pitchFamily="34" charset="-128"/>
+                <a:ea typeface="Arial Unicode MS" panose="020B0604020202020204" pitchFamily="34" charset="-128"/>
+                <a:cs typeface="Arial Unicode MS" panose="020B0604020202020204" pitchFamily="34" charset="-128"/>
+              </a:endParaRPr>
+            </a:p>
+          </p:txBody>
+        </p:sp>
+      </p:grpSp>
+      <p:sp>
+        <p:nvSpPr>
+          <p:cNvPr id="1072135" name="Rectangle 7"/>
+          <p:cNvSpPr>
+            <a:spLocks noChangeArrowheads="1"/>
+          </p:cNvSpPr>
+          <p:nvPr/>
+        </p:nvSpPr>
+        <p:spPr bwMode="auto">
+          <a:xfrm>
+            <a:off x="228600" y="1752599"/>
+            <a:ext cx="8763000" cy="3916679"/>
+          </a:xfrm>
+          <a:prstGeom prst="rect">
+            <a:avLst/>
+          </a:prstGeom>
+          <a:solidFill>
+            <a:schemeClr val="bg1"/>
+          </a:solidFill>
+          <a:ln w="9525">
+            <a:noFill/>
+            <a:miter lim="800000"/>
+            <a:headEnd/>
+            <a:tailEnd/>
+          </a:ln>
+        </p:spPr>
+        <p:txBody>
+          <a:bodyPr/>
+          <a:lstStyle/>
+          <a:p>
+            <a:pPr marL="457200" indent="-457200">
+              <a:spcBef>
+                <a:spcPct val="50000"/>
+              </a:spcBef>
+              <a:buClr>
+                <a:srgbClr val="000066"/>
+              </a:buClr>
+              <a:buFontTx/>
+              <a:buChar char="–"/>
+            </a:pPr>
+            <a:r>
+              <a:rPr lang="en-US" sz="1800" b="1" dirty="0">
+                <a:solidFill>
+                  <a:schemeClr val="tx1"/>
+                </a:solidFill>
+                <a:latin typeface="Arial Unicode MS" panose="020B0604020202020204" pitchFamily="34" charset="-128"/>
+                <a:ea typeface="Arial Unicode MS" panose="020B0604020202020204" pitchFamily="34" charset="-128"/>
+                <a:cs typeface="Arial Unicode MS" panose="020B0604020202020204" pitchFamily="34" charset="-128"/>
+              </a:rPr>
+              <a:t>Real</a:t>
+            </a:r>
+            <a:r>
+              <a:rPr lang="en-US" sz="1800" dirty="0">
+                <a:solidFill>
+                  <a:schemeClr val="tx1"/>
+                </a:solidFill>
+                <a:latin typeface="Arial Unicode MS" panose="020B0604020202020204" pitchFamily="34" charset="-128"/>
+                <a:ea typeface="Arial Unicode MS" panose="020B0604020202020204" pitchFamily="34" charset="-128"/>
+                <a:cs typeface="Arial Unicode MS" panose="020B0604020202020204" pitchFamily="34" charset="-128"/>
+              </a:rPr>
+              <a:t> Example: </a:t>
+            </a:r>
+            <a:r>
+              <a:rPr lang="en-US" sz="1800" dirty="0">
+                <a:solidFill>
+                  <a:schemeClr val="tx1"/>
+                </a:solidFill>
+                <a:latin typeface="Arial Unicode MS" panose="020B0604020202020204" pitchFamily="34" charset="-128"/>
+                <a:ea typeface="Arial Unicode MS" panose="020B0604020202020204" pitchFamily="34" charset="-128"/>
+                <a:cs typeface="Arial Unicode MS" panose="020B0604020202020204" pitchFamily="34" charset="-128"/>
+                <a:hlinkClick r:id="rId3"/>
+              </a:rPr>
+              <a:t>https://deadbar.com/greece/it-was-found-that-the-retired-cretan-owed-to-the-tax-administration-3-billion-euros/</a:t>
+            </a:r>
+            <a:r>
+              <a:rPr lang="en-US" sz="1800" dirty="0">
+                <a:solidFill>
+                  <a:schemeClr val="tx1"/>
+                </a:solidFill>
+                <a:latin typeface="Arial Unicode MS" panose="020B0604020202020204" pitchFamily="34" charset="-128"/>
+                <a:ea typeface="Arial Unicode MS" panose="020B0604020202020204" pitchFamily="34" charset="-128"/>
+                <a:cs typeface="Arial Unicode MS" panose="020B0604020202020204" pitchFamily="34" charset="-128"/>
+              </a:rPr>
+              <a:t> </a:t>
+            </a:r>
+          </a:p>
+          <a:p>
+            <a:pPr marL="457200" lvl="1" indent="-457200">
+              <a:spcBef>
+                <a:spcPct val="50000"/>
+              </a:spcBef>
+              <a:buClr>
+                <a:srgbClr val="000066"/>
+              </a:buClr>
+              <a:buFontTx/>
+              <a:buChar char="–"/>
+            </a:pPr>
+            <a:r>
+              <a:rPr lang="en-US" sz="1800" dirty="0">
+                <a:solidFill>
+                  <a:schemeClr val="tx1"/>
+                </a:solidFill>
+                <a:latin typeface="Arial Unicode MS" panose="020B0604020202020204" pitchFamily="34" charset="-128"/>
+                <a:ea typeface="Arial Unicode MS" panose="020B0604020202020204" pitchFamily="34" charset="-128"/>
+                <a:cs typeface="Arial Unicode MS" panose="020B0604020202020204" pitchFamily="34" charset="-128"/>
+              </a:rPr>
+              <a:t>In 1995, pensioner recorded to owe “999,999,999,999” Greek drachmas (the amount used whenever the exact amount was unknown)</a:t>
+            </a:r>
+          </a:p>
+          <a:p>
+            <a:pPr marL="457200" lvl="1" indent="-457200">
+              <a:spcBef>
+                <a:spcPct val="50000"/>
+              </a:spcBef>
+              <a:buClr>
+                <a:srgbClr val="000066"/>
+              </a:buClr>
+              <a:buFontTx/>
+              <a:buChar char="–"/>
+            </a:pPr>
+            <a:r>
+              <a:rPr lang="en-US" sz="1800" dirty="0">
+                <a:solidFill>
+                  <a:schemeClr val="tx1"/>
+                </a:solidFill>
+                <a:latin typeface="Arial Unicode MS" panose="020B0604020202020204" pitchFamily="34" charset="-128"/>
+                <a:ea typeface="Arial Unicode MS" panose="020B0604020202020204" pitchFamily="34" charset="-128"/>
+                <a:cs typeface="Arial Unicode MS" panose="020B0604020202020204" pitchFamily="34" charset="-128"/>
+              </a:rPr>
+              <a:t>In 2001, Greece transitions to Euro.</a:t>
+            </a:r>
+          </a:p>
+          <a:p>
+            <a:pPr marL="457200" lvl="1" indent="-457200">
+              <a:spcBef>
+                <a:spcPct val="50000"/>
+              </a:spcBef>
+              <a:buClr>
+                <a:srgbClr val="000066"/>
+              </a:buClr>
+              <a:buFontTx/>
+              <a:buChar char="–"/>
+            </a:pPr>
+            <a:r>
+              <a:rPr lang="en-US" sz="1800" dirty="0">
+                <a:solidFill>
+                  <a:schemeClr val="tx1"/>
+                </a:solidFill>
+                <a:latin typeface="Arial Unicode MS" panose="020B0604020202020204" pitchFamily="34" charset="-128"/>
+                <a:ea typeface="Arial Unicode MS" panose="020B0604020202020204" pitchFamily="34" charset="-128"/>
+                <a:cs typeface="Arial Unicode MS" panose="020B0604020202020204" pitchFamily="34" charset="-128"/>
+              </a:rPr>
+              <a:t>The “999,999,999,999” becomes 2,941,176,470 euros (~$3.3 billion)</a:t>
+            </a:r>
+          </a:p>
+          <a:p>
+            <a:pPr marL="457200" lvl="1" indent="-457200">
+              <a:spcBef>
+                <a:spcPct val="50000"/>
+              </a:spcBef>
+              <a:buClr>
+                <a:srgbClr val="000066"/>
+              </a:buClr>
+              <a:buFontTx/>
+              <a:buChar char="–"/>
+            </a:pPr>
+            <a:r>
+              <a:rPr lang="en-US" sz="1800" dirty="0">
+                <a:solidFill>
+                  <a:schemeClr val="tx1"/>
+                </a:solidFill>
+                <a:latin typeface="Arial Unicode MS" panose="020B0604020202020204" pitchFamily="34" charset="-128"/>
+                <a:ea typeface="Arial Unicode MS" panose="020B0604020202020204" pitchFamily="34" charset="-128"/>
+                <a:cs typeface="Arial Unicode MS" panose="020B0604020202020204" pitchFamily="34" charset="-128"/>
+              </a:rPr>
+              <a:t>Government moves forward assuming ~€3B as “accounts receivable” (probably assuming some huge corporation owed that amount)</a:t>
+            </a:r>
+          </a:p>
+          <a:p>
+            <a:pPr marL="457200" lvl="1" indent="-457200">
+              <a:spcBef>
+                <a:spcPct val="50000"/>
+              </a:spcBef>
+              <a:buClr>
+                <a:srgbClr val="000066"/>
+              </a:buClr>
+              <a:buFontTx/>
+              <a:buChar char="–"/>
+            </a:pPr>
+            <a:r>
+              <a:rPr lang="en-US" sz="1800" dirty="0">
+                <a:solidFill>
+                  <a:schemeClr val="tx1"/>
+                </a:solidFill>
+                <a:latin typeface="Arial Unicode MS" panose="020B0604020202020204" pitchFamily="34" charset="-128"/>
+                <a:ea typeface="Arial Unicode MS" panose="020B0604020202020204" pitchFamily="34" charset="-128"/>
+                <a:cs typeface="Arial Unicode MS" panose="020B0604020202020204" pitchFamily="34" charset="-128"/>
+              </a:rPr>
+              <a:t>Government realizes that the €3B was a figment of imagination</a:t>
+            </a:r>
+          </a:p>
+          <a:p>
+            <a:pPr marL="457200" lvl="1" indent="-457200">
+              <a:spcBef>
+                <a:spcPct val="50000"/>
+              </a:spcBef>
+              <a:buClr>
+                <a:srgbClr val="000066"/>
+              </a:buClr>
+              <a:buFontTx/>
+              <a:buChar char="–"/>
+            </a:pPr>
+            <a:endParaRPr lang="en-US" sz="1800" dirty="0">
+              <a:solidFill>
+                <a:schemeClr val="tx1"/>
+              </a:solidFill>
+              <a:latin typeface="Arial Unicode MS" panose="020B0604020202020204" pitchFamily="34" charset="-128"/>
+              <a:ea typeface="Arial Unicode MS" panose="020B0604020202020204" pitchFamily="34" charset="-128"/>
+              <a:cs typeface="Arial Unicode MS" panose="020B0604020202020204" pitchFamily="34" charset="-128"/>
+            </a:endParaRPr>
+          </a:p>
+          <a:p>
+            <a:pPr marL="457200" lvl="1" indent="-457200">
+              <a:spcBef>
+                <a:spcPct val="50000"/>
+              </a:spcBef>
+              <a:buClr>
+                <a:srgbClr val="000066"/>
+              </a:buClr>
+              <a:buFontTx/>
+              <a:buChar char="–"/>
+            </a:pPr>
+            <a:endParaRPr lang="en-US" sz="1800" dirty="0">
+              <a:solidFill>
+                <a:schemeClr val="tx1"/>
+              </a:solidFill>
+              <a:latin typeface="Arial Unicode MS" panose="020B0604020202020204" pitchFamily="34" charset="-128"/>
+              <a:ea typeface="Arial Unicode MS" panose="020B0604020202020204" pitchFamily="34" charset="-128"/>
+              <a:cs typeface="Arial Unicode MS" panose="020B0604020202020204" pitchFamily="34" charset="-128"/>
+            </a:endParaRPr>
+          </a:p>
+          <a:p>
+            <a:pPr marL="457200" indent="-457200">
+              <a:spcBef>
+                <a:spcPct val="50000"/>
+              </a:spcBef>
+              <a:buClr>
+                <a:srgbClr val="000066"/>
+              </a:buClr>
+              <a:buFontTx/>
+              <a:buChar char="–"/>
+            </a:pPr>
+            <a:endParaRPr lang="en-US" sz="1800" dirty="0">
+              <a:solidFill>
+                <a:schemeClr val="tx1"/>
+              </a:solidFill>
+              <a:latin typeface="Arial Unicode MS" panose="020B0604020202020204" pitchFamily="34" charset="-128"/>
+              <a:ea typeface="Arial Unicode MS" panose="020B0604020202020204" pitchFamily="34" charset="-128"/>
+              <a:cs typeface="Arial Unicode MS" panose="020B0604020202020204" pitchFamily="34" charset="-128"/>
+            </a:endParaRPr>
+          </a:p>
+          <a:p>
+            <a:pPr marL="457200" indent="-457200">
+              <a:spcBef>
+                <a:spcPct val="50000"/>
+              </a:spcBef>
+              <a:buClr>
+                <a:srgbClr val="000066"/>
+              </a:buClr>
+              <a:buFontTx/>
+              <a:buChar char="–"/>
+            </a:pPr>
+            <a:endParaRPr lang="en-US" sz="1800" dirty="0">
+              <a:solidFill>
+                <a:schemeClr val="tx1"/>
+              </a:solidFill>
+              <a:latin typeface="Arial Unicode MS" panose="020B0604020202020204" pitchFamily="34" charset="-128"/>
+              <a:ea typeface="Arial Unicode MS" panose="020B0604020202020204" pitchFamily="34" charset="-128"/>
+              <a:cs typeface="Arial Unicode MS" panose="020B0604020202020204" pitchFamily="34" charset="-128"/>
+            </a:endParaRPr>
+          </a:p>
+        </p:txBody>
+      </p:sp>
+    </p:spTree>
+    <p:extLst>
+      <p:ext uri="{BB962C8B-B14F-4D97-AF65-F5344CB8AC3E}">
+        <p14:creationId xmlns:p14="http://schemas.microsoft.com/office/powerpoint/2010/main" val="508357002"/>
+      </p:ext>
+    </p:extLst>
+  </p:cSld>
+  <p:clrMapOvr>
+    <a:masterClrMapping/>
+  </p:clrMapOvr>
+</p:sld>
+</file>
+
+<file path=ppt/slides/slide6.xml><?xml version="1.0" encoding="utf-8"?>
+<p:sld xmlns:a="http://schemas.openxmlformats.org/drawingml/2006/main" xmlns:r="http://schemas.openxmlformats.org/officeDocument/2006/relationships" xmlns:p="http://schemas.openxmlformats.org/presentationml/2006/main">
+  <p:cSld>
+    <p:spTree>
+      <p:nvGrpSpPr>
+        <p:cNvPr id="1" name=""/>
+        <p:cNvGrpSpPr/>
+        <p:nvPr/>
+      </p:nvGrpSpPr>
+      <p:grpSpPr>
+        <a:xfrm>
+          <a:off x="0" y="0"/>
+          <a:ext cx="0" cy="0"/>
+          <a:chOff x="0" y="0"/>
+          <a:chExt cx="0" cy="0"/>
+        </a:xfrm>
+      </p:grpSpPr>
+      <p:sp>
+        <p:nvSpPr>
+          <p:cNvPr id="1074178" name="Rectangle 2"/>
+          <p:cNvSpPr>
+            <a:spLocks noGrp="1" noChangeArrowheads="1"/>
+          </p:cNvSpPr>
+          <p:nvPr>
+            <p:ph type="title"/>
+          </p:nvPr>
+        </p:nvSpPr>
+        <p:spPr>
+          <a:xfrm>
+            <a:off x="704850" y="32543"/>
+            <a:ext cx="7886700" cy="832871"/>
+          </a:xfrm>
+        </p:spPr>
+        <p:txBody>
+          <a:bodyPr/>
+          <a:lstStyle/>
+          <a:p>
+            <a:pPr eaLnBrk="1" hangingPunct="1">
+              <a:defRPr/>
+            </a:pPr>
+            <a:r>
+              <a:rPr lang="en-US" dirty="0">
+                <a:solidFill>
+                  <a:srgbClr val="57068C"/>
+                </a:solidFill>
+              </a:rPr>
+              <a:t>Anomalies in un-normalized data</a:t>
+            </a:r>
+          </a:p>
+        </p:txBody>
+      </p:sp>
+      <p:grpSp>
+        <p:nvGrpSpPr>
+          <p:cNvPr id="11267" name="Group 8"/>
+          <p:cNvGrpSpPr>
+            <a:grpSpLocks/>
+          </p:cNvGrpSpPr>
+          <p:nvPr/>
+        </p:nvGrpSpPr>
+        <p:grpSpPr bwMode="auto">
+          <a:xfrm>
+            <a:off x="609600" y="1219200"/>
+            <a:ext cx="8077200" cy="1295400"/>
+            <a:chOff x="384" y="768"/>
+            <a:chExt cx="5184" cy="816"/>
+          </a:xfrm>
+        </p:grpSpPr>
+        <p:grpSp>
+          <p:nvGrpSpPr>
+            <p:cNvPr id="11270" name="Group 9"/>
+            <p:cNvGrpSpPr>
+              <a:grpSpLocks/>
+            </p:cNvGrpSpPr>
+            <p:nvPr/>
+          </p:nvGrpSpPr>
+          <p:grpSpPr bwMode="auto">
+            <a:xfrm>
+              <a:off x="384" y="768"/>
+              <a:ext cx="5184" cy="284"/>
+              <a:chOff x="384" y="768"/>
+              <a:chExt cx="5184" cy="284"/>
+            </a:xfrm>
+          </p:grpSpPr>
+          <p:sp>
+            <p:nvSpPr>
+              <p:cNvPr id="11272" name="Text Box 10"/>
+              <p:cNvSpPr txBox="1">
+                <a:spLocks noChangeArrowheads="1"/>
+              </p:cNvSpPr>
+              <p:nvPr/>
+            </p:nvSpPr>
+            <p:spPr bwMode="auto">
+              <a:xfrm>
+                <a:off x="384" y="768"/>
+                <a:ext cx="5184" cy="250"/>
+              </a:xfrm>
+              <a:prstGeom prst="rect">
+                <a:avLst/>
+              </a:prstGeom>
+              <a:noFill/>
+              <a:ln w="19050">
+                <a:noFill/>
+                <a:miter lim="800000"/>
+                <a:headEnd/>
+                <a:tailEnd type="none" w="lg" len="med"/>
+              </a:ln>
+            </p:spPr>
+            <p:txBody>
+              <a:bodyPr>
+                <a:spAutoFit/>
+              </a:bodyPr>
+              <a:lstStyle/>
+              <a:p>
+                <a:pPr>
+                  <a:spcBef>
+                    <a:spcPct val="20000"/>
+                  </a:spcBef>
+                </a:pPr>
+                <a:r>
+                  <a:rPr lang="en-US" sz="2000" b="1" i="1" dirty="0">
+                    <a:solidFill>
+                      <a:schemeClr val="tx1"/>
+                    </a:solidFill>
+                    <a:latin typeface="Arial Unicode MS" panose="020B0604020202020204" pitchFamily="34" charset="-128"/>
+                    <a:ea typeface="Arial Unicode MS" panose="020B0604020202020204" pitchFamily="34" charset="-128"/>
+                    <a:cs typeface="Arial Unicode MS" panose="020B0604020202020204" pitchFamily="34" charset="-128"/>
+                  </a:rPr>
+                  <a:t>Deletion anomalies</a:t>
+                </a:r>
+              </a:p>
+            </p:txBody>
+          </p:sp>
+          <p:sp>
+            <p:nvSpPr>
+              <p:cNvPr id="11273" name="Line 11"/>
+              <p:cNvSpPr>
+                <a:spLocks noChangeShapeType="1"/>
+              </p:cNvSpPr>
+              <p:nvPr/>
+            </p:nvSpPr>
+            <p:spPr bwMode="auto">
+              <a:xfrm>
+                <a:off x="394" y="1052"/>
+                <a:ext cx="4906" cy="0"/>
+              </a:xfrm>
+              <a:prstGeom prst="line">
+                <a:avLst/>
+              </a:prstGeom>
+              <a:noFill/>
+              <a:ln w="28575">
+                <a:solidFill>
+                  <a:srgbClr val="000066"/>
+                </a:solidFill>
+                <a:round/>
+                <a:headEnd/>
+                <a:tailEnd type="none" w="lg" len="med"/>
+              </a:ln>
+            </p:spPr>
+            <p:txBody>
+              <a:bodyPr/>
+              <a:lstStyle/>
+              <a:p>
+                <a:endParaRPr lang="en-US" dirty="0">
+                  <a:solidFill>
+                    <a:schemeClr val="tx1"/>
+                  </a:solidFill>
+                  <a:latin typeface="Arial Unicode MS" panose="020B0604020202020204" pitchFamily="34" charset="-128"/>
+                  <a:ea typeface="Arial Unicode MS" panose="020B0604020202020204" pitchFamily="34" charset="-128"/>
+                  <a:cs typeface="Arial Unicode MS" panose="020B0604020202020204" pitchFamily="34" charset="-128"/>
+                </a:endParaRPr>
+              </a:p>
+            </p:txBody>
+          </p:sp>
+        </p:grpSp>
+        <p:sp>
+          <p:nvSpPr>
+            <p:cNvPr id="11271" name="Rectangle 12"/>
+            <p:cNvSpPr>
+              <a:spLocks noChangeArrowheads="1"/>
+            </p:cNvSpPr>
+            <p:nvPr/>
+          </p:nvSpPr>
+          <p:spPr bwMode="auto">
+            <a:xfrm>
+              <a:off x="384" y="1104"/>
+              <a:ext cx="5184" cy="480"/>
+            </a:xfrm>
+            <a:prstGeom prst="rect">
+              <a:avLst/>
+            </a:prstGeom>
+            <a:solidFill>
+              <a:schemeClr val="bg1"/>
+            </a:solidFill>
+            <a:ln w="9525">
+              <a:noFill/>
+              <a:miter lim="800000"/>
+              <a:headEnd/>
+              <a:tailEnd/>
+            </a:ln>
+          </p:spPr>
+          <p:txBody>
+            <a:bodyPr/>
+            <a:lstStyle/>
+            <a:p>
+              <a:pPr marL="457200" indent="-457200">
+                <a:spcBef>
+                  <a:spcPct val="50000"/>
+                </a:spcBef>
+                <a:buClr>
+                  <a:srgbClr val="000066"/>
+                </a:buClr>
+                <a:buFontTx/>
+                <a:buChar char="–"/>
+              </a:pPr>
+              <a:r>
+                <a:rPr lang="en-US" sz="1800" dirty="0">
+                  <a:solidFill>
+                    <a:schemeClr val="tx1"/>
+                  </a:solidFill>
+                  <a:latin typeface="Arial Unicode MS" panose="020B0604020202020204" pitchFamily="34" charset="-128"/>
+                  <a:ea typeface="Arial Unicode MS" panose="020B0604020202020204" pitchFamily="34" charset="-128"/>
+                  <a:cs typeface="Arial Unicode MS" panose="020B0604020202020204" pitchFamily="34" charset="-128"/>
+                </a:rPr>
+                <a:t>The loss of a piece of information about one object when a piece of information about a different object is deleted</a:t>
+              </a:r>
+            </a:p>
+            <a:p>
+              <a:pPr marL="457200" indent="-457200">
+                <a:spcBef>
+                  <a:spcPct val="50000"/>
+                </a:spcBef>
+                <a:buClr>
+                  <a:srgbClr val="000066"/>
+                </a:buClr>
+                <a:buFontTx/>
+                <a:buChar char="–"/>
+              </a:pPr>
+              <a:endParaRPr lang="en-US" sz="1800" dirty="0">
+                <a:solidFill>
+                  <a:schemeClr val="tx1"/>
+                </a:solidFill>
+                <a:latin typeface="Arial Unicode MS" panose="020B0604020202020204" pitchFamily="34" charset="-128"/>
+                <a:ea typeface="Arial Unicode MS" panose="020B0604020202020204" pitchFamily="34" charset="-128"/>
+                <a:cs typeface="Arial Unicode MS" panose="020B0604020202020204" pitchFamily="34" charset="-128"/>
+              </a:endParaRPr>
+            </a:p>
+          </p:txBody>
+        </p:sp>
+      </p:grpSp>
+      <p:sp>
+        <p:nvSpPr>
+          <p:cNvPr id="1074195" name="Rectangle 19"/>
+          <p:cNvSpPr>
+            <a:spLocks noChangeArrowheads="1"/>
+          </p:cNvSpPr>
+          <p:nvPr/>
+        </p:nvSpPr>
+        <p:spPr bwMode="auto">
+          <a:xfrm>
+            <a:off x="914400" y="2455863"/>
+            <a:ext cx="6415209" cy="782259"/>
+          </a:xfrm>
+          <a:prstGeom prst="rect">
+            <a:avLst/>
+          </a:prstGeom>
+          <a:noFill/>
+          <a:ln w="38100">
+            <a:noFill/>
+            <a:miter lim="800000"/>
+            <a:headEnd/>
+            <a:tailEnd/>
+          </a:ln>
+        </p:spPr>
+        <p:txBody>
+          <a:bodyPr wrap="none" lIns="90483" tIns="44447" rIns="90483" bIns="44447">
+            <a:spAutoFit/>
+          </a:bodyPr>
+          <a:lstStyle/>
+          <a:p>
+            <a:pPr>
+              <a:spcBef>
+                <a:spcPct val="50000"/>
+              </a:spcBef>
+              <a:buClr>
+                <a:srgbClr val="000066"/>
+              </a:buClr>
+              <a:buFontTx/>
+              <a:buChar char="–"/>
+            </a:pPr>
+            <a:r>
+              <a:rPr lang="en-US" sz="1800" dirty="0">
+                <a:solidFill>
+                  <a:schemeClr val="tx1"/>
+                </a:solidFill>
+                <a:latin typeface="Arial Unicode MS" panose="020B0604020202020204" pitchFamily="34" charset="-128"/>
+                <a:ea typeface="Arial Unicode MS" panose="020B0604020202020204" pitchFamily="34" charset="-128"/>
+                <a:cs typeface="Arial Unicode MS" panose="020B0604020202020204" pitchFamily="34" charset="-128"/>
+              </a:rPr>
+              <a:t>Example: Deleting order 2 =&gt; deleting customer Lee </a:t>
+            </a:r>
+            <a:r>
+              <a:rPr lang="en-US" sz="1800" dirty="0" err="1">
+                <a:solidFill>
+                  <a:schemeClr val="tx1"/>
+                </a:solidFill>
+                <a:latin typeface="Arial Unicode MS" panose="020B0604020202020204" pitchFamily="34" charset="-128"/>
+                <a:ea typeface="Arial Unicode MS" panose="020B0604020202020204" pitchFamily="34" charset="-128"/>
+                <a:cs typeface="Arial Unicode MS" panose="020B0604020202020204" pitchFamily="34" charset="-128"/>
+              </a:rPr>
+              <a:t>Sproull</a:t>
+            </a:r>
+            <a:endParaRPr lang="en-US" sz="1800" dirty="0">
+              <a:solidFill>
+                <a:schemeClr val="tx1"/>
+              </a:solidFill>
+              <a:latin typeface="Arial Unicode MS" panose="020B0604020202020204" pitchFamily="34" charset="-128"/>
+              <a:ea typeface="Arial Unicode MS" panose="020B0604020202020204" pitchFamily="34" charset="-128"/>
+              <a:cs typeface="Arial Unicode MS" panose="020B0604020202020204" pitchFamily="34" charset="-128"/>
+            </a:endParaRPr>
+          </a:p>
+          <a:p>
+            <a:pPr>
+              <a:spcBef>
+                <a:spcPct val="50000"/>
+              </a:spcBef>
+              <a:buClr>
+                <a:srgbClr val="000066"/>
+              </a:buClr>
+              <a:buFontTx/>
+              <a:buChar char="–"/>
+            </a:pPr>
+            <a:r>
+              <a:rPr lang="en-US" sz="1800" dirty="0">
+                <a:solidFill>
+                  <a:schemeClr val="tx1"/>
+                </a:solidFill>
+                <a:latin typeface="Arial Unicode MS" panose="020B0604020202020204" pitchFamily="34" charset="-128"/>
+                <a:ea typeface="Arial Unicode MS" panose="020B0604020202020204" pitchFamily="34" charset="-128"/>
+                <a:cs typeface="Arial Unicode MS" panose="020B0604020202020204" pitchFamily="34" charset="-128"/>
+              </a:rPr>
+              <a:t>Example: Deleting order 1 =&gt; deleting book “Code…”</a:t>
+            </a:r>
+          </a:p>
+        </p:txBody>
+      </p:sp>
+      <p:pic>
+        <p:nvPicPr>
+          <p:cNvPr id="11269" name="Picture 21"/>
+          <p:cNvPicPr>
+            <a:picLocks noChangeAspect="1" noChangeArrowheads="1"/>
+          </p:cNvPicPr>
+          <p:nvPr/>
+        </p:nvPicPr>
+        <p:blipFill>
+          <a:blip r:embed="rId3" cstate="print"/>
+          <a:srcRect/>
+          <a:stretch>
+            <a:fillRect/>
+          </a:stretch>
+        </p:blipFill>
+        <p:spPr bwMode="auto">
+          <a:xfrm>
+            <a:off x="0" y="3489325"/>
+            <a:ext cx="9144000" cy="2911475"/>
+          </a:xfrm>
+          <a:prstGeom prst="rect">
+            <a:avLst/>
+          </a:prstGeom>
+          <a:noFill/>
+          <a:ln w="38100">
+            <a:noFill/>
+            <a:miter lim="800000"/>
+            <a:headEnd/>
+            <a:tailEnd/>
+          </a:ln>
+        </p:spPr>
+      </p:pic>
+    </p:spTree>
+    <p:extLst>
+      <p:ext uri="{BB962C8B-B14F-4D97-AF65-F5344CB8AC3E}">
+        <p14:creationId xmlns:p14="http://schemas.microsoft.com/office/powerpoint/2010/main" val="1121618336"/>
+      </p:ext>
+    </p:extLst>
+  </p:cSld>
+  <p:clrMapOvr>
+    <a:masterClrMapping/>
+  </p:clrMapOvr>
+  <p:timing>
+    <p:tnLst>
+      <p:par>
+        <p:cTn id="1" dur="indefinite" restart="never" nodeType="tmRoot">
+          <p:childTnLst>
+            <p:seq concurrent="1" nextAc="seek">
+              <p:cTn id="2" dur="indefinite" nodeType="mainSeq">
+                <p:childTnLst>
+                  <p:par>
+                    <p:cTn id="3" fill="hold">
+                      <p:stCondLst>
+                        <p:cond delay="indefinite"/>
+                      </p:stCondLst>
+                      <p:childTnLst>
+                        <p:par>
+                          <p:cTn id="4" fill="hold">
+                            <p:stCondLst>
+                              <p:cond delay="0"/>
+                            </p:stCondLst>
+                            <p:childTnLst>
+                              <p:par>
+                                <p:cTn id="5" presetID="1" presetClass="entr" presetSubtype="0" fill="hold" grpId="0" nodeType="clickEffect">
+                                  <p:stCondLst>
+                                    <p:cond delay="0"/>
+                                  </p:stCondLst>
+                                  <p:childTnLst>
+                                    <p:set>
+                                      <p:cBhvr>
+                                        <p:cTn id="6" dur="1" fill="hold">
+                                          <p:stCondLst>
+                                            <p:cond delay="499"/>
+                                          </p:stCondLst>
+                                        </p:cTn>
+                                        <p:tgtEl>
+                                          <p:spTgt spid="1074195"/>
+                                        </p:tgtEl>
+                                        <p:attrNameLst>
+                                          <p:attrName>style.visibility</p:attrName>
+                                        </p:attrNameLst>
+                                      </p:cBhvr>
+                                      <p:to>
+                                        <p:strVal val="visible"/>
+                                      </p:to>
+                                    </p:set>
+                                  </p:childTnLst>
+                                </p:cTn>
+                              </p:par>
+                            </p:childTnLst>
+                          </p:cTn>
+                        </p:par>
+                      </p:childTnLst>
+                    </p:cTn>
+                  </p:par>
+                </p:childTnLst>
+              </p:cTn>
+              <p:prevCondLst>
+                <p:cond evt="onPrev" delay="0">
+                  <p:tgtEl>
+                    <p:sldTgt/>
+                  </p:tgtEl>
+                </p:cond>
+              </p:prevCondLst>
+              <p:nextCondLst>
+                <p:cond evt="onNext" delay="0">
+                  <p:tgtEl>
+                    <p:sldTgt/>
+                  </p:tgtEl>
+                </p:cond>
+              </p:nextCondLst>
+            </p:seq>
+          </p:childTnLst>
+        </p:cTn>
+      </p:par>
+    </p:tnLst>
+    <p:bldLst>
+      <p:bldP spid="1074195" grpId="0" autoUpdateAnimBg="0"/>
+    </p:bldLst>
+  </p:timing>
+</p:sld>
+</file>
+
+<file path=ppt/slides/slide7.xml><?xml version="1.0" encoding="utf-8"?>
+<p:sld xmlns:a="http://schemas.openxmlformats.org/drawingml/2006/main" xmlns:r="http://schemas.openxmlformats.org/officeDocument/2006/relationships" xmlns:p="http://schemas.openxmlformats.org/presentationml/2006/main">
+  <p:cSld>
+    <p:spTree>
+      <p:nvGrpSpPr>
+        <p:cNvPr id="1" name=""/>
+        <p:cNvGrpSpPr/>
+        <p:nvPr/>
+      </p:nvGrpSpPr>
+      <p:grpSpPr>
+        <a:xfrm>
+          <a:off x="0" y="0"/>
+          <a:ext cx="0" cy="0"/>
+          <a:chOff x="0" y="0"/>
+          <a:chExt cx="0" cy="0"/>
+        </a:xfrm>
+      </p:grpSpPr>
+      <p:sp>
+        <p:nvSpPr>
+          <p:cNvPr id="1076226" name="Rectangle 2"/>
+          <p:cNvSpPr>
+            <a:spLocks noGrp="1" noChangeArrowheads="1"/>
+          </p:cNvSpPr>
+          <p:nvPr>
+            <p:ph type="title"/>
+          </p:nvPr>
+        </p:nvSpPr>
+        <p:spPr>
+          <a:xfrm>
+            <a:off x="628650" y="0"/>
+            <a:ext cx="7886700" cy="755641"/>
+          </a:xfrm>
+        </p:spPr>
+        <p:txBody>
+          <a:bodyPr/>
+          <a:lstStyle/>
+          <a:p>
+            <a:pPr eaLnBrk="1" hangingPunct="1">
+              <a:defRPr/>
+            </a:pPr>
+            <a:r>
+              <a:rPr lang="en-US" dirty="0">
+                <a:solidFill>
+                  <a:srgbClr val="57068C"/>
+                </a:solidFill>
+              </a:rPr>
+              <a:t>Anomalies in un-normalized data</a:t>
+            </a:r>
+          </a:p>
+        </p:txBody>
+      </p:sp>
+      <p:grpSp>
+        <p:nvGrpSpPr>
+          <p:cNvPr id="12294" name="Group 14"/>
+          <p:cNvGrpSpPr>
+            <a:grpSpLocks/>
+          </p:cNvGrpSpPr>
+          <p:nvPr/>
+        </p:nvGrpSpPr>
+        <p:grpSpPr bwMode="auto">
+          <a:xfrm>
+            <a:off x="685800" y="1143000"/>
+            <a:ext cx="8077200" cy="450850"/>
+            <a:chOff x="384" y="768"/>
+            <a:chExt cx="5184" cy="284"/>
+          </a:xfrm>
+        </p:grpSpPr>
+        <p:sp>
+          <p:nvSpPr>
+            <p:cNvPr id="12296" name="Text Box 15"/>
+            <p:cNvSpPr txBox="1">
+              <a:spLocks noChangeArrowheads="1"/>
+            </p:cNvSpPr>
+            <p:nvPr/>
+          </p:nvSpPr>
+          <p:spPr bwMode="auto">
+            <a:xfrm>
+              <a:off x="384" y="768"/>
+              <a:ext cx="5184" cy="250"/>
+            </a:xfrm>
+            <a:prstGeom prst="rect">
+              <a:avLst/>
+            </a:prstGeom>
+            <a:noFill/>
+            <a:ln w="19050">
+              <a:noFill/>
+              <a:miter lim="800000"/>
+              <a:headEnd/>
+              <a:tailEnd type="none" w="lg" len="med"/>
+            </a:ln>
+          </p:spPr>
+          <p:txBody>
+            <a:bodyPr>
+              <a:spAutoFit/>
+            </a:bodyPr>
+            <a:lstStyle/>
+            <a:p>
+              <a:pPr>
+                <a:spcBef>
+                  <a:spcPct val="20000"/>
+                </a:spcBef>
+              </a:pPr>
+              <a:r>
+                <a:rPr lang="en-US" sz="2000" b="1" i="1" dirty="0">
+                  <a:solidFill>
+                    <a:schemeClr val="tx1"/>
+                  </a:solidFill>
+                  <a:latin typeface="Arial Unicode MS" panose="020B0604020202020204" pitchFamily="34" charset="-128"/>
+                  <a:ea typeface="Arial Unicode MS" panose="020B0604020202020204" pitchFamily="34" charset="-128"/>
+                  <a:cs typeface="Arial Unicode MS" panose="020B0604020202020204" pitchFamily="34" charset="-128"/>
+                </a:rPr>
+                <a:t>Update anomalies</a:t>
+              </a:r>
+            </a:p>
+          </p:txBody>
+        </p:sp>
+        <p:sp>
+          <p:nvSpPr>
+            <p:cNvPr id="12297" name="Line 16"/>
+            <p:cNvSpPr>
+              <a:spLocks noChangeShapeType="1"/>
+            </p:cNvSpPr>
+            <p:nvPr/>
+          </p:nvSpPr>
+          <p:spPr bwMode="auto">
+            <a:xfrm>
+              <a:off x="394" y="1052"/>
+              <a:ext cx="4906" cy="0"/>
+            </a:xfrm>
+            <a:prstGeom prst="line">
+              <a:avLst/>
+            </a:prstGeom>
+            <a:noFill/>
+            <a:ln w="28575">
+              <a:solidFill>
+                <a:srgbClr val="000066"/>
+              </a:solidFill>
+              <a:round/>
+              <a:headEnd/>
+              <a:tailEnd type="none" w="lg" len="med"/>
+            </a:ln>
+          </p:spPr>
+          <p:txBody>
+            <a:bodyPr/>
+            <a:lstStyle/>
+            <a:p>
+              <a:endParaRPr lang="en-US" dirty="0">
+                <a:solidFill>
+                  <a:schemeClr val="tx1"/>
+                </a:solidFill>
+                <a:latin typeface="Arial Unicode MS" panose="020B0604020202020204" pitchFamily="34" charset="-128"/>
+                <a:ea typeface="Arial Unicode MS" panose="020B0604020202020204" pitchFamily="34" charset="-128"/>
+                <a:cs typeface="Arial Unicode MS" panose="020B0604020202020204" pitchFamily="34" charset="-128"/>
+              </a:endParaRPr>
+            </a:p>
+          </p:txBody>
+        </p:sp>
+      </p:grpSp>
+      <p:sp>
+        <p:nvSpPr>
+          <p:cNvPr id="12295" name="Rectangle 17"/>
+          <p:cNvSpPr>
+            <a:spLocks noChangeArrowheads="1"/>
+          </p:cNvSpPr>
+          <p:nvPr/>
+        </p:nvSpPr>
+        <p:spPr bwMode="auto">
+          <a:xfrm>
+            <a:off x="685800" y="1676400"/>
+            <a:ext cx="8077200" cy="762000"/>
+          </a:xfrm>
+          <a:prstGeom prst="rect">
+            <a:avLst/>
+          </a:prstGeom>
+          <a:solidFill>
+            <a:schemeClr val="bg1"/>
+          </a:solidFill>
+          <a:ln w="9525">
+            <a:noFill/>
+            <a:miter lim="800000"/>
+            <a:headEnd/>
+            <a:tailEnd/>
+          </a:ln>
+        </p:spPr>
+        <p:txBody>
+          <a:bodyPr/>
+          <a:lstStyle/>
+          <a:p>
+            <a:pPr marL="457200" indent="-457200">
+              <a:spcBef>
+                <a:spcPct val="50000"/>
+              </a:spcBef>
+              <a:buClr>
+                <a:srgbClr val="000066"/>
+              </a:buClr>
+              <a:buFontTx/>
+              <a:buChar char="–"/>
+            </a:pPr>
+            <a:r>
+              <a:rPr lang="en-US" sz="1800" dirty="0">
+                <a:solidFill>
+                  <a:schemeClr val="tx1"/>
+                </a:solidFill>
+                <a:latin typeface="Arial Unicode MS" panose="020B0604020202020204" pitchFamily="34" charset="-128"/>
+                <a:ea typeface="Arial Unicode MS" panose="020B0604020202020204" pitchFamily="34" charset="-128"/>
+                <a:cs typeface="Arial Unicode MS" panose="020B0604020202020204" pitchFamily="34" charset="-128"/>
+              </a:rPr>
+              <a:t>Need to change multiple times the same piece of information about an object</a:t>
+            </a:r>
+          </a:p>
+          <a:p>
+            <a:pPr marL="457200" indent="-457200">
+              <a:spcBef>
+                <a:spcPct val="50000"/>
+              </a:spcBef>
+              <a:buClr>
+                <a:srgbClr val="000066"/>
+              </a:buClr>
+              <a:buFontTx/>
+              <a:buChar char="–"/>
+            </a:pPr>
+            <a:r>
+              <a:rPr lang="en-US" sz="1800" dirty="0">
+                <a:solidFill>
+                  <a:schemeClr val="tx1"/>
+                </a:solidFill>
+                <a:latin typeface="Arial Unicode MS" panose="020B0604020202020204" pitchFamily="34" charset="-128"/>
+                <a:ea typeface="Arial Unicode MS" panose="020B0604020202020204" pitchFamily="34" charset="-128"/>
+                <a:cs typeface="Arial Unicode MS" panose="020B0604020202020204" pitchFamily="34" charset="-128"/>
+              </a:rPr>
+              <a:t>Example: Changing Jeff Bezos address in order 1 leaves orders 6 and 8 unchanged…</a:t>
+            </a:r>
+          </a:p>
+        </p:txBody>
+      </p:sp>
+      <p:pic>
+        <p:nvPicPr>
+          <p:cNvPr id="12293" name="Picture 21"/>
+          <p:cNvPicPr>
+            <a:picLocks noChangeAspect="1" noChangeArrowheads="1"/>
+          </p:cNvPicPr>
+          <p:nvPr/>
+        </p:nvPicPr>
+        <p:blipFill>
+          <a:blip r:embed="rId3" cstate="print"/>
+          <a:srcRect/>
+          <a:stretch>
+            <a:fillRect/>
+          </a:stretch>
+        </p:blipFill>
+        <p:spPr bwMode="auto">
+          <a:xfrm>
+            <a:off x="0" y="3489325"/>
+            <a:ext cx="9144000" cy="2911475"/>
+          </a:xfrm>
+          <a:prstGeom prst="rect">
+            <a:avLst/>
+          </a:prstGeom>
+          <a:noFill/>
+          <a:ln w="38100">
+            <a:noFill/>
+            <a:miter lim="800000"/>
+            <a:headEnd/>
+            <a:tailEnd/>
+          </a:ln>
+        </p:spPr>
+      </p:pic>
+    </p:spTree>
+    <p:extLst>
+      <p:ext uri="{BB962C8B-B14F-4D97-AF65-F5344CB8AC3E}">
+        <p14:creationId xmlns:p14="http://schemas.microsoft.com/office/powerpoint/2010/main" val="3527174803"/>
+      </p:ext>
+    </p:extLst>
+  </p:cSld>
+  <p:clrMapOvr>
+    <a:masterClrMapping/>
+  </p:clrMapOvr>
+</p:sld>
+</file>
+
+<file path=ppt/slides/slide8.xml><?xml version="1.0" encoding="utf-8"?>
+<p:sld xmlns:a="http://schemas.openxmlformats.org/drawingml/2006/main" xmlns:r="http://schemas.openxmlformats.org/officeDocument/2006/relationships" xmlns:p="http://schemas.openxmlformats.org/presentationml/2006/main">
+  <p:cSld>
+    <p:spTree>
+      <p:nvGrpSpPr>
+        <p:cNvPr id="1" name=""/>
+        <p:cNvGrpSpPr/>
+        <p:nvPr/>
+      </p:nvGrpSpPr>
+      <p:grpSpPr>
+        <a:xfrm>
+          <a:off x="0" y="0"/>
+          <a:ext cx="0" cy="0"/>
+          <a:chOff x="0" y="0"/>
+          <a:chExt cx="0" cy="0"/>
+        </a:xfrm>
+      </p:grpSpPr>
+      <p:sp>
+        <p:nvSpPr>
+          <p:cNvPr id="971778" name="Rectangle 2"/>
+          <p:cNvSpPr>
+            <a:spLocks noGrp="1" noChangeArrowheads="1"/>
+          </p:cNvSpPr>
+          <p:nvPr>
+            <p:ph type="title"/>
+          </p:nvPr>
+        </p:nvSpPr>
+        <p:spPr>
+          <a:xfrm>
+            <a:off x="695668" y="133806"/>
+            <a:ext cx="7886700" cy="619124"/>
+          </a:xfrm>
+        </p:spPr>
+        <p:txBody>
+          <a:bodyPr>
+            <a:normAutofit fontScale="90000"/>
+          </a:bodyPr>
+          <a:lstStyle/>
+          <a:p>
+            <a:pPr eaLnBrk="1" hangingPunct="1">
+              <a:defRPr/>
+            </a:pPr>
+            <a:r>
+              <a:rPr lang="en-US" dirty="0">
+                <a:solidFill>
+                  <a:srgbClr val="57068C"/>
+                </a:solidFill>
+              </a:rPr>
+              <a:t>The “normalized” version of the spreadsheet</a:t>
+            </a:r>
+          </a:p>
+        </p:txBody>
+      </p:sp>
+      <p:grpSp>
+        <p:nvGrpSpPr>
+          <p:cNvPr id="13320" name="Group 16"/>
+          <p:cNvGrpSpPr>
+            <a:grpSpLocks/>
+          </p:cNvGrpSpPr>
+          <p:nvPr/>
+        </p:nvGrpSpPr>
+        <p:grpSpPr bwMode="auto">
+          <a:xfrm>
+            <a:off x="136071" y="1142999"/>
+            <a:ext cx="8779329" cy="1676401"/>
+            <a:chOff x="384" y="768"/>
+            <a:chExt cx="5184" cy="816"/>
+          </a:xfrm>
+        </p:grpSpPr>
+        <p:grpSp>
+          <p:nvGrpSpPr>
+            <p:cNvPr id="13321" name="Group 17"/>
+            <p:cNvGrpSpPr>
+              <a:grpSpLocks/>
+            </p:cNvGrpSpPr>
+            <p:nvPr/>
+          </p:nvGrpSpPr>
+          <p:grpSpPr bwMode="auto">
+            <a:xfrm>
+              <a:off x="384" y="768"/>
+              <a:ext cx="5184" cy="284"/>
+              <a:chOff x="384" y="768"/>
+              <a:chExt cx="5184" cy="284"/>
+            </a:xfrm>
+          </p:grpSpPr>
+          <p:sp>
+            <p:nvSpPr>
+              <p:cNvPr id="13323" name="Text Box 18"/>
+              <p:cNvSpPr txBox="1">
+                <a:spLocks noChangeArrowheads="1"/>
+              </p:cNvSpPr>
+              <p:nvPr/>
+            </p:nvSpPr>
+            <p:spPr bwMode="auto">
+              <a:xfrm>
+                <a:off x="384" y="768"/>
+                <a:ext cx="5184" cy="195"/>
+              </a:xfrm>
+              <a:prstGeom prst="rect">
+                <a:avLst/>
+              </a:prstGeom>
+              <a:noFill/>
+              <a:ln w="19050">
+                <a:noFill/>
+                <a:miter lim="800000"/>
+                <a:headEnd/>
+                <a:tailEnd type="none" w="lg" len="med"/>
+              </a:ln>
+            </p:spPr>
+            <p:txBody>
+              <a:bodyPr>
+                <a:spAutoFit/>
+              </a:bodyPr>
+              <a:lstStyle/>
+              <a:p>
+                <a:pPr>
+                  <a:spcBef>
+                    <a:spcPct val="20000"/>
+                  </a:spcBef>
+                </a:pPr>
+                <a:r>
+                  <a:rPr lang="en-US" sz="2000" b="1" i="1" dirty="0">
+                    <a:solidFill>
+                      <a:schemeClr val="tx1"/>
+                    </a:solidFill>
+                    <a:latin typeface="Arial Unicode MS" panose="020B0604020202020204" pitchFamily="34" charset="-128"/>
+                    <a:ea typeface="Arial Unicode MS" panose="020B0604020202020204" pitchFamily="34" charset="-128"/>
+                    <a:cs typeface="Arial Unicode MS" panose="020B0604020202020204" pitchFamily="34" charset="-128"/>
+                  </a:rPr>
+                  <a:t>Corresponding ER diagram</a:t>
+                </a:r>
+              </a:p>
+            </p:txBody>
+          </p:sp>
+          <p:sp>
+            <p:nvSpPr>
+              <p:cNvPr id="13324" name="Line 19"/>
+              <p:cNvSpPr>
+                <a:spLocks noChangeShapeType="1"/>
+              </p:cNvSpPr>
+              <p:nvPr/>
+            </p:nvSpPr>
+            <p:spPr bwMode="auto">
+              <a:xfrm>
+                <a:off x="394" y="1052"/>
+                <a:ext cx="4906" cy="0"/>
+              </a:xfrm>
+              <a:prstGeom prst="line">
+                <a:avLst/>
+              </a:prstGeom>
+              <a:noFill/>
+              <a:ln w="28575">
+                <a:solidFill>
+                  <a:srgbClr val="000066"/>
+                </a:solidFill>
+                <a:round/>
+                <a:headEnd/>
+                <a:tailEnd type="none" w="lg" len="med"/>
+              </a:ln>
+            </p:spPr>
+            <p:txBody>
+              <a:bodyPr/>
+              <a:lstStyle/>
+              <a:p>
+                <a:endParaRPr lang="en-US" dirty="0">
+                  <a:solidFill>
+                    <a:schemeClr val="tx1"/>
+                  </a:solidFill>
+                  <a:latin typeface="Arial Unicode MS" panose="020B0604020202020204" pitchFamily="34" charset="-128"/>
+                  <a:ea typeface="Arial Unicode MS" panose="020B0604020202020204" pitchFamily="34" charset="-128"/>
+                  <a:cs typeface="Arial Unicode MS" panose="020B0604020202020204" pitchFamily="34" charset="-128"/>
+                </a:endParaRPr>
+              </a:p>
+            </p:txBody>
+          </p:sp>
+        </p:grpSp>
+        <p:sp>
+          <p:nvSpPr>
+            <p:cNvPr id="13322" name="Rectangle 20"/>
+            <p:cNvSpPr>
+              <a:spLocks noChangeArrowheads="1"/>
+            </p:cNvSpPr>
+            <p:nvPr/>
+          </p:nvSpPr>
+          <p:spPr bwMode="auto">
+            <a:xfrm>
+              <a:off x="384" y="1104"/>
+              <a:ext cx="5184" cy="480"/>
+            </a:xfrm>
+            <a:prstGeom prst="rect">
+              <a:avLst/>
+            </a:prstGeom>
+            <a:solidFill>
+              <a:schemeClr val="bg1"/>
+            </a:solidFill>
+            <a:ln w="9525">
+              <a:noFill/>
+              <a:miter lim="800000"/>
+              <a:headEnd/>
+              <a:tailEnd/>
+            </a:ln>
+          </p:spPr>
+          <p:txBody>
+            <a:bodyPr/>
+            <a:lstStyle/>
+            <a:p>
+              <a:pPr marL="457200" indent="-457200">
+                <a:spcBef>
+                  <a:spcPct val="50000"/>
+                </a:spcBef>
+                <a:buClr>
+                  <a:srgbClr val="000066"/>
+                </a:buClr>
+                <a:buFontTx/>
+                <a:buChar char="–"/>
+              </a:pPr>
+              <a:r>
+                <a:rPr lang="en-US" sz="1800" dirty="0">
+                  <a:solidFill>
+                    <a:schemeClr val="tx1"/>
+                  </a:solidFill>
+                  <a:latin typeface="Arial Unicode MS" panose="020B0604020202020204" pitchFamily="34" charset="-128"/>
+                  <a:ea typeface="Arial Unicode MS" panose="020B0604020202020204" pitchFamily="34" charset="-128"/>
+                  <a:cs typeface="Arial Unicode MS" panose="020B0604020202020204" pitchFamily="34" charset="-128"/>
+                </a:rPr>
+                <a:t>Entities: Customer, Book</a:t>
+              </a:r>
+            </a:p>
+            <a:p>
+              <a:pPr marL="457200" indent="-457200">
+                <a:spcBef>
+                  <a:spcPct val="50000"/>
+                </a:spcBef>
+                <a:buClr>
+                  <a:srgbClr val="000066"/>
+                </a:buClr>
+                <a:buFontTx/>
+                <a:buChar char="–"/>
+              </a:pPr>
+              <a:r>
+                <a:rPr lang="en-US" sz="1800" dirty="0">
+                  <a:solidFill>
+                    <a:schemeClr val="tx1"/>
+                  </a:solidFill>
+                  <a:latin typeface="Arial Unicode MS" panose="020B0604020202020204" pitchFamily="34" charset="-128"/>
+                  <a:ea typeface="Arial Unicode MS" panose="020B0604020202020204" pitchFamily="34" charset="-128"/>
+                  <a:cs typeface="Arial Unicode MS" panose="020B0604020202020204" pitchFamily="34" charset="-128"/>
+                </a:rPr>
+                <a:t>Relationship: Customer </a:t>
+              </a:r>
+              <a:r>
+                <a:rPr lang="en-US" sz="1800" b="1" dirty="0">
+                  <a:solidFill>
+                    <a:schemeClr val="tx1"/>
+                  </a:solidFill>
+                  <a:latin typeface="Arial Unicode MS" panose="020B0604020202020204" pitchFamily="34" charset="-128"/>
+                  <a:ea typeface="Arial Unicode MS" panose="020B0604020202020204" pitchFamily="34" charset="-128"/>
+                  <a:cs typeface="Arial Unicode MS" panose="020B0604020202020204" pitchFamily="34" charset="-128"/>
+                </a:rPr>
+                <a:t>orders</a:t>
+              </a:r>
+              <a:r>
+                <a:rPr lang="en-US" sz="1800" dirty="0">
+                  <a:solidFill>
+                    <a:schemeClr val="tx1"/>
+                  </a:solidFill>
+                  <a:latin typeface="Arial Unicode MS" panose="020B0604020202020204" pitchFamily="34" charset="-128"/>
+                  <a:ea typeface="Arial Unicode MS" panose="020B0604020202020204" pitchFamily="34" charset="-128"/>
+                  <a:cs typeface="Arial Unicode MS" panose="020B0604020202020204" pitchFamily="34" charset="-128"/>
+                </a:rPr>
+                <a:t> Book (many-to-many)</a:t>
+              </a:r>
+            </a:p>
+            <a:p>
+              <a:pPr marL="457200" indent="-457200">
+                <a:spcBef>
+                  <a:spcPct val="50000"/>
+                </a:spcBef>
+                <a:buClr>
+                  <a:srgbClr val="000066"/>
+                </a:buClr>
+                <a:buFontTx/>
+                <a:buChar char="–"/>
+              </a:pPr>
+              <a:r>
+                <a:rPr lang="en-US" sz="1800" dirty="0">
+                  <a:solidFill>
+                    <a:schemeClr val="tx1"/>
+                  </a:solidFill>
+                  <a:latin typeface="Arial Unicode MS" panose="020B0604020202020204" pitchFamily="34" charset="-128"/>
+                  <a:ea typeface="Arial Unicode MS" panose="020B0604020202020204" pitchFamily="34" charset="-128"/>
+                  <a:cs typeface="Arial Unicode MS" panose="020B0604020202020204" pitchFamily="34" charset="-128"/>
+                </a:rPr>
+                <a:t>Customer table</a:t>
+              </a:r>
+            </a:p>
+            <a:p>
+              <a:pPr marL="457200" indent="-457200">
+                <a:spcBef>
+                  <a:spcPct val="50000"/>
+                </a:spcBef>
+                <a:buClr>
+                  <a:srgbClr val="000066"/>
+                </a:buClr>
+                <a:buFontTx/>
+                <a:buChar char="–"/>
+              </a:pPr>
+              <a:r>
+                <a:rPr lang="en-US" sz="1800" dirty="0">
+                  <a:solidFill>
+                    <a:schemeClr val="tx1"/>
+                  </a:solidFill>
+                  <a:latin typeface="Arial Unicode MS" panose="020B0604020202020204" pitchFamily="34" charset="-128"/>
+                  <a:ea typeface="Arial Unicode MS" panose="020B0604020202020204" pitchFamily="34" charset="-128"/>
+                  <a:cs typeface="Arial Unicode MS" panose="020B0604020202020204" pitchFamily="34" charset="-128"/>
+                </a:rPr>
+                <a:t>Book table</a:t>
+              </a:r>
+            </a:p>
+            <a:p>
+              <a:pPr marL="457200" indent="-457200">
+                <a:spcBef>
+                  <a:spcPct val="50000"/>
+                </a:spcBef>
+                <a:buClr>
+                  <a:srgbClr val="000066"/>
+                </a:buClr>
+                <a:buFontTx/>
+                <a:buChar char="–"/>
+              </a:pPr>
+              <a:r>
+                <a:rPr lang="en-US" sz="1800" dirty="0">
+                  <a:solidFill>
+                    <a:schemeClr val="tx1"/>
+                  </a:solidFill>
+                  <a:latin typeface="Arial Unicode MS" panose="020B0604020202020204" pitchFamily="34" charset="-128"/>
+                  <a:ea typeface="Arial Unicode MS" panose="020B0604020202020204" pitchFamily="34" charset="-128"/>
+                  <a:cs typeface="Arial Unicode MS" panose="020B0604020202020204" pitchFamily="34" charset="-128"/>
+                </a:rPr>
+                <a:t>Orders table (“bridge” table, implementing many-to-many relationship)</a:t>
+              </a:r>
+            </a:p>
+          </p:txBody>
+        </p:sp>
+      </p:grpSp>
+    </p:spTree>
+    <p:extLst>
+      <p:ext uri="{BB962C8B-B14F-4D97-AF65-F5344CB8AC3E}">
+        <p14:creationId xmlns:p14="http://schemas.microsoft.com/office/powerpoint/2010/main" val="3840663175"/>
+      </p:ext>
+    </p:extLst>
+  </p:cSld>
+  <p:clrMapOvr>
+    <a:masterClrMapping/>
+  </p:clrMapOvr>
+</p:sld>
+</file>
+
+<file path=ppt/slides/slide9.xml><?xml version="1.0" encoding="utf-8"?>
+<p:sld xmlns:a="http://schemas.openxmlformats.org/drawingml/2006/main" xmlns:r="http://schemas.openxmlformats.org/officeDocument/2006/relationships" xmlns:p="http://schemas.openxmlformats.org/presentationml/2006/main">
+  <p:cSld>
+    <p:spTree>
+      <p:nvGrpSpPr>
+        <p:cNvPr id="1" name=""/>
+        <p:cNvGrpSpPr/>
+        <p:nvPr/>
+      </p:nvGrpSpPr>
+      <p:grpSpPr>
+        <a:xfrm>
+          <a:off x="0" y="0"/>
+          <a:ext cx="0" cy="0"/>
+          <a:chOff x="0" y="0"/>
+          <a:chExt cx="0" cy="0"/>
+        </a:xfrm>
+      </p:grpSpPr>
+      <p:sp>
+        <p:nvSpPr>
+          <p:cNvPr id="971778" name="Rectangle 2"/>
+          <p:cNvSpPr>
+            <a:spLocks noGrp="1" noChangeArrowheads="1"/>
+          </p:cNvSpPr>
+          <p:nvPr>
+            <p:ph type="title"/>
+          </p:nvPr>
+        </p:nvSpPr>
+        <p:spPr>
+          <a:xfrm>
+            <a:off x="695668" y="133806"/>
+            <a:ext cx="7886700" cy="619124"/>
+          </a:xfrm>
+        </p:spPr>
+        <p:txBody>
+          <a:bodyPr>
+            <a:normAutofit fontScale="90000"/>
+          </a:bodyPr>
+          <a:lstStyle/>
+          <a:p>
+            <a:pPr eaLnBrk="1" hangingPunct="1">
+              <a:defRPr/>
+            </a:pPr>
+            <a:r>
+              <a:rPr lang="en-US" dirty="0">
+                <a:solidFill>
+                  <a:srgbClr val="57068C"/>
+                </a:solidFill>
+              </a:rPr>
+              <a:t>The “normalized” version of the spreadsheet</a:t>
+            </a:r>
+          </a:p>
+        </p:txBody>
+      </p:sp>
+      <p:pic>
+        <p:nvPicPr>
+          <p:cNvPr id="13315" name="Picture 3" descr="book"/>
+          <p:cNvPicPr>
+            <a:picLocks noChangeAspect="1" noChangeArrowheads="1"/>
+          </p:cNvPicPr>
+          <p:nvPr/>
+        </p:nvPicPr>
+        <p:blipFill>
+          <a:blip r:embed="rId3" cstate="print"/>
+          <a:srcRect/>
+          <a:stretch>
+            <a:fillRect/>
+          </a:stretch>
+        </p:blipFill>
+        <p:spPr bwMode="auto">
+          <a:xfrm>
+            <a:off x="1447800" y="3048000"/>
+            <a:ext cx="2760663" cy="1482725"/>
+          </a:xfrm>
+          <a:prstGeom prst="rect">
+            <a:avLst/>
+          </a:prstGeom>
+          <a:noFill/>
+          <a:ln w="9525">
+            <a:noFill/>
+            <a:miter lim="800000"/>
+            <a:headEnd/>
+            <a:tailEnd/>
+          </a:ln>
+        </p:spPr>
+      </p:pic>
+      <p:pic>
+        <p:nvPicPr>
+          <p:cNvPr id="13316" name="Picture 4" descr="customer"/>
+          <p:cNvPicPr>
+            <a:picLocks noChangeAspect="1" noChangeArrowheads="1"/>
+          </p:cNvPicPr>
+          <p:nvPr/>
+        </p:nvPicPr>
+        <p:blipFill>
+          <a:blip r:embed="rId4" cstate="print"/>
+          <a:srcRect/>
+          <a:stretch>
+            <a:fillRect/>
+          </a:stretch>
+        </p:blipFill>
+        <p:spPr bwMode="auto">
+          <a:xfrm>
+            <a:off x="5105400" y="3022600"/>
+            <a:ext cx="2778125" cy="1485900"/>
+          </a:xfrm>
+          <a:prstGeom prst="rect">
+            <a:avLst/>
+          </a:prstGeom>
+          <a:noFill/>
+          <a:ln w="9525">
+            <a:noFill/>
+            <a:miter lim="800000"/>
+            <a:headEnd/>
+            <a:tailEnd/>
+          </a:ln>
+        </p:spPr>
+      </p:pic>
+      <p:pic>
+        <p:nvPicPr>
+          <p:cNvPr id="13317" name="Picture 5" descr="orders"/>
+          <p:cNvPicPr>
+            <a:picLocks noChangeAspect="1" noChangeArrowheads="1"/>
+          </p:cNvPicPr>
+          <p:nvPr/>
+        </p:nvPicPr>
+        <p:blipFill>
+          <a:blip r:embed="rId5" cstate="print"/>
+          <a:srcRect/>
+          <a:stretch>
+            <a:fillRect/>
+          </a:stretch>
+        </p:blipFill>
+        <p:spPr bwMode="auto">
+          <a:xfrm>
+            <a:off x="3143250" y="4953000"/>
+            <a:ext cx="2724150" cy="1482725"/>
+          </a:xfrm>
+          <a:prstGeom prst="rect">
+            <a:avLst/>
+          </a:prstGeom>
+          <a:noFill/>
+          <a:ln w="9525">
+            <a:noFill/>
+            <a:miter lim="800000"/>
+            <a:headEnd/>
+            <a:tailEnd/>
+          </a:ln>
+        </p:spPr>
+      </p:pic>
+      <p:grpSp>
+        <p:nvGrpSpPr>
+          <p:cNvPr id="2" name="Group 6"/>
+          <p:cNvGrpSpPr>
+            <a:grpSpLocks/>
+          </p:cNvGrpSpPr>
+          <p:nvPr/>
+        </p:nvGrpSpPr>
+        <p:grpSpPr bwMode="auto">
+          <a:xfrm>
+            <a:off x="914400" y="3708400"/>
+            <a:ext cx="2514600" cy="2324100"/>
+            <a:chOff x="144" y="1488"/>
+            <a:chExt cx="1776" cy="2016"/>
+          </a:xfrm>
+        </p:grpSpPr>
+        <p:sp>
+          <p:nvSpPr>
+            <p:cNvPr id="13330" name="Line 7"/>
+            <p:cNvSpPr>
+              <a:spLocks noChangeShapeType="1"/>
+            </p:cNvSpPr>
+            <p:nvPr/>
+          </p:nvSpPr>
+          <p:spPr bwMode="auto">
+            <a:xfrm flipH="1">
+              <a:off x="144" y="3504"/>
+              <a:ext cx="1776" cy="0"/>
+            </a:xfrm>
+            <a:prstGeom prst="line">
+              <a:avLst/>
+            </a:prstGeom>
+            <a:noFill/>
+            <a:ln w="38100">
+              <a:solidFill>
+                <a:schemeClr val="tx1"/>
+              </a:solidFill>
+              <a:round/>
+              <a:headEnd/>
+              <a:tailEnd/>
+            </a:ln>
+          </p:spPr>
+          <p:txBody>
+            <a:bodyPr lIns="90483" tIns="44447" rIns="90483" bIns="44447"/>
+            <a:lstStyle/>
+            <a:p>
+              <a:endParaRPr lang="en-US" dirty="0">
+                <a:solidFill>
+                  <a:schemeClr val="tx1"/>
+                </a:solidFill>
+                <a:latin typeface="Arial Unicode MS" panose="020B0604020202020204" pitchFamily="34" charset="-128"/>
+                <a:ea typeface="Arial Unicode MS" panose="020B0604020202020204" pitchFamily="34" charset="-128"/>
+                <a:cs typeface="Arial Unicode MS" panose="020B0604020202020204" pitchFamily="34" charset="-128"/>
+              </a:endParaRPr>
+            </a:p>
+          </p:txBody>
+        </p:sp>
+        <p:sp>
+          <p:nvSpPr>
+            <p:cNvPr id="13331" name="Line 8"/>
+            <p:cNvSpPr>
+              <a:spLocks noChangeShapeType="1"/>
+            </p:cNvSpPr>
+            <p:nvPr/>
+          </p:nvSpPr>
+          <p:spPr bwMode="auto">
+            <a:xfrm flipV="1">
+              <a:off x="144" y="1488"/>
+              <a:ext cx="0" cy="2016"/>
+            </a:xfrm>
+            <a:prstGeom prst="line">
+              <a:avLst/>
+            </a:prstGeom>
+            <a:noFill/>
+            <a:ln w="38100">
+              <a:solidFill>
+                <a:schemeClr val="tx1"/>
+              </a:solidFill>
+              <a:round/>
+              <a:headEnd/>
+              <a:tailEnd/>
+            </a:ln>
+          </p:spPr>
+          <p:txBody>
+            <a:bodyPr lIns="90483" tIns="44447" rIns="90483" bIns="44447"/>
+            <a:lstStyle/>
+            <a:p>
+              <a:endParaRPr lang="en-US" dirty="0">
+                <a:solidFill>
+                  <a:schemeClr val="tx1"/>
+                </a:solidFill>
+                <a:latin typeface="Arial Unicode MS" panose="020B0604020202020204" pitchFamily="34" charset="-128"/>
+                <a:ea typeface="Arial Unicode MS" panose="020B0604020202020204" pitchFamily="34" charset="-128"/>
+                <a:cs typeface="Arial Unicode MS" panose="020B0604020202020204" pitchFamily="34" charset="-128"/>
+              </a:endParaRPr>
+            </a:p>
+          </p:txBody>
+        </p:sp>
+        <p:sp>
+          <p:nvSpPr>
+            <p:cNvPr id="13332" name="Line 9"/>
+            <p:cNvSpPr>
+              <a:spLocks noChangeShapeType="1"/>
+            </p:cNvSpPr>
+            <p:nvPr/>
+          </p:nvSpPr>
+          <p:spPr bwMode="auto">
+            <a:xfrm>
+              <a:off x="144" y="1488"/>
+              <a:ext cx="576" cy="0"/>
+            </a:xfrm>
+            <a:prstGeom prst="line">
+              <a:avLst/>
+            </a:prstGeom>
+            <a:noFill/>
+            <a:ln w="38100">
+              <a:solidFill>
+                <a:schemeClr val="tx1"/>
+              </a:solidFill>
+              <a:round/>
+              <a:headEnd/>
+              <a:tailEnd/>
+            </a:ln>
+          </p:spPr>
+          <p:txBody>
+            <a:bodyPr lIns="90483" tIns="44447" rIns="90483" bIns="44447"/>
+            <a:lstStyle/>
+            <a:p>
+              <a:endParaRPr lang="en-US" dirty="0">
+                <a:solidFill>
+                  <a:schemeClr val="tx1"/>
+                </a:solidFill>
+                <a:latin typeface="Arial Unicode MS" panose="020B0604020202020204" pitchFamily="34" charset="-128"/>
+                <a:ea typeface="Arial Unicode MS" panose="020B0604020202020204" pitchFamily="34" charset="-128"/>
+                <a:cs typeface="Arial Unicode MS" panose="020B0604020202020204" pitchFamily="34" charset="-128"/>
+              </a:endParaRPr>
+            </a:p>
+          </p:txBody>
+        </p:sp>
+      </p:grpSp>
+      <p:grpSp>
+        <p:nvGrpSpPr>
+          <p:cNvPr id="3" name="Group 10"/>
+          <p:cNvGrpSpPr>
+            <a:grpSpLocks/>
+          </p:cNvGrpSpPr>
+          <p:nvPr/>
+        </p:nvGrpSpPr>
+        <p:grpSpPr bwMode="auto">
+          <a:xfrm>
+            <a:off x="2438400" y="3695700"/>
+            <a:ext cx="2921000" cy="2133600"/>
+            <a:chOff x="1048" y="1504"/>
+            <a:chExt cx="2368" cy="1808"/>
+          </a:xfrm>
+        </p:grpSpPr>
+        <p:sp>
+          <p:nvSpPr>
+            <p:cNvPr id="13325" name="Line 11"/>
+            <p:cNvSpPr>
+              <a:spLocks noChangeShapeType="1"/>
+            </p:cNvSpPr>
+            <p:nvPr/>
+          </p:nvSpPr>
+          <p:spPr bwMode="auto">
+            <a:xfrm flipH="1">
+              <a:off x="1048" y="2304"/>
+              <a:ext cx="1776" cy="0"/>
+            </a:xfrm>
+            <a:prstGeom prst="line">
+              <a:avLst/>
+            </a:prstGeom>
+            <a:noFill/>
+            <a:ln w="38100">
+              <a:solidFill>
+                <a:schemeClr val="tx1"/>
+              </a:solidFill>
+              <a:round/>
+              <a:headEnd/>
+              <a:tailEnd/>
+            </a:ln>
+          </p:spPr>
+          <p:txBody>
+            <a:bodyPr lIns="90483" tIns="44447" rIns="90483" bIns="44447"/>
+            <a:lstStyle/>
+            <a:p>
+              <a:endParaRPr lang="en-US" dirty="0">
+                <a:solidFill>
+                  <a:schemeClr val="tx1"/>
+                </a:solidFill>
+                <a:latin typeface="Arial Unicode MS" panose="020B0604020202020204" pitchFamily="34" charset="-128"/>
+                <a:ea typeface="Arial Unicode MS" panose="020B0604020202020204" pitchFamily="34" charset="-128"/>
+                <a:cs typeface="Arial Unicode MS" panose="020B0604020202020204" pitchFamily="34" charset="-128"/>
+              </a:endParaRPr>
+            </a:p>
+          </p:txBody>
+        </p:sp>
+        <p:sp>
+          <p:nvSpPr>
+            <p:cNvPr id="13326" name="Line 12"/>
+            <p:cNvSpPr>
+              <a:spLocks noChangeShapeType="1"/>
+            </p:cNvSpPr>
+            <p:nvPr/>
+          </p:nvSpPr>
+          <p:spPr bwMode="auto">
+            <a:xfrm flipV="1">
+              <a:off x="2832" y="1504"/>
+              <a:ext cx="0" cy="816"/>
+            </a:xfrm>
+            <a:prstGeom prst="line">
+              <a:avLst/>
+            </a:prstGeom>
+            <a:noFill/>
+            <a:ln w="38100">
+              <a:solidFill>
+                <a:schemeClr val="tx1"/>
+              </a:solidFill>
+              <a:round/>
+              <a:headEnd/>
+              <a:tailEnd/>
+            </a:ln>
+          </p:spPr>
+          <p:txBody>
+            <a:bodyPr lIns="90483" tIns="44447" rIns="90483" bIns="44447"/>
+            <a:lstStyle/>
+            <a:p>
+              <a:endParaRPr lang="en-US" dirty="0">
+                <a:solidFill>
+                  <a:schemeClr val="tx1"/>
+                </a:solidFill>
+                <a:latin typeface="Arial Unicode MS" panose="020B0604020202020204" pitchFamily="34" charset="-128"/>
+                <a:ea typeface="Arial Unicode MS" panose="020B0604020202020204" pitchFamily="34" charset="-128"/>
+                <a:cs typeface="Arial Unicode MS" panose="020B0604020202020204" pitchFamily="34" charset="-128"/>
+              </a:endParaRPr>
+            </a:p>
+          </p:txBody>
+        </p:sp>
+        <p:sp>
+          <p:nvSpPr>
+            <p:cNvPr id="13327" name="Line 13"/>
+            <p:cNvSpPr>
+              <a:spLocks noChangeShapeType="1"/>
+            </p:cNvSpPr>
+            <p:nvPr/>
+          </p:nvSpPr>
+          <p:spPr bwMode="auto">
+            <a:xfrm>
+              <a:off x="1056" y="2304"/>
+              <a:ext cx="0" cy="1008"/>
+            </a:xfrm>
+            <a:prstGeom prst="line">
+              <a:avLst/>
+            </a:prstGeom>
+            <a:noFill/>
+            <a:ln w="38100">
+              <a:solidFill>
+                <a:schemeClr val="tx1"/>
+              </a:solidFill>
+              <a:round/>
+              <a:headEnd/>
+              <a:tailEnd/>
+            </a:ln>
+          </p:spPr>
+          <p:txBody>
+            <a:bodyPr lIns="90483" tIns="44447" rIns="90483" bIns="44447"/>
+            <a:lstStyle/>
+            <a:p>
+              <a:endParaRPr lang="en-US" dirty="0">
+                <a:solidFill>
+                  <a:schemeClr val="tx1"/>
+                </a:solidFill>
+                <a:latin typeface="Arial Unicode MS" panose="020B0604020202020204" pitchFamily="34" charset="-128"/>
+                <a:ea typeface="Arial Unicode MS" panose="020B0604020202020204" pitchFamily="34" charset="-128"/>
+                <a:cs typeface="Arial Unicode MS" panose="020B0604020202020204" pitchFamily="34" charset="-128"/>
+              </a:endParaRPr>
+            </a:p>
+          </p:txBody>
+        </p:sp>
+        <p:sp>
+          <p:nvSpPr>
+            <p:cNvPr id="13328" name="Line 14"/>
+            <p:cNvSpPr>
+              <a:spLocks noChangeShapeType="1"/>
+            </p:cNvSpPr>
+            <p:nvPr/>
+          </p:nvSpPr>
+          <p:spPr bwMode="auto">
+            <a:xfrm flipV="1">
+              <a:off x="2840" y="1512"/>
+              <a:ext cx="576" cy="0"/>
+            </a:xfrm>
+            <a:prstGeom prst="line">
+              <a:avLst/>
+            </a:prstGeom>
+            <a:noFill/>
+            <a:ln w="38100">
+              <a:solidFill>
+                <a:schemeClr val="tx1"/>
+              </a:solidFill>
+              <a:round/>
+              <a:headEnd/>
+              <a:tailEnd/>
+            </a:ln>
+          </p:spPr>
+          <p:txBody>
+            <a:bodyPr lIns="90483" tIns="44447" rIns="90483" bIns="44447"/>
+            <a:lstStyle/>
+            <a:p>
+              <a:endParaRPr lang="en-US" dirty="0">
+                <a:solidFill>
+                  <a:schemeClr val="tx1"/>
+                </a:solidFill>
+                <a:latin typeface="Arial Unicode MS" panose="020B0604020202020204" pitchFamily="34" charset="-128"/>
+                <a:ea typeface="Arial Unicode MS" panose="020B0604020202020204" pitchFamily="34" charset="-128"/>
+                <a:cs typeface="Arial Unicode MS" panose="020B0604020202020204" pitchFamily="34" charset="-128"/>
+              </a:endParaRPr>
+            </a:p>
+          </p:txBody>
+        </p:sp>
+        <p:sp>
+          <p:nvSpPr>
+            <p:cNvPr id="13329" name="Line 15"/>
+            <p:cNvSpPr>
+              <a:spLocks noChangeShapeType="1"/>
+            </p:cNvSpPr>
+            <p:nvPr/>
+          </p:nvSpPr>
+          <p:spPr bwMode="auto">
+            <a:xfrm flipH="1" flipV="1">
+              <a:off x="1048" y="3312"/>
+              <a:ext cx="816" cy="0"/>
+            </a:xfrm>
+            <a:prstGeom prst="line">
+              <a:avLst/>
+            </a:prstGeom>
+            <a:noFill/>
+            <a:ln w="38100">
+              <a:solidFill>
+                <a:schemeClr val="tx1"/>
+              </a:solidFill>
+              <a:round/>
+              <a:headEnd/>
+              <a:tailEnd/>
+            </a:ln>
+          </p:spPr>
+          <p:txBody>
+            <a:bodyPr lIns="90483" tIns="44447" rIns="90483" bIns="44447"/>
+            <a:lstStyle/>
+            <a:p>
+              <a:endParaRPr lang="en-US" dirty="0">
+                <a:solidFill>
+                  <a:schemeClr val="tx1"/>
+                </a:solidFill>
+                <a:latin typeface="Arial Unicode MS" panose="020B0604020202020204" pitchFamily="34" charset="-128"/>
+                <a:ea typeface="Arial Unicode MS" panose="020B0604020202020204" pitchFamily="34" charset="-128"/>
+                <a:cs typeface="Arial Unicode MS" panose="020B0604020202020204" pitchFamily="34" charset="-128"/>
+              </a:endParaRPr>
+            </a:p>
+          </p:txBody>
+        </p:sp>
+      </p:grpSp>
+      <p:grpSp>
+        <p:nvGrpSpPr>
+          <p:cNvPr id="13320" name="Group 16"/>
+          <p:cNvGrpSpPr>
+            <a:grpSpLocks/>
+          </p:cNvGrpSpPr>
+          <p:nvPr/>
+        </p:nvGrpSpPr>
+        <p:grpSpPr bwMode="auto">
+          <a:xfrm>
+            <a:off x="136071" y="1142999"/>
+            <a:ext cx="8779329" cy="1676401"/>
+            <a:chOff x="384" y="768"/>
+            <a:chExt cx="5184" cy="816"/>
+          </a:xfrm>
+        </p:grpSpPr>
+        <p:grpSp>
+          <p:nvGrpSpPr>
+            <p:cNvPr id="13321" name="Group 17"/>
+            <p:cNvGrpSpPr>
+              <a:grpSpLocks/>
+            </p:cNvGrpSpPr>
+            <p:nvPr/>
+          </p:nvGrpSpPr>
+          <p:grpSpPr bwMode="auto">
+            <a:xfrm>
+              <a:off x="384" y="768"/>
+              <a:ext cx="5184" cy="284"/>
+              <a:chOff x="384" y="768"/>
+              <a:chExt cx="5184" cy="284"/>
+            </a:xfrm>
+          </p:grpSpPr>
+          <p:sp>
+            <p:nvSpPr>
+              <p:cNvPr id="13323" name="Text Box 18"/>
+              <p:cNvSpPr txBox="1">
+                <a:spLocks noChangeArrowheads="1"/>
+              </p:cNvSpPr>
+              <p:nvPr/>
+            </p:nvSpPr>
+            <p:spPr bwMode="auto">
+              <a:xfrm>
+                <a:off x="384" y="768"/>
+                <a:ext cx="5184" cy="250"/>
+              </a:xfrm>
+              <a:prstGeom prst="rect">
+                <a:avLst/>
+              </a:prstGeom>
+              <a:noFill/>
+              <a:ln w="19050">
+                <a:noFill/>
+                <a:miter lim="800000"/>
+                <a:headEnd/>
+                <a:tailEnd type="none" w="lg" len="med"/>
+              </a:ln>
+            </p:spPr>
+            <p:txBody>
+              <a:bodyPr>
+                <a:spAutoFit/>
+              </a:bodyPr>
+              <a:lstStyle/>
+              <a:p>
+                <a:pPr>
+                  <a:spcBef>
+                    <a:spcPct val="20000"/>
+                  </a:spcBef>
+                </a:pPr>
+                <a:r>
+                  <a:rPr lang="en-US" sz="2000" b="1" i="1" dirty="0">
+                    <a:solidFill>
+                      <a:schemeClr val="tx1"/>
+                    </a:solidFill>
+                    <a:latin typeface="Arial Unicode MS" panose="020B0604020202020204" pitchFamily="34" charset="-128"/>
+                    <a:ea typeface="Arial Unicode MS" panose="020B0604020202020204" pitchFamily="34" charset="-128"/>
+                    <a:cs typeface="Arial Unicode MS" panose="020B0604020202020204" pitchFamily="34" charset="-128"/>
+                  </a:rPr>
+                  <a:t>Normalization</a:t>
+                </a:r>
+              </a:p>
+            </p:txBody>
+          </p:sp>
+          <p:sp>
+            <p:nvSpPr>
+              <p:cNvPr id="13324" name="Line 19"/>
+              <p:cNvSpPr>
+                <a:spLocks noChangeShapeType="1"/>
+              </p:cNvSpPr>
+              <p:nvPr/>
+            </p:nvSpPr>
+            <p:spPr bwMode="auto">
+              <a:xfrm>
+                <a:off x="394" y="1052"/>
+                <a:ext cx="4906" cy="0"/>
+              </a:xfrm>
+              <a:prstGeom prst="line">
+                <a:avLst/>
+              </a:prstGeom>
+              <a:noFill/>
+              <a:ln w="28575">
+                <a:solidFill>
+                  <a:srgbClr val="000066"/>
+                </a:solidFill>
+                <a:round/>
+                <a:headEnd/>
+                <a:tailEnd type="none" w="lg" len="med"/>
+              </a:ln>
+            </p:spPr>
+            <p:txBody>
+              <a:bodyPr/>
+              <a:lstStyle/>
+              <a:p>
+                <a:endParaRPr lang="en-US" dirty="0">
+                  <a:solidFill>
+                    <a:schemeClr val="tx1"/>
+                  </a:solidFill>
+                  <a:latin typeface="Arial Unicode MS" panose="020B0604020202020204" pitchFamily="34" charset="-128"/>
+                  <a:ea typeface="Arial Unicode MS" panose="020B0604020202020204" pitchFamily="34" charset="-128"/>
+                  <a:cs typeface="Arial Unicode MS" panose="020B0604020202020204" pitchFamily="34" charset="-128"/>
+                </a:endParaRPr>
+              </a:p>
+            </p:txBody>
+          </p:sp>
+        </p:grpSp>
+        <p:sp>
+          <p:nvSpPr>
+            <p:cNvPr id="13322" name="Rectangle 20"/>
+            <p:cNvSpPr>
+              <a:spLocks noChangeArrowheads="1"/>
+            </p:cNvSpPr>
+            <p:nvPr/>
+          </p:nvSpPr>
+          <p:spPr bwMode="auto">
+            <a:xfrm>
+              <a:off x="384" y="1104"/>
+              <a:ext cx="5184" cy="480"/>
+            </a:xfrm>
+            <a:prstGeom prst="rect">
+              <a:avLst/>
+            </a:prstGeom>
+            <a:solidFill>
+              <a:schemeClr val="bg1"/>
+            </a:solidFill>
+            <a:ln w="9525">
+              <a:noFill/>
+              <a:miter lim="800000"/>
+              <a:headEnd/>
+              <a:tailEnd/>
+            </a:ln>
+          </p:spPr>
+          <p:txBody>
+            <a:bodyPr/>
+            <a:lstStyle/>
+            <a:p>
+              <a:pPr marL="457200" indent="-457200">
+                <a:spcBef>
+                  <a:spcPct val="50000"/>
+                </a:spcBef>
+                <a:buClr>
+                  <a:srgbClr val="000066"/>
+                </a:buClr>
+                <a:buFontTx/>
+                <a:buChar char="–"/>
+              </a:pPr>
+              <a:r>
+                <a:rPr lang="en-US" sz="1800" dirty="0">
+                  <a:solidFill>
+                    <a:schemeClr val="tx1"/>
+                  </a:solidFill>
+                  <a:latin typeface="Arial Unicode MS" panose="020B0604020202020204" pitchFamily="34" charset="-128"/>
+                  <a:ea typeface="Arial Unicode MS" panose="020B0604020202020204" pitchFamily="34" charset="-128"/>
+                  <a:cs typeface="Arial Unicode MS" panose="020B0604020202020204" pitchFamily="34" charset="-128"/>
+                </a:rPr>
+                <a:t>All data stored in tables (similar to spreadsheet “worksheets” but more rigid)</a:t>
+              </a:r>
+            </a:p>
+            <a:p>
+              <a:pPr marL="457200" indent="-457200">
+                <a:spcBef>
+                  <a:spcPct val="50000"/>
+                </a:spcBef>
+                <a:buClr>
+                  <a:srgbClr val="000066"/>
+                </a:buClr>
+                <a:buFontTx/>
+                <a:buChar char="–"/>
+              </a:pPr>
+              <a:r>
+                <a:rPr lang="en-US" sz="1800" dirty="0">
+                  <a:solidFill>
+                    <a:schemeClr val="tx1"/>
+                  </a:solidFill>
+                  <a:latin typeface="Arial Unicode MS" panose="020B0604020202020204" pitchFamily="34" charset="-128"/>
+                  <a:ea typeface="Arial Unicode MS" panose="020B0604020202020204" pitchFamily="34" charset="-128"/>
+                  <a:cs typeface="Arial Unicode MS" panose="020B0604020202020204" pitchFamily="34" charset="-128"/>
+                </a:rPr>
+                <a:t>Each cell contains a </a:t>
+              </a:r>
+              <a:r>
+                <a:rPr lang="en-US" sz="1800" b="1" dirty="0">
+                  <a:solidFill>
+                    <a:schemeClr val="tx1"/>
+                  </a:solidFill>
+                  <a:latin typeface="Arial Unicode MS" panose="020B0604020202020204" pitchFamily="34" charset="-128"/>
+                  <a:ea typeface="Arial Unicode MS" panose="020B0604020202020204" pitchFamily="34" charset="-128"/>
+                  <a:cs typeface="Arial Unicode MS" panose="020B0604020202020204" pitchFamily="34" charset="-128"/>
+                </a:rPr>
+                <a:t>single</a:t>
+              </a:r>
+              <a:r>
+                <a:rPr lang="en-US" sz="1800" dirty="0">
+                  <a:solidFill>
+                    <a:schemeClr val="tx1"/>
+                  </a:solidFill>
+                  <a:latin typeface="Arial Unicode MS" panose="020B0604020202020204" pitchFamily="34" charset="-128"/>
+                  <a:ea typeface="Arial Unicode MS" panose="020B0604020202020204" pitchFamily="34" charset="-128"/>
+                  <a:cs typeface="Arial Unicode MS" panose="020B0604020202020204" pitchFamily="34" charset="-128"/>
+                </a:rPr>
+                <a:t> value (e.g., no list of “orders” in cell)</a:t>
+              </a:r>
+            </a:p>
+            <a:p>
+              <a:pPr marL="457200" indent="-457200">
+                <a:spcBef>
+                  <a:spcPct val="50000"/>
+                </a:spcBef>
+                <a:buClr>
+                  <a:srgbClr val="000066"/>
+                </a:buClr>
+                <a:buFontTx/>
+                <a:buChar char="–"/>
+              </a:pPr>
+              <a:r>
+                <a:rPr lang="en-US" sz="1800" dirty="0">
+                  <a:solidFill>
+                    <a:schemeClr val="tx1"/>
+                  </a:solidFill>
+                  <a:latin typeface="Arial Unicode MS" panose="020B0604020202020204" pitchFamily="34" charset="-128"/>
+                  <a:ea typeface="Arial Unicode MS" panose="020B0604020202020204" pitchFamily="34" charset="-128"/>
+                  <a:cs typeface="Arial Unicode MS" panose="020B0604020202020204" pitchFamily="34" charset="-128"/>
+                </a:rPr>
+                <a:t>Prevents insertion, deletion and update anomalies</a:t>
+              </a:r>
+            </a:p>
+          </p:txBody>
+        </p:sp>
+      </p:grpSp>
+    </p:spTree>
+    <p:extLst>
+      <p:ext uri="{BB962C8B-B14F-4D97-AF65-F5344CB8AC3E}">
+        <p14:creationId xmlns:p14="http://schemas.microsoft.com/office/powerpoint/2010/main" val="1645217966"/>
+      </p:ext>
+    </p:extLst>
+  </p:cSld>
+  <p:clrMapOvr>
+    <a:masterClrMapping/>
+  </p:clrMapOvr>
+  <p:timing>
+    <p:tnLst>
+      <p:par>
+        <p:cTn id="1" dur="indefinite" restart="never" nodeType="tmRoot">
+          <p:childTnLst>
+            <p:seq concurrent="1" nextAc="seek">
+              <p:cTn id="2" dur="indefinite" nodeType="mainSeq">
+                <p:childTnLst>
+                  <p:par>
+                    <p:cTn id="3" fill="hold">
+                      <p:stCondLst>
+                        <p:cond delay="indefinite"/>
+                      </p:stCondLst>
+                      <p:childTnLst>
+                        <p:par>
+                          <p:cTn id="4" fill="hold">
+                            <p:stCondLst>
+                              <p:cond delay="0"/>
+                            </p:stCondLst>
+                            <p:childTnLst>
+                              <p:par>
+                                <p:cTn id="5" presetID="9" presetClass="entr" presetSubtype="0" fill="hold" nodeType="clickEffect">
+                                  <p:stCondLst>
+                                    <p:cond delay="0"/>
+                                  </p:stCondLst>
+                                  <p:childTnLst>
+                                    <p:set>
+                                      <p:cBhvr>
+                                        <p:cTn id="6" dur="1" fill="hold">
+                                          <p:stCondLst>
+                                            <p:cond delay="0"/>
+                                          </p:stCondLst>
+                                        </p:cTn>
+                                        <p:tgtEl>
+                                          <p:spTgt spid="2"/>
+                                        </p:tgtEl>
+                                        <p:attrNameLst>
+                                          <p:attrName>style.visibility</p:attrName>
+                                        </p:attrNameLst>
+                                      </p:cBhvr>
+                                      <p:to>
+                                        <p:strVal val="visible"/>
+                                      </p:to>
+                                    </p:set>
+                                    <p:animEffect transition="in" filter="dissolve">
+                                      <p:cBhvr>
+                                        <p:cTn id="7" dur="500"/>
+                                        <p:tgtEl>
+                                          <p:spTgt spid="2"/>
+                                        </p:tgtEl>
+                                      </p:cBhvr>
+                                    </p:animEffect>
+                                  </p:childTnLst>
+                                </p:cTn>
+                              </p:par>
+                            </p:childTnLst>
+                          </p:cTn>
+                        </p:par>
+                      </p:childTnLst>
+                    </p:cTn>
+                  </p:par>
+                  <p:par>
+                    <p:cTn id="8" fill="hold">
+                      <p:stCondLst>
+                        <p:cond delay="indefinite"/>
+                      </p:stCondLst>
+                      <p:childTnLst>
+                        <p:par>
+                          <p:cTn id="9" fill="hold">
+                            <p:stCondLst>
+                              <p:cond delay="0"/>
+                            </p:stCondLst>
+                            <p:childTnLst>
+                              <p:par>
+                                <p:cTn id="10" presetID="9" presetClass="entr" presetSubtype="0" fill="hold" nodeType="clickEffect">
+                                  <p:stCondLst>
+                                    <p:cond delay="0"/>
+                                  </p:stCondLst>
+                                  <p:childTnLst>
+                                    <p:set>
+                                      <p:cBhvr>
+                                        <p:cTn id="11" dur="1" fill="hold">
+                                          <p:stCondLst>
+                                            <p:cond delay="0"/>
+                                          </p:stCondLst>
+                                        </p:cTn>
+                                        <p:tgtEl>
+                                          <p:spTgt spid="3"/>
+                                        </p:tgtEl>
+                                        <p:attrNameLst>
+                                          <p:attrName>style.visibility</p:attrName>
+                                        </p:attrNameLst>
+                                      </p:cBhvr>
+                                      <p:to>
+                                        <p:strVal val="visible"/>
+                                      </p:to>
+                                    </p:set>
+                                    <p:animEffect transition="in" filter="dissolve">
+                                      <p:cBhvr>
+                                        <p:cTn id="12" dur="500"/>
+                                        <p:tgtEl>
+                                          <p:spTgt spid="3"/>
+                                        </p:tgtEl>
+                                      </p:cBhvr>
+                                    </p:animEffect>
+                                  </p:childTnLst>
+                                </p:cTn>
+                              </p:par>
+                            </p:childTnLst>
+                          </p:cTn>
+                        </p:par>
+                      </p:childTnLst>
+                    </p:cTn>
+                  </p:par>
+                </p:childTnLst>
+              </p:cTn>
+              <p:prevCondLst>
+                <p:cond evt="onPrev" delay="0">
+                  <p:tgtEl>
+                    <p:sldTgt/>
+                  </p:tgtEl>
+                </p:cond>
+              </p:prevCondLst>
+              <p:nextCondLst>
+                <p:cond evt="onNext" delay="0">
+                  <p:tgtEl>
+                    <p:sldTgt/>
+                  </p:tgtEl>
+                </p:cond>
+              </p:nextCondLst>
+            </p:seq>
+          </p:childTnLst>
+        </p:cTn>
+      </p:par>
+    </p:tnLst>
+  </p:timing>
 </p:sld>
 </file>
 
